--- a/slides/7_DimensionalityReduction.pptx
+++ b/slides/7_DimensionalityReduction.pptx
@@ -6,41 +6,40 @@
     <p:sldMasterId id="2147483668" r:id="rId2"/>
   </p:sldMasterIdLst>
   <p:notesMasterIdLst>
-    <p:notesMasterId r:id="rId35"/>
+    <p:notesMasterId r:id="rId34"/>
   </p:notesMasterIdLst>
   <p:sldIdLst>
     <p:sldId id="275" r:id="rId3"/>
     <p:sldId id="603" r:id="rId4"/>
     <p:sldId id="704" r:id="rId5"/>
-    <p:sldId id="705" r:id="rId6"/>
-    <p:sldId id="706" r:id="rId7"/>
-    <p:sldId id="708" r:id="rId8"/>
-    <p:sldId id="709" r:id="rId9"/>
-    <p:sldId id="711" r:id="rId10"/>
-    <p:sldId id="710" r:id="rId11"/>
-    <p:sldId id="691" r:id="rId12"/>
-    <p:sldId id="698" r:id="rId13"/>
-    <p:sldId id="695" r:id="rId14"/>
-    <p:sldId id="699" r:id="rId15"/>
-    <p:sldId id="707" r:id="rId16"/>
-    <p:sldId id="712" r:id="rId17"/>
-    <p:sldId id="713" r:id="rId18"/>
-    <p:sldId id="714" r:id="rId19"/>
-    <p:sldId id="715" r:id="rId20"/>
-    <p:sldId id="720" r:id="rId21"/>
-    <p:sldId id="702" r:id="rId22"/>
-    <p:sldId id="700" r:id="rId23"/>
-    <p:sldId id="701" r:id="rId24"/>
-    <p:sldId id="716" r:id="rId25"/>
-    <p:sldId id="620" r:id="rId26"/>
-    <p:sldId id="606" r:id="rId27"/>
-    <p:sldId id="607" r:id="rId28"/>
-    <p:sldId id="622" r:id="rId29"/>
-    <p:sldId id="621" r:id="rId30"/>
-    <p:sldId id="626" r:id="rId31"/>
-    <p:sldId id="627" r:id="rId32"/>
-    <p:sldId id="719" r:id="rId33"/>
-    <p:sldId id="718" r:id="rId34"/>
+    <p:sldId id="706" r:id="rId6"/>
+    <p:sldId id="708" r:id="rId7"/>
+    <p:sldId id="709" r:id="rId8"/>
+    <p:sldId id="711" r:id="rId9"/>
+    <p:sldId id="710" r:id="rId10"/>
+    <p:sldId id="691" r:id="rId11"/>
+    <p:sldId id="698" r:id="rId12"/>
+    <p:sldId id="695" r:id="rId13"/>
+    <p:sldId id="699" r:id="rId14"/>
+    <p:sldId id="707" r:id="rId15"/>
+    <p:sldId id="712" r:id="rId16"/>
+    <p:sldId id="713" r:id="rId17"/>
+    <p:sldId id="714" r:id="rId18"/>
+    <p:sldId id="715" r:id="rId19"/>
+    <p:sldId id="720" r:id="rId20"/>
+    <p:sldId id="702" r:id="rId21"/>
+    <p:sldId id="700" r:id="rId22"/>
+    <p:sldId id="701" r:id="rId23"/>
+    <p:sldId id="716" r:id="rId24"/>
+    <p:sldId id="620" r:id="rId25"/>
+    <p:sldId id="606" r:id="rId26"/>
+    <p:sldId id="607" r:id="rId27"/>
+    <p:sldId id="622" r:id="rId28"/>
+    <p:sldId id="621" r:id="rId29"/>
+    <p:sldId id="626" r:id="rId30"/>
+    <p:sldId id="627" r:id="rId31"/>
+    <p:sldId id="719" r:id="rId32"/>
+    <p:sldId id="718" r:id="rId33"/>
   </p:sldIdLst>
   <p:sldSz cx="12192000" cy="6858000"/>
   <p:notesSz cx="6858000" cy="9144000"/>
@@ -229,7 +228,7 @@
           <a:p>
             <a:fld id="{ED460DB7-3564-4028-881B-4A225B453265}" type="datetimeFigureOut">
               <a:rPr lang="en-US" smtClean="0"/>
-              <a:t>7/18/2021</a:t>
+              <a:t>7/19/2021</a:t>
             </a:fld>
             <a:endParaRPr lang="en-US"/>
           </a:p>
@@ -656,7 +655,7 @@
     </p:spTree>
     <p:extLst>
       <p:ext uri="{BB962C8B-B14F-4D97-AF65-F5344CB8AC3E}">
-        <p14:creationId xmlns:p14="http://schemas.microsoft.com/office/powerpoint/2010/main" val="3089706621"/>
+        <p14:creationId xmlns:p14="http://schemas.microsoft.com/office/powerpoint/2010/main" val="994236571"/>
       </p:ext>
     </p:extLst>
   </p:cSld>
@@ -741,7 +740,7 @@
     </p:spTree>
     <p:extLst>
       <p:ext uri="{BB962C8B-B14F-4D97-AF65-F5344CB8AC3E}">
-        <p14:creationId xmlns:p14="http://schemas.microsoft.com/office/powerpoint/2010/main" val="994236571"/>
+        <p14:creationId xmlns:p14="http://schemas.microsoft.com/office/powerpoint/2010/main" val="548079403"/>
       </p:ext>
     </p:extLst>
   </p:cSld>
@@ -826,7 +825,7 @@
     </p:spTree>
     <p:extLst>
       <p:ext uri="{BB962C8B-B14F-4D97-AF65-F5344CB8AC3E}">
-        <p14:creationId xmlns:p14="http://schemas.microsoft.com/office/powerpoint/2010/main" val="548079403"/>
+        <p14:creationId xmlns:p14="http://schemas.microsoft.com/office/powerpoint/2010/main" val="2024467957"/>
       </p:ext>
     </p:extLst>
   </p:cSld>
@@ -911,7 +910,7 @@
     </p:spTree>
     <p:extLst>
       <p:ext uri="{BB962C8B-B14F-4D97-AF65-F5344CB8AC3E}">
-        <p14:creationId xmlns:p14="http://schemas.microsoft.com/office/powerpoint/2010/main" val="2024467957"/>
+        <p14:creationId xmlns:p14="http://schemas.microsoft.com/office/powerpoint/2010/main" val="1710571687"/>
       </p:ext>
     </p:extLst>
   </p:cSld>
@@ -988,91 +987,6 @@
               <a:rPr lang="en-US" smtClean="0"/>
               <a:pPr/>
               <a:t>29</a:t>
-            </a:fld>
-            <a:endParaRPr lang="en-US"/>
-          </a:p>
-        </p:txBody>
-      </p:sp>
-    </p:spTree>
-    <p:extLst>
-      <p:ext uri="{BB962C8B-B14F-4D97-AF65-F5344CB8AC3E}">
-        <p14:creationId xmlns:p14="http://schemas.microsoft.com/office/powerpoint/2010/main" val="1710571687"/>
-      </p:ext>
-    </p:extLst>
-  </p:cSld>
-  <p:clrMapOvr>
-    <a:masterClrMapping/>
-  </p:clrMapOvr>
-</p:notes>
-</file>
-
-<file path=ppt/notesSlides/notesSlide15.xml><?xml version="1.0" encoding="utf-8"?>
-<p:notes xmlns:a="http://schemas.openxmlformats.org/drawingml/2006/main" xmlns:r="http://schemas.openxmlformats.org/officeDocument/2006/relationships" xmlns:p="http://schemas.openxmlformats.org/presentationml/2006/main">
-  <p:cSld>
-    <p:spTree>
-      <p:nvGrpSpPr>
-        <p:cNvPr id="1" name=""/>
-        <p:cNvGrpSpPr/>
-        <p:nvPr/>
-      </p:nvGrpSpPr>
-      <p:grpSpPr>
-        <a:xfrm>
-          <a:off x="0" y="0"/>
-          <a:ext cx="0" cy="0"/>
-          <a:chOff x="0" y="0"/>
-          <a:chExt cx="0" cy="0"/>
-        </a:xfrm>
-      </p:grpSpPr>
-      <p:sp>
-        <p:nvSpPr>
-          <p:cNvPr id="2" name="Slide Image Placeholder 1"/>
-          <p:cNvSpPr>
-            <a:spLocks noGrp="1" noRot="1" noChangeAspect="1"/>
-          </p:cNvSpPr>
-          <p:nvPr>
-            <p:ph type="sldImg"/>
-          </p:nvPr>
-        </p:nvSpPr>
-        <p:spPr/>
-      </p:sp>
-      <p:sp>
-        <p:nvSpPr>
-          <p:cNvPr id="3" name="Notes Placeholder 2"/>
-          <p:cNvSpPr>
-            <a:spLocks noGrp="1"/>
-          </p:cNvSpPr>
-          <p:nvPr>
-            <p:ph type="body" idx="1"/>
-          </p:nvPr>
-        </p:nvSpPr>
-        <p:spPr/>
-        <p:txBody>
-          <a:bodyPr/>
-          <a:lstStyle/>
-          <a:p>
-            <a:endParaRPr lang="en-US" dirty="0"/>
-          </a:p>
-        </p:txBody>
-      </p:sp>
-      <p:sp>
-        <p:nvSpPr>
-          <p:cNvPr id="4" name="Slide Number Placeholder 3"/>
-          <p:cNvSpPr>
-            <a:spLocks noGrp="1"/>
-          </p:cNvSpPr>
-          <p:nvPr>
-            <p:ph type="sldNum" sz="quarter" idx="10"/>
-          </p:nvPr>
-        </p:nvSpPr>
-        <p:spPr/>
-        <p:txBody>
-          <a:bodyPr/>
-          <a:lstStyle/>
-          <a:p>
-            <a:fld id="{4CFD207A-07DF-40AD-A916-9872E089CE7A}" type="slidenum">
-              <a:rPr lang="en-US" smtClean="0"/>
-              <a:pPr/>
-              <a:t>30</a:t>
             </a:fld>
             <a:endParaRPr lang="en-US"/>
           </a:p>
@@ -1251,7 +1165,7 @@
     </p:spTree>
     <p:extLst>
       <p:ext uri="{BB962C8B-B14F-4D97-AF65-F5344CB8AC3E}">
-        <p14:creationId xmlns:p14="http://schemas.microsoft.com/office/powerpoint/2010/main" val="2087334639"/>
+        <p14:creationId xmlns:p14="http://schemas.microsoft.com/office/powerpoint/2010/main" val="2519664316"/>
       </p:ext>
     </p:extLst>
   </p:cSld>
@@ -1336,7 +1250,7 @@
     </p:spTree>
     <p:extLst>
       <p:ext uri="{BB962C8B-B14F-4D97-AF65-F5344CB8AC3E}">
-        <p14:creationId xmlns:p14="http://schemas.microsoft.com/office/powerpoint/2010/main" val="2519664316"/>
+        <p14:creationId xmlns:p14="http://schemas.microsoft.com/office/powerpoint/2010/main" val="1409881918"/>
       </p:ext>
     </p:extLst>
   </p:cSld>
@@ -1421,7 +1335,7 @@
     </p:spTree>
     <p:extLst>
       <p:ext uri="{BB962C8B-B14F-4D97-AF65-F5344CB8AC3E}">
-        <p14:creationId xmlns:p14="http://schemas.microsoft.com/office/powerpoint/2010/main" val="1409881918"/>
+        <p14:creationId xmlns:p14="http://schemas.microsoft.com/office/powerpoint/2010/main" val="3189151139"/>
       </p:ext>
     </p:extLst>
   </p:cSld>
@@ -1506,7 +1420,7 @@
     </p:spTree>
     <p:extLst>
       <p:ext uri="{BB962C8B-B14F-4D97-AF65-F5344CB8AC3E}">
-        <p14:creationId xmlns:p14="http://schemas.microsoft.com/office/powerpoint/2010/main" val="3189151139"/>
+        <p14:creationId xmlns:p14="http://schemas.microsoft.com/office/powerpoint/2010/main" val="2839771360"/>
       </p:ext>
     </p:extLst>
   </p:cSld>
@@ -1591,7 +1505,7 @@
     </p:spTree>
     <p:extLst>
       <p:ext uri="{BB962C8B-B14F-4D97-AF65-F5344CB8AC3E}">
-        <p14:creationId xmlns:p14="http://schemas.microsoft.com/office/powerpoint/2010/main" val="2839771360"/>
+        <p14:creationId xmlns:p14="http://schemas.microsoft.com/office/powerpoint/2010/main" val="3780788209"/>
       </p:ext>
     </p:extLst>
   </p:cSld>
@@ -1667,7 +1581,7 @@
             <a:fld id="{4CFD207A-07DF-40AD-A916-9872E089CE7A}" type="slidenum">
               <a:rPr lang="en-US" smtClean="0"/>
               <a:pPr/>
-              <a:t>9</a:t>
+              <a:t>23</a:t>
             </a:fld>
             <a:endParaRPr lang="en-US"/>
           </a:p>
@@ -1676,7 +1590,7 @@
     </p:spTree>
     <p:extLst>
       <p:ext uri="{BB962C8B-B14F-4D97-AF65-F5344CB8AC3E}">
-        <p14:creationId xmlns:p14="http://schemas.microsoft.com/office/powerpoint/2010/main" val="3780788209"/>
+        <p14:creationId xmlns:p14="http://schemas.microsoft.com/office/powerpoint/2010/main" val="377753752"/>
       </p:ext>
     </p:extLst>
   </p:cSld>
@@ -1761,7 +1675,7 @@
     </p:spTree>
     <p:extLst>
       <p:ext uri="{BB962C8B-B14F-4D97-AF65-F5344CB8AC3E}">
-        <p14:creationId xmlns:p14="http://schemas.microsoft.com/office/powerpoint/2010/main" val="377753752"/>
+        <p14:creationId xmlns:p14="http://schemas.microsoft.com/office/powerpoint/2010/main" val="3089706621"/>
       </p:ext>
     </p:extLst>
   </p:cSld>
@@ -1918,7 +1832,7 @@
           <a:p>
             <a:fld id="{C62B3463-61C8-4819-BC9A-C94FD847F060}" type="datetimeFigureOut">
               <a:rPr lang="en-US" smtClean="0"/>
-              <a:t>7/18/2021</a:t>
+              <a:t>7/19/2021</a:t>
             </a:fld>
             <a:endParaRPr lang="en-US"/>
           </a:p>
@@ -2116,7 +2030,7 @@
           <a:p>
             <a:fld id="{C62B3463-61C8-4819-BC9A-C94FD847F060}" type="datetimeFigureOut">
               <a:rPr lang="en-US" smtClean="0"/>
-              <a:t>7/18/2021</a:t>
+              <a:t>7/19/2021</a:t>
             </a:fld>
             <a:endParaRPr lang="en-US"/>
           </a:p>
@@ -2324,7 +2238,7 @@
           <a:p>
             <a:fld id="{C62B3463-61C8-4819-BC9A-C94FD847F060}" type="datetimeFigureOut">
               <a:rPr lang="en-US" smtClean="0"/>
-              <a:t>7/18/2021</a:t>
+              <a:t>7/19/2021</a:t>
             </a:fld>
             <a:endParaRPr lang="en-US"/>
           </a:p>
@@ -3237,7 +3151,7 @@
           <a:p>
             <a:fld id="{4ACD6B4E-9726-48B7-95FC-86DC5068328F}" type="datetimeFigureOut">
               <a:rPr lang="en-US" smtClean="0"/>
-              <a:t>7/18/2021</a:t>
+              <a:t>7/19/2021</a:t>
             </a:fld>
             <a:endParaRPr lang="en-US"/>
           </a:p>
@@ -3435,7 +3349,7 @@
           <a:p>
             <a:fld id="{C62B3463-61C8-4819-BC9A-C94FD847F060}" type="datetimeFigureOut">
               <a:rPr lang="en-US" smtClean="0"/>
-              <a:t>7/18/2021</a:t>
+              <a:t>7/19/2021</a:t>
             </a:fld>
             <a:endParaRPr lang="en-US"/>
           </a:p>
@@ -3710,7 +3624,7 @@
           <a:p>
             <a:fld id="{C62B3463-61C8-4819-BC9A-C94FD847F060}" type="datetimeFigureOut">
               <a:rPr lang="en-US" smtClean="0"/>
-              <a:t>7/18/2021</a:t>
+              <a:t>7/19/2021</a:t>
             </a:fld>
             <a:endParaRPr lang="en-US"/>
           </a:p>
@@ -3975,7 +3889,7 @@
           <a:p>
             <a:fld id="{C62B3463-61C8-4819-BC9A-C94FD847F060}" type="datetimeFigureOut">
               <a:rPr lang="en-US" smtClean="0"/>
-              <a:t>7/18/2021</a:t>
+              <a:t>7/19/2021</a:t>
             </a:fld>
             <a:endParaRPr lang="en-US"/>
           </a:p>
@@ -4387,7 +4301,7 @@
           <a:p>
             <a:fld id="{C62B3463-61C8-4819-BC9A-C94FD847F060}" type="datetimeFigureOut">
               <a:rPr lang="en-US" smtClean="0"/>
-              <a:t>7/18/2021</a:t>
+              <a:t>7/19/2021</a:t>
             </a:fld>
             <a:endParaRPr lang="en-US"/>
           </a:p>
@@ -4528,7 +4442,7 @@
           <a:p>
             <a:fld id="{C62B3463-61C8-4819-BC9A-C94FD847F060}" type="datetimeFigureOut">
               <a:rPr lang="en-US" smtClean="0"/>
-              <a:t>7/18/2021</a:t>
+              <a:t>7/19/2021</a:t>
             </a:fld>
             <a:endParaRPr lang="en-US"/>
           </a:p>
@@ -4641,7 +4555,7 @@
           <a:p>
             <a:fld id="{C62B3463-61C8-4819-BC9A-C94FD847F060}" type="datetimeFigureOut">
               <a:rPr lang="en-US" smtClean="0"/>
-              <a:t>7/18/2021</a:t>
+              <a:t>7/19/2021</a:t>
             </a:fld>
             <a:endParaRPr lang="en-US"/>
           </a:p>
@@ -4952,7 +4866,7 @@
           <a:p>
             <a:fld id="{C62B3463-61C8-4819-BC9A-C94FD847F060}" type="datetimeFigureOut">
               <a:rPr lang="en-US" smtClean="0"/>
-              <a:t>7/18/2021</a:t>
+              <a:t>7/19/2021</a:t>
             </a:fld>
             <a:endParaRPr lang="en-US"/>
           </a:p>
@@ -5240,7 +5154,7 @@
           <a:p>
             <a:fld id="{C62B3463-61C8-4819-BC9A-C94FD847F060}" type="datetimeFigureOut">
               <a:rPr lang="en-US" smtClean="0"/>
-              <a:t>7/18/2021</a:t>
+              <a:t>7/19/2021</a:t>
             </a:fld>
             <a:endParaRPr lang="en-US"/>
           </a:p>
@@ -5481,7 +5395,7 @@
           <a:p>
             <a:fld id="{C62B3463-61C8-4819-BC9A-C94FD847F060}" type="datetimeFigureOut">
               <a:rPr lang="en-US" smtClean="0"/>
-              <a:t>7/18/2021</a:t>
+              <a:t>7/19/2021</a:t>
             </a:fld>
             <a:endParaRPr lang="en-US"/>
           </a:p>
@@ -6633,585 +6547,6 @@
         </p:nvSpPr>
         <p:spPr>
           <a:xfrm>
-            <a:off x="838200" y="365126"/>
-            <a:ext cx="10515600" cy="613070"/>
-          </a:xfrm>
-        </p:spPr>
-        <p:txBody>
-          <a:bodyPr>
-            <a:normAutofit fontScale="90000"/>
-          </a:bodyPr>
-          <a:lstStyle/>
-          <a:p>
-            <a:r>
-              <a:rPr lang="en-US" sz="4000" dirty="0">
-                <a:latin typeface="+mn-lt"/>
-                <a:cs typeface="Segoe UI" panose="020B0502040204020203" pitchFamily="34" charset="0"/>
-              </a:rPr>
-              <a:t>Review of Eigenvalues and Eigenvectors</a:t>
-            </a:r>
-          </a:p>
-        </p:txBody>
-      </p:sp>
-      <p:sp>
-        <p:nvSpPr>
-          <p:cNvPr id="3" name="Content Placeholder 2">
-            <a:extLst>
-              <a:ext uri="{FF2B5EF4-FFF2-40B4-BE49-F238E27FC236}">
-                <a16:creationId xmlns:a16="http://schemas.microsoft.com/office/drawing/2014/main" id="{6948E274-B4C9-49D5-BB15-6A382137E2DD}"/>
-              </a:ext>
-            </a:extLst>
-          </p:cNvPr>
-          <p:cNvSpPr>
-            <a:spLocks noGrp="1"/>
-          </p:cNvSpPr>
-          <p:nvPr>
-            <p:ph sz="quarter" idx="10"/>
-          </p:nvPr>
-        </p:nvSpPr>
-        <p:spPr>
-          <a:xfrm>
-            <a:off x="379514" y="1286539"/>
-            <a:ext cx="11525250" cy="5389245"/>
-          </a:xfrm>
-        </p:spPr>
-        <p:txBody>
-          <a:bodyPr/>
-          <a:lstStyle/>
-          <a:p>
-            <a:pPr marL="0" indent="0">
-              <a:buNone/>
-            </a:pPr>
-            <a:r>
-              <a:rPr lang="en-US" sz="2800" b="1" dirty="0">
-                <a:latin typeface="+mn-lt"/>
-                <a:cs typeface="Segoe UI" panose="020B0502040204020203" pitchFamily="34" charset="0"/>
-              </a:rPr>
-              <a:t>Eigenvalues</a:t>
-            </a:r>
-            <a:r>
-              <a:rPr lang="en-US" sz="2800" dirty="0">
-                <a:latin typeface="+mn-lt"/>
-                <a:cs typeface="Segoe UI" panose="020B0502040204020203" pitchFamily="34" charset="0"/>
-              </a:rPr>
-              <a:t> are characteristic roots or characteristic values of a linear system</a:t>
-            </a:r>
-          </a:p>
-          <a:p>
-            <a:r>
-              <a:rPr lang="en-US" sz="2800" dirty="0">
-                <a:latin typeface="+mn-lt"/>
-                <a:cs typeface="Segoe UI" panose="020B0502040204020203" pitchFamily="34" charset="0"/>
-              </a:rPr>
-              <a:t>Start with the eigenvalue, eigenvector relationship: </a:t>
-            </a:r>
-          </a:p>
-          <a:p>
-            <a:endParaRPr lang="en-US" sz="2800" dirty="0">
-              <a:latin typeface="+mn-lt"/>
-              <a:cs typeface="Segoe UI" panose="020B0502040204020203" pitchFamily="34" charset="0"/>
-            </a:endParaRPr>
-          </a:p>
-          <a:p>
-            <a:endParaRPr lang="en-US" sz="2800" dirty="0">
-              <a:latin typeface="+mn-lt"/>
-              <a:cs typeface="Segoe UI" panose="020B0502040204020203" pitchFamily="34" charset="0"/>
-            </a:endParaRPr>
-          </a:p>
-          <a:p>
-            <a:endParaRPr lang="en-US" sz="2800" dirty="0">
-              <a:latin typeface="+mn-lt"/>
-              <a:cs typeface="Segoe UI" panose="020B0502040204020203" pitchFamily="34" charset="0"/>
-            </a:endParaRPr>
-          </a:p>
-          <a:p>
-            <a:endParaRPr lang="en-US" sz="2800" dirty="0">
-              <a:latin typeface="+mn-lt"/>
-              <a:cs typeface="Segoe UI" panose="020B0502040204020203" pitchFamily="34" charset="0"/>
-            </a:endParaRPr>
-          </a:p>
-          <a:p>
-            <a:r>
-              <a:rPr lang="en-US" sz="2800" dirty="0">
-                <a:latin typeface="+mn-lt"/>
-                <a:cs typeface="Segoe UI" panose="020B0502040204020203" pitchFamily="34" charset="0"/>
-              </a:rPr>
-              <a:t>To see that </a:t>
-            </a:r>
-            <a:r>
-              <a:rPr lang="en-US" sz="2800" dirty="0">
-                <a:latin typeface="Symbol" panose="05050102010706020507" pitchFamily="18" charset="2"/>
-                <a:cs typeface="Segoe UI" panose="020B0502040204020203" pitchFamily="34" charset="0"/>
-              </a:rPr>
-              <a:t>l</a:t>
-            </a:r>
-            <a:r>
-              <a:rPr lang="en-US" sz="2800" dirty="0">
-                <a:latin typeface="+mn-lt"/>
-                <a:cs typeface="Segoe UI" panose="020B0502040204020203" pitchFamily="34" charset="0"/>
-              </a:rPr>
-              <a:t> is a root of </a:t>
-            </a:r>
-            <a:r>
-              <a:rPr lang="en-US" sz="2800" i="1" dirty="0">
-                <a:latin typeface="+mn-lt"/>
-                <a:cs typeface="Segoe UI" panose="020B0502040204020203" pitchFamily="34" charset="0"/>
-              </a:rPr>
-              <a:t>A</a:t>
-            </a:r>
-            <a:r>
-              <a:rPr lang="en-US" sz="2800" dirty="0">
-                <a:latin typeface="+mn-lt"/>
-                <a:cs typeface="Segoe UI" panose="020B0502040204020203" pitchFamily="34" charset="0"/>
-              </a:rPr>
-              <a:t> we can rearrange as follows: </a:t>
-            </a:r>
-          </a:p>
-        </p:txBody>
-      </p:sp>
-      <p:pic>
-        <p:nvPicPr>
-          <p:cNvPr id="7" name="Picture 6">
-            <a:extLst>
-              <a:ext uri="{FF2B5EF4-FFF2-40B4-BE49-F238E27FC236}">
-                <a16:creationId xmlns:a16="http://schemas.microsoft.com/office/drawing/2014/main" id="{9AEA1668-3240-481F-9ADA-8EBE27A38FC1}"/>
-              </a:ext>
-            </a:extLst>
-          </p:cNvPr>
-          <p:cNvPicPr>
-            <a:picLocks noChangeAspect="1"/>
-          </p:cNvPicPr>
-          <p:nvPr/>
-        </p:nvPicPr>
-        <p:blipFill>
-          <a:blip r:embed="rId2"/>
-          <a:stretch>
-            <a:fillRect/>
-          </a:stretch>
-        </p:blipFill>
-        <p:spPr>
-          <a:xfrm>
-            <a:off x="4803888" y="2299174"/>
-            <a:ext cx="1554513" cy="388629"/>
-          </a:xfrm>
-          <a:prstGeom prst="rect">
-            <a:avLst/>
-          </a:prstGeom>
-        </p:spPr>
-      </p:pic>
-      <p:pic>
-        <p:nvPicPr>
-          <p:cNvPr id="4" name="Picture 3">
-            <a:extLst>
-              <a:ext uri="{FF2B5EF4-FFF2-40B4-BE49-F238E27FC236}">
-                <a16:creationId xmlns:a16="http://schemas.microsoft.com/office/drawing/2014/main" id="{DB7ECF0E-4535-45CF-9C92-AF8E6CAD2A2C}"/>
-              </a:ext>
-            </a:extLst>
-          </p:cNvPr>
-          <p:cNvPicPr>
-            <a:picLocks noChangeAspect="1"/>
-          </p:cNvPicPr>
-          <p:nvPr/>
-        </p:nvPicPr>
-        <p:blipFill>
-          <a:blip r:embed="rId3"/>
-          <a:stretch>
-            <a:fillRect/>
-          </a:stretch>
-        </p:blipFill>
-        <p:spPr>
-          <a:xfrm>
-            <a:off x="1593149" y="2841975"/>
-            <a:ext cx="5064260" cy="1775402"/>
-          </a:xfrm>
-          <a:prstGeom prst="rect">
-            <a:avLst/>
-          </a:prstGeom>
-        </p:spPr>
-      </p:pic>
-      <p:pic>
-        <p:nvPicPr>
-          <p:cNvPr id="8" name="Picture 7">
-            <a:extLst>
-              <a:ext uri="{FF2B5EF4-FFF2-40B4-BE49-F238E27FC236}">
-                <a16:creationId xmlns:a16="http://schemas.microsoft.com/office/drawing/2014/main" id="{780533CD-4735-4F33-89BD-8EFA70FAB233}"/>
-              </a:ext>
-            </a:extLst>
-          </p:cNvPr>
-          <p:cNvPicPr>
-            <a:picLocks noChangeAspect="1"/>
-          </p:cNvPicPr>
-          <p:nvPr/>
-        </p:nvPicPr>
-        <p:blipFill>
-          <a:blip r:embed="rId4"/>
-          <a:stretch>
-            <a:fillRect/>
-          </a:stretch>
-        </p:blipFill>
-        <p:spPr>
-          <a:xfrm>
-            <a:off x="3634161" y="5371876"/>
-            <a:ext cx="2446991" cy="341043"/>
-          </a:xfrm>
-          <a:prstGeom prst="rect">
-            <a:avLst/>
-          </a:prstGeom>
-        </p:spPr>
-      </p:pic>
-      <p:pic>
-        <p:nvPicPr>
-          <p:cNvPr id="9" name="Picture 8">
-            <a:extLst>
-              <a:ext uri="{FF2B5EF4-FFF2-40B4-BE49-F238E27FC236}">
-                <a16:creationId xmlns:a16="http://schemas.microsoft.com/office/drawing/2014/main" id="{A5F4DAA7-9F50-47C2-9B46-BABFA5B1ABF3}"/>
-              </a:ext>
-            </a:extLst>
-          </p:cNvPr>
-          <p:cNvPicPr>
-            <a:picLocks noChangeAspect="1"/>
-          </p:cNvPicPr>
-          <p:nvPr/>
-        </p:nvPicPr>
-        <p:blipFill>
-          <a:blip r:embed="rId5"/>
-          <a:stretch>
-            <a:fillRect/>
-          </a:stretch>
-        </p:blipFill>
-        <p:spPr>
-          <a:xfrm>
-            <a:off x="3436094" y="5816591"/>
-            <a:ext cx="2597382" cy="413039"/>
-          </a:xfrm>
-          <a:prstGeom prst="rect">
-            <a:avLst/>
-          </a:prstGeom>
-        </p:spPr>
-      </p:pic>
-    </p:spTree>
-    <p:extLst>
-      <p:ext uri="{BB962C8B-B14F-4D97-AF65-F5344CB8AC3E}">
-        <p14:creationId xmlns:p14="http://schemas.microsoft.com/office/powerpoint/2010/main" val="570510071"/>
-      </p:ext>
-    </p:extLst>
-  </p:cSld>
-  <p:clrMapOvr>
-    <a:masterClrMapping/>
-  </p:clrMapOvr>
-  <p:timing>
-    <p:tnLst>
-      <p:par>
-        <p:cTn id="1" dur="indefinite" restart="never" nodeType="tmRoot">
-          <p:childTnLst>
-            <p:seq concurrent="1" nextAc="seek">
-              <p:cTn id="2" dur="indefinite" nodeType="mainSeq">
-                <p:childTnLst>
-                  <p:par>
-                    <p:cTn id="3" fill="hold">
-                      <p:stCondLst>
-                        <p:cond delay="indefinite"/>
-                      </p:stCondLst>
-                      <p:childTnLst>
-                        <p:par>
-                          <p:cTn id="4" fill="hold">
-                            <p:stCondLst>
-                              <p:cond delay="0"/>
-                            </p:stCondLst>
-                            <p:childTnLst>
-                              <p:par>
-                                <p:cTn id="5" presetID="1" presetClass="entr" presetSubtype="0" fill="hold" grpId="0" nodeType="clickEffect">
-                                  <p:stCondLst>
-                                    <p:cond delay="0"/>
-                                  </p:stCondLst>
-                                  <p:childTnLst>
-                                    <p:set>
-                                      <p:cBhvr>
-                                        <p:cTn id="6" dur="1" fill="hold">
-                                          <p:stCondLst>
-                                            <p:cond delay="0"/>
-                                          </p:stCondLst>
-                                        </p:cTn>
-                                        <p:tgtEl>
-                                          <p:spTgt spid="3">
-                                            <p:txEl>
-                                              <p:pRg st="1" end="1"/>
-                                            </p:txEl>
-                                          </p:spTgt>
-                                        </p:tgtEl>
-                                        <p:attrNameLst>
-                                          <p:attrName>style.visibility</p:attrName>
-                                        </p:attrNameLst>
-                                      </p:cBhvr>
-                                      <p:to>
-                                        <p:strVal val="visible"/>
-                                      </p:to>
-                                    </p:set>
-                                  </p:childTnLst>
-                                </p:cTn>
-                              </p:par>
-                            </p:childTnLst>
-                          </p:cTn>
-                        </p:par>
-                      </p:childTnLst>
-                    </p:cTn>
-                  </p:par>
-                  <p:par>
-                    <p:cTn id="7" fill="hold">
-                      <p:stCondLst>
-                        <p:cond delay="indefinite"/>
-                      </p:stCondLst>
-                      <p:childTnLst>
-                        <p:par>
-                          <p:cTn id="8" fill="hold">
-                            <p:stCondLst>
-                              <p:cond delay="0"/>
-                            </p:stCondLst>
-                            <p:childTnLst>
-                              <p:par>
-                                <p:cTn id="9" presetID="1" presetClass="entr" presetSubtype="0" fill="hold" nodeType="clickEffect">
-                                  <p:stCondLst>
-                                    <p:cond delay="0"/>
-                                  </p:stCondLst>
-                                  <p:childTnLst>
-                                    <p:set>
-                                      <p:cBhvr>
-                                        <p:cTn id="10" dur="1" fill="hold">
-                                          <p:stCondLst>
-                                            <p:cond delay="0"/>
-                                          </p:stCondLst>
-                                        </p:cTn>
-                                        <p:tgtEl>
-                                          <p:spTgt spid="7"/>
-                                        </p:tgtEl>
-                                        <p:attrNameLst>
-                                          <p:attrName>style.visibility</p:attrName>
-                                        </p:attrNameLst>
-                                      </p:cBhvr>
-                                      <p:to>
-                                        <p:strVal val="visible"/>
-                                      </p:to>
-                                    </p:set>
-                                  </p:childTnLst>
-                                </p:cTn>
-                              </p:par>
-                              <p:par>
-                                <p:cTn id="11" presetID="1" presetClass="entr" presetSubtype="0" fill="hold" nodeType="withEffect">
-                                  <p:stCondLst>
-                                    <p:cond delay="0"/>
-                                  </p:stCondLst>
-                                  <p:childTnLst>
-                                    <p:set>
-                                      <p:cBhvr>
-                                        <p:cTn id="12" dur="1" fill="hold">
-                                          <p:stCondLst>
-                                            <p:cond delay="0"/>
-                                          </p:stCondLst>
-                                        </p:cTn>
-                                        <p:tgtEl>
-                                          <p:spTgt spid="4"/>
-                                        </p:tgtEl>
-                                        <p:attrNameLst>
-                                          <p:attrName>style.visibility</p:attrName>
-                                        </p:attrNameLst>
-                                      </p:cBhvr>
-                                      <p:to>
-                                        <p:strVal val="visible"/>
-                                      </p:to>
-                                    </p:set>
-                                  </p:childTnLst>
-                                </p:cTn>
-                              </p:par>
-                            </p:childTnLst>
-                          </p:cTn>
-                        </p:par>
-                      </p:childTnLst>
-                    </p:cTn>
-                  </p:par>
-                  <p:par>
-                    <p:cTn id="13" fill="hold">
-                      <p:stCondLst>
-                        <p:cond delay="indefinite"/>
-                      </p:stCondLst>
-                      <p:childTnLst>
-                        <p:par>
-                          <p:cTn id="14" fill="hold">
-                            <p:stCondLst>
-                              <p:cond delay="0"/>
-                            </p:stCondLst>
-                            <p:childTnLst>
-                              <p:par>
-                                <p:cTn id="15" presetID="1" presetClass="entr" presetSubtype="0" fill="hold" grpId="0" nodeType="clickEffect">
-                                  <p:stCondLst>
-                                    <p:cond delay="0"/>
-                                  </p:stCondLst>
-                                  <p:childTnLst>
-                                    <p:set>
-                                      <p:cBhvr>
-                                        <p:cTn id="16" dur="1" fill="hold">
-                                          <p:stCondLst>
-                                            <p:cond delay="0"/>
-                                          </p:stCondLst>
-                                        </p:cTn>
-                                        <p:tgtEl>
-                                          <p:spTgt spid="3">
-                                            <p:txEl>
-                                              <p:pRg st="6" end="6"/>
-                                            </p:txEl>
-                                          </p:spTgt>
-                                        </p:tgtEl>
-                                        <p:attrNameLst>
-                                          <p:attrName>style.visibility</p:attrName>
-                                        </p:attrNameLst>
-                                      </p:cBhvr>
-                                      <p:to>
-                                        <p:strVal val="visible"/>
-                                      </p:to>
-                                    </p:set>
-                                  </p:childTnLst>
-                                </p:cTn>
-                              </p:par>
-                            </p:childTnLst>
-                          </p:cTn>
-                        </p:par>
-                      </p:childTnLst>
-                    </p:cTn>
-                  </p:par>
-                  <p:par>
-                    <p:cTn id="17" fill="hold">
-                      <p:stCondLst>
-                        <p:cond delay="indefinite"/>
-                      </p:stCondLst>
-                      <p:childTnLst>
-                        <p:par>
-                          <p:cTn id="18" fill="hold">
-                            <p:stCondLst>
-                              <p:cond delay="0"/>
-                            </p:stCondLst>
-                            <p:childTnLst>
-                              <p:par>
-                                <p:cTn id="19" presetID="1" presetClass="entr" presetSubtype="0" fill="hold" nodeType="clickEffect">
-                                  <p:stCondLst>
-                                    <p:cond delay="0"/>
-                                  </p:stCondLst>
-                                  <p:childTnLst>
-                                    <p:set>
-                                      <p:cBhvr>
-                                        <p:cTn id="20" dur="1" fill="hold">
-                                          <p:stCondLst>
-                                            <p:cond delay="0"/>
-                                          </p:stCondLst>
-                                        </p:cTn>
-                                        <p:tgtEl>
-                                          <p:spTgt spid="8"/>
-                                        </p:tgtEl>
-                                        <p:attrNameLst>
-                                          <p:attrName>style.visibility</p:attrName>
-                                        </p:attrNameLst>
-                                      </p:cBhvr>
-                                      <p:to>
-                                        <p:strVal val="visible"/>
-                                      </p:to>
-                                    </p:set>
-                                  </p:childTnLst>
-                                </p:cTn>
-                              </p:par>
-                              <p:par>
-                                <p:cTn id="21" presetID="1" presetClass="entr" presetSubtype="0" fill="hold" nodeType="withEffect">
-                                  <p:stCondLst>
-                                    <p:cond delay="0"/>
-                                  </p:stCondLst>
-                                  <p:childTnLst>
-                                    <p:set>
-                                      <p:cBhvr>
-                                        <p:cTn id="22" dur="1" fill="hold">
-                                          <p:stCondLst>
-                                            <p:cond delay="0"/>
-                                          </p:stCondLst>
-                                        </p:cTn>
-                                        <p:tgtEl>
-                                          <p:spTgt spid="9"/>
-                                        </p:tgtEl>
-                                        <p:attrNameLst>
-                                          <p:attrName>style.visibility</p:attrName>
-                                        </p:attrNameLst>
-                                      </p:cBhvr>
-                                      <p:to>
-                                        <p:strVal val="visible"/>
-                                      </p:to>
-                                    </p:set>
-                                  </p:childTnLst>
-                                </p:cTn>
-                              </p:par>
-                            </p:childTnLst>
-                          </p:cTn>
-                        </p:par>
-                      </p:childTnLst>
-                    </p:cTn>
-                  </p:par>
-                </p:childTnLst>
-              </p:cTn>
-              <p:prevCondLst>
-                <p:cond evt="onPrev" delay="0">
-                  <p:tgtEl>
-                    <p:sldTgt/>
-                  </p:tgtEl>
-                </p:cond>
-              </p:prevCondLst>
-              <p:nextCondLst>
-                <p:cond evt="onNext" delay="0">
-                  <p:tgtEl>
-                    <p:sldTgt/>
-                  </p:tgtEl>
-                </p:cond>
-              </p:nextCondLst>
-            </p:seq>
-          </p:childTnLst>
-        </p:cTn>
-      </p:par>
-    </p:tnLst>
-    <p:bldLst>
-      <p:bldP spid="3" grpId="0" uiExpand="1" build="p"/>
-    </p:bldLst>
-  </p:timing>
-</p:sld>
-</file>
-
-<file path=ppt/slides/slide11.xml><?xml version="1.0" encoding="utf-8"?>
-<p:sld xmlns:a="http://schemas.openxmlformats.org/drawingml/2006/main" xmlns:r="http://schemas.openxmlformats.org/officeDocument/2006/relationships" xmlns:p="http://schemas.openxmlformats.org/presentationml/2006/main">
-  <p:cSld>
-    <p:spTree>
-      <p:nvGrpSpPr>
-        <p:cNvPr id="1" name=""/>
-        <p:cNvGrpSpPr/>
-        <p:nvPr/>
-      </p:nvGrpSpPr>
-      <p:grpSpPr>
-        <a:xfrm>
-          <a:off x="0" y="0"/>
-          <a:ext cx="0" cy="0"/>
-          <a:chOff x="0" y="0"/>
-          <a:chExt cx="0" cy="0"/>
-        </a:xfrm>
-      </p:grpSpPr>
-      <p:sp>
-        <p:nvSpPr>
-          <p:cNvPr id="2" name="Title 1">
-            <a:extLst>
-              <a:ext uri="{FF2B5EF4-FFF2-40B4-BE49-F238E27FC236}">
-                <a16:creationId xmlns:a16="http://schemas.microsoft.com/office/drawing/2014/main" id="{2E28F462-DC1F-48AF-8BA3-5D8B887182ED}"/>
-              </a:ext>
-            </a:extLst>
-          </p:cNvPr>
-          <p:cNvSpPr>
-            <a:spLocks noGrp="1"/>
-          </p:cNvSpPr>
-          <p:nvPr>
-            <p:ph type="title"/>
-          </p:nvPr>
-        </p:nvSpPr>
-        <p:spPr>
-          <a:xfrm>
             <a:off x="838200" y="365125"/>
             <a:ext cx="10515600" cy="666233"/>
           </a:xfrm>
@@ -7232,8 +6567,8 @@
           </a:p>
         </p:txBody>
       </p:sp>
-      <mc:AlternateContent xmlns:mc="http://schemas.openxmlformats.org/markup-compatibility/2006" xmlns:a14="http://schemas.microsoft.com/office/drawing/2010/main">
-        <mc:Choice Requires="a14">
+      <mc:AlternateContent xmlns:mc="http://schemas.openxmlformats.org/markup-compatibility/2006">
+        <mc:Choice xmlns:a14="http://schemas.microsoft.com/office/drawing/2010/main" Requires="a14">
           <p:sp>
             <p:nvSpPr>
               <p:cNvPr id="3" name="Content Placeholder 2">
@@ -7285,7 +6620,40 @@
                   <a:rPr lang="en-US" dirty="0">
                     <a:cs typeface="Segoe UI" panose="020B0502040204020203" pitchFamily="34" charset="0"/>
                   </a:rPr>
-                  <a:t>Reconstruct the matrix by matrix multiplication:  </a:t>
+                  <a:t>Reconstruct the </a:t>
+                </a:r>
+                <a14:m>
+                  <m:oMath xmlns:m="http://schemas.openxmlformats.org/officeDocument/2006/math">
+                    <m:r>
+                      <a:rPr lang="en-US" b="0" i="1" smtClean="0">
+                        <a:latin typeface="Cambria Math" panose="02040503050406030204" pitchFamily="18" charset="0"/>
+                        <a:cs typeface="Segoe UI" panose="020B0502040204020203" pitchFamily="34" charset="0"/>
+                      </a:rPr>
+                      <m:t>𝑛</m:t>
+                    </m:r>
+                    <m:r>
+                      <a:rPr lang="en-US" b="0" i="1" smtClean="0">
+                        <a:latin typeface="Cambria Math" panose="02040503050406030204" pitchFamily="18" charset="0"/>
+                        <a:ea typeface="Cambria Math" panose="02040503050406030204" pitchFamily="18" charset="0"/>
+                        <a:cs typeface="Segoe UI" panose="020B0502040204020203" pitchFamily="34" charset="0"/>
+                      </a:rPr>
+                      <m:t>×</m:t>
+                    </m:r>
+                    <m:r>
+                      <a:rPr lang="en-US" b="0" i="1" smtClean="0">
+                        <a:latin typeface="Cambria Math" panose="02040503050406030204" pitchFamily="18" charset="0"/>
+                        <a:ea typeface="Cambria Math" panose="02040503050406030204" pitchFamily="18" charset="0"/>
+                        <a:cs typeface="Segoe UI" panose="020B0502040204020203" pitchFamily="34" charset="0"/>
+                      </a:rPr>
+                      <m:t>𝑛</m:t>
+                    </m:r>
+                  </m:oMath>
+                </a14:m>
+                <a:r>
+                  <a:rPr lang="en-US" dirty="0">
+                    <a:cs typeface="Segoe UI" panose="020B0502040204020203" pitchFamily="34" charset="0"/>
+                  </a:rPr>
+                  <a:t> matrix by matrix multiplication:  </a:t>
                 </a:r>
               </a:p>
               <a:p>
@@ -7629,7 +6997,7 @@
                                         <a:latin typeface="Cambria Math" panose="02040503050406030204" pitchFamily="18" charset="0"/>
                                         <a:cs typeface="Segoe UI" panose="020B0502040204020203" pitchFamily="34" charset="0"/>
                                       </a:rPr>
-                                      <m:t>1</m:t>
+                                      <m:t>𝑛</m:t>
                                     </m:r>
                                   </m:sub>
                                   <m:sup>
@@ -8079,11 +7447,11 @@
                                       </m:e>
                                       <m:sub>
                                         <m:r>
-                                          <a:rPr lang="en-US" i="1">
+                                          <a:rPr lang="en-US" b="0" i="1" smtClean="0">
                                             <a:latin typeface="Cambria Math" panose="02040503050406030204" pitchFamily="18" charset="0"/>
                                             <a:cs typeface="Segoe UI" panose="020B0502040204020203" pitchFamily="34" charset="0"/>
                                           </a:rPr>
-                                          <m:t>1</m:t>
+                                          <m:t>𝑛</m:t>
                                         </m:r>
                                       </m:sub>
                                       <m:sup>
@@ -8404,7 +7772,7 @@
             </p:txBody>
           </p:sp>
         </mc:Choice>
-        <mc:Fallback xmlns="">
+        <mc:Fallback>
           <p:sp>
             <p:nvSpPr>
               <p:cNvPr id="3" name="Content Placeholder 2">
@@ -8834,7 +8202,7 @@
 </p:sld>
 </file>
 
-<file path=ppt/slides/slide12.xml><?xml version="1.0" encoding="utf-8"?>
+<file path=ppt/slides/slide11.xml><?xml version="1.0" encoding="utf-8"?>
 <p:sld xmlns:a="http://schemas.openxmlformats.org/drawingml/2006/main" xmlns:r="http://schemas.openxmlformats.org/officeDocument/2006/relationships" xmlns:p="http://schemas.openxmlformats.org/presentationml/2006/main">
   <p:cSld>
     <p:spTree>
@@ -9042,187 +8410,235 @@
                         </a:rPr>
                         <m:t>=</m:t>
                       </m:r>
-                      <m:d>
-                        <m:dPr>
-                          <m:begChr m:val="‖"/>
-                          <m:endChr m:val="‖"/>
+                      <m:sSup>
+                        <m:sSupPr>
                           <m:ctrlPr>
                             <a:rPr lang="en-US" sz="2800" b="0" i="1" smtClean="0">
                               <a:latin typeface="Cambria Math" panose="02040503050406030204" pitchFamily="18" charset="0"/>
                               <a:cs typeface="Segoe UI" panose="020B0502040204020203" pitchFamily="34" charset="0"/>
                             </a:rPr>
                           </m:ctrlPr>
-                        </m:dPr>
+                        </m:sSupPr>
                         <m:e>
-                          <m:sSubSup>
-                            <m:sSubSupPr>
+                          <m:d>
+                            <m:dPr>
                               <m:ctrlPr>
-                                <a:rPr lang="en-US" i="1">
+                                <a:rPr lang="en-US" sz="2800" b="0" i="1" smtClean="0">
                                   <a:latin typeface="Cambria Math" panose="02040503050406030204" pitchFamily="18" charset="0"/>
                                   <a:cs typeface="Segoe UI" panose="020B0502040204020203" pitchFamily="34" charset="0"/>
                                 </a:rPr>
                               </m:ctrlPr>
-                            </m:sSubSupPr>
+                            </m:dPr>
                             <m:e>
+                              <m:sSubSup>
+                                <m:sSubSupPr>
+                                  <m:ctrlPr>
+                                    <a:rPr lang="en-US" i="1">
+                                      <a:latin typeface="Cambria Math" panose="02040503050406030204" pitchFamily="18" charset="0"/>
+                                      <a:cs typeface="Segoe UI" panose="020B0502040204020203" pitchFamily="34" charset="0"/>
+                                    </a:rPr>
+                                  </m:ctrlPr>
+                                </m:sSubSupPr>
+                                <m:e>
+                                  <m:r>
+                                    <a:rPr lang="en-US" i="1">
+                                      <a:latin typeface="Cambria Math" panose="02040503050406030204" pitchFamily="18" charset="0"/>
+                                      <a:cs typeface="Segoe UI" panose="020B0502040204020203" pitchFamily="34" charset="0"/>
+                                    </a:rPr>
+                                    <m:t>𝑞</m:t>
+                                  </m:r>
+                                </m:e>
+                                <m:sub>
+                                  <m:r>
+                                    <a:rPr lang="en-US" i="1">
+                                      <a:latin typeface="Cambria Math" panose="02040503050406030204" pitchFamily="18" charset="0"/>
+                                      <a:cs typeface="Segoe UI" panose="020B0502040204020203" pitchFamily="34" charset="0"/>
+                                    </a:rPr>
+                                    <m:t>1</m:t>
+                                  </m:r>
+                                </m:sub>
+                                <m:sup>
+                                  <m:d>
+                                    <m:dPr>
+                                      <m:ctrlPr>
+                                        <a:rPr lang="en-US" i="1">
+                                          <a:latin typeface="Cambria Math" panose="02040503050406030204" pitchFamily="18" charset="0"/>
+                                          <a:cs typeface="Segoe UI" panose="020B0502040204020203" pitchFamily="34" charset="0"/>
+                                        </a:rPr>
+                                      </m:ctrlPr>
+                                    </m:dPr>
+                                    <m:e>
+                                      <m:r>
+                                        <a:rPr lang="en-US" i="1">
+                                          <a:latin typeface="Cambria Math" panose="02040503050406030204" pitchFamily="18" charset="0"/>
+                                          <a:cs typeface="Segoe UI" panose="020B0502040204020203" pitchFamily="34" charset="0"/>
+                                        </a:rPr>
+                                        <m:t>𝑖</m:t>
+                                      </m:r>
+                                    </m:e>
+                                  </m:d>
+                                  <m:r>
+                                    <a:rPr lang="en-US" b="0" i="1" smtClean="0">
+                                      <a:latin typeface="Cambria Math" panose="02040503050406030204" pitchFamily="18" charset="0"/>
+                                      <a:cs typeface="Segoe UI" panose="020B0502040204020203" pitchFamily="34" charset="0"/>
+                                    </a:rPr>
+                                    <m:t> 2</m:t>
+                                  </m:r>
+                                </m:sup>
+                              </m:sSubSup>
                               <m:r>
-                                <a:rPr lang="en-US" i="1">
+                                <a:rPr lang="en-US" b="0" i="1" smtClean="0">
                                   <a:latin typeface="Cambria Math" panose="02040503050406030204" pitchFamily="18" charset="0"/>
                                   <a:cs typeface="Segoe UI" panose="020B0502040204020203" pitchFamily="34" charset="0"/>
                                 </a:rPr>
-                                <m:t>𝑞</m:t>
+                                <m:t>+ </m:t>
                               </m:r>
-                            </m:e>
-                            <m:sub>
+                              <m:sSubSup>
+                                <m:sSubSupPr>
+                                  <m:ctrlPr>
+                                    <a:rPr lang="en-US" i="1">
+                                      <a:latin typeface="Cambria Math" panose="02040503050406030204" pitchFamily="18" charset="0"/>
+                                      <a:cs typeface="Segoe UI" panose="020B0502040204020203" pitchFamily="34" charset="0"/>
+                                    </a:rPr>
+                                  </m:ctrlPr>
+                                </m:sSubSupPr>
+                                <m:e>
+                                  <m:r>
+                                    <a:rPr lang="en-US" i="1">
+                                      <a:latin typeface="Cambria Math" panose="02040503050406030204" pitchFamily="18" charset="0"/>
+                                      <a:cs typeface="Segoe UI" panose="020B0502040204020203" pitchFamily="34" charset="0"/>
+                                    </a:rPr>
+                                    <m:t>𝑞</m:t>
+                                  </m:r>
+                                </m:e>
+                                <m:sub>
+                                  <m:r>
+                                    <a:rPr lang="en-US" i="1">
+                                      <a:latin typeface="Cambria Math" panose="02040503050406030204" pitchFamily="18" charset="0"/>
+                                      <a:cs typeface="Segoe UI" panose="020B0502040204020203" pitchFamily="34" charset="0"/>
+                                    </a:rPr>
+                                    <m:t>2</m:t>
+                                  </m:r>
+                                </m:sub>
+                                <m:sup>
+                                  <m:d>
+                                    <m:dPr>
+                                      <m:ctrlPr>
+                                        <a:rPr lang="en-US" i="1">
+                                          <a:latin typeface="Cambria Math" panose="02040503050406030204" pitchFamily="18" charset="0"/>
+                                          <a:cs typeface="Segoe UI" panose="020B0502040204020203" pitchFamily="34" charset="0"/>
+                                        </a:rPr>
+                                      </m:ctrlPr>
+                                    </m:dPr>
+                                    <m:e>
+                                      <m:r>
+                                        <a:rPr lang="en-US" i="1">
+                                          <a:latin typeface="Cambria Math" panose="02040503050406030204" pitchFamily="18" charset="0"/>
+                                          <a:cs typeface="Segoe UI" panose="020B0502040204020203" pitchFamily="34" charset="0"/>
+                                        </a:rPr>
+                                        <m:t>𝑖</m:t>
+                                      </m:r>
+                                    </m:e>
+                                  </m:d>
+                                  <m:r>
+                                    <a:rPr lang="en-US" b="0" i="1" smtClean="0">
+                                      <a:latin typeface="Cambria Math" panose="02040503050406030204" pitchFamily="18" charset="0"/>
+                                      <a:cs typeface="Segoe UI" panose="020B0502040204020203" pitchFamily="34" charset="0"/>
+                                    </a:rPr>
+                                    <m:t> 2</m:t>
+                                  </m:r>
+                                </m:sup>
+                              </m:sSubSup>
                               <m:r>
-                                <a:rPr lang="en-US" i="1">
+                                <a:rPr lang="en-US" b="0" i="1" smtClean="0">
                                   <a:latin typeface="Cambria Math" panose="02040503050406030204" pitchFamily="18" charset="0"/>
                                   <a:cs typeface="Segoe UI" panose="020B0502040204020203" pitchFamily="34" charset="0"/>
                                 </a:rPr>
-                                <m:t>1</m:t>
-                              </m:r>
-                            </m:sub>
-                            <m:sup>
-                              <m:r>
-                                <a:rPr lang="en-US" i="1">
-                                  <a:latin typeface="Cambria Math" panose="02040503050406030204" pitchFamily="18" charset="0"/>
-                                  <a:cs typeface="Segoe UI" panose="020B0502040204020203" pitchFamily="34" charset="0"/>
-                                </a:rPr>
-                                <m:t>(</m:t>
+                                <m:t>+</m:t>
                               </m:r>
                               <m:r>
                                 <a:rPr lang="en-US" i="1">
                                   <a:latin typeface="Cambria Math" panose="02040503050406030204" pitchFamily="18" charset="0"/>
                                   <a:cs typeface="Segoe UI" panose="020B0502040204020203" pitchFamily="34" charset="0"/>
                                 </a:rPr>
-                                <m:t>𝑖</m:t>
+                                <m:t>…</m:t>
                               </m:r>
                               <m:r>
-                                <a:rPr lang="en-US" i="1">
+                                <a:rPr lang="en-US" b="0" i="1" smtClean="0">
                                   <a:latin typeface="Cambria Math" panose="02040503050406030204" pitchFamily="18" charset="0"/>
                                   <a:cs typeface="Segoe UI" panose="020B0502040204020203" pitchFamily="34" charset="0"/>
                                 </a:rPr>
-                                <m:t>)</m:t>
+                                <m:t>+</m:t>
                               </m:r>
-                            </m:sup>
-                          </m:sSubSup>
+                              <m:sSubSup>
+                                <m:sSubSupPr>
+                                  <m:ctrlPr>
+                                    <a:rPr lang="en-US" i="1">
+                                      <a:latin typeface="Cambria Math" panose="02040503050406030204" pitchFamily="18" charset="0"/>
+                                      <a:cs typeface="Segoe UI" panose="020B0502040204020203" pitchFamily="34" charset="0"/>
+                                    </a:rPr>
+                                  </m:ctrlPr>
+                                </m:sSubSupPr>
+                                <m:e>
+                                  <m:r>
+                                    <a:rPr lang="en-US" i="1">
+                                      <a:latin typeface="Cambria Math" panose="02040503050406030204" pitchFamily="18" charset="0"/>
+                                      <a:cs typeface="Segoe UI" panose="020B0502040204020203" pitchFamily="34" charset="0"/>
+                                    </a:rPr>
+                                    <m:t>𝑞</m:t>
+                                  </m:r>
+                                </m:e>
+                                <m:sub>
+                                  <m:r>
+                                    <a:rPr lang="en-US" i="1">
+                                      <a:latin typeface="Cambria Math" panose="02040503050406030204" pitchFamily="18" charset="0"/>
+                                      <a:cs typeface="Segoe UI" panose="020B0502040204020203" pitchFamily="34" charset="0"/>
+                                    </a:rPr>
+                                    <m:t>𝑝</m:t>
+                                  </m:r>
+                                </m:sub>
+                                <m:sup>
+                                  <m:d>
+                                    <m:dPr>
+                                      <m:ctrlPr>
+                                        <a:rPr lang="en-US" i="1">
+                                          <a:latin typeface="Cambria Math" panose="02040503050406030204" pitchFamily="18" charset="0"/>
+                                          <a:cs typeface="Segoe UI" panose="020B0502040204020203" pitchFamily="34" charset="0"/>
+                                        </a:rPr>
+                                      </m:ctrlPr>
+                                    </m:dPr>
+                                    <m:e>
+                                      <m:r>
+                                        <a:rPr lang="en-US" i="1">
+                                          <a:latin typeface="Cambria Math" panose="02040503050406030204" pitchFamily="18" charset="0"/>
+                                          <a:cs typeface="Segoe UI" panose="020B0502040204020203" pitchFamily="34" charset="0"/>
+                                        </a:rPr>
+                                        <m:t>𝑖</m:t>
+                                      </m:r>
+                                    </m:e>
+                                  </m:d>
+                                  <m:r>
+                                    <a:rPr lang="en-US" b="0" i="1" smtClean="0">
+                                      <a:latin typeface="Cambria Math" panose="02040503050406030204" pitchFamily="18" charset="0"/>
+                                      <a:cs typeface="Segoe UI" panose="020B0502040204020203" pitchFamily="34" charset="0"/>
+                                    </a:rPr>
+                                    <m:t> 2</m:t>
+                                  </m:r>
+                                </m:sup>
+                              </m:sSubSup>
+                            </m:e>
+                          </m:d>
+                        </m:e>
+                        <m:sup>
                           <m:r>
-                            <a:rPr lang="en-US" i="1">
+                            <a:rPr lang="en-US" sz="2800" b="0" i="1" smtClean="0">
                               <a:latin typeface="Cambria Math" panose="02040503050406030204" pitchFamily="18" charset="0"/>
                               <a:cs typeface="Segoe UI" panose="020B0502040204020203" pitchFamily="34" charset="0"/>
                             </a:rPr>
-                            <m:t>, </m:t>
+                            <m:t>1/2</m:t>
                           </m:r>
-                          <m:sSubSup>
-                            <m:sSubSupPr>
-                              <m:ctrlPr>
-                                <a:rPr lang="en-US" i="1">
-                                  <a:latin typeface="Cambria Math" panose="02040503050406030204" pitchFamily="18" charset="0"/>
-                                  <a:cs typeface="Segoe UI" panose="020B0502040204020203" pitchFamily="34" charset="0"/>
-                                </a:rPr>
-                              </m:ctrlPr>
-                            </m:sSubSupPr>
-                            <m:e>
-                              <m:r>
-                                <a:rPr lang="en-US" i="1">
-                                  <a:latin typeface="Cambria Math" panose="02040503050406030204" pitchFamily="18" charset="0"/>
-                                  <a:cs typeface="Segoe UI" panose="020B0502040204020203" pitchFamily="34" charset="0"/>
-                                </a:rPr>
-                                <m:t>𝑞</m:t>
-                              </m:r>
-                            </m:e>
-                            <m:sub>
-                              <m:r>
-                                <a:rPr lang="en-US" i="1">
-                                  <a:latin typeface="Cambria Math" panose="02040503050406030204" pitchFamily="18" charset="0"/>
-                                  <a:cs typeface="Segoe UI" panose="020B0502040204020203" pitchFamily="34" charset="0"/>
-                                </a:rPr>
-                                <m:t>2</m:t>
-                              </m:r>
-                            </m:sub>
-                            <m:sup>
-                              <m:r>
-                                <a:rPr lang="en-US" i="1">
-                                  <a:latin typeface="Cambria Math" panose="02040503050406030204" pitchFamily="18" charset="0"/>
-                                  <a:cs typeface="Segoe UI" panose="020B0502040204020203" pitchFamily="34" charset="0"/>
-                                </a:rPr>
-                                <m:t>(</m:t>
-                              </m:r>
-                              <m:r>
-                                <a:rPr lang="en-US" i="1">
-                                  <a:latin typeface="Cambria Math" panose="02040503050406030204" pitchFamily="18" charset="0"/>
-                                  <a:cs typeface="Segoe UI" panose="020B0502040204020203" pitchFamily="34" charset="0"/>
-                                </a:rPr>
-                                <m:t>𝑖</m:t>
-                              </m:r>
-                              <m:r>
-                                <a:rPr lang="en-US" i="1">
-                                  <a:latin typeface="Cambria Math" panose="02040503050406030204" pitchFamily="18" charset="0"/>
-                                  <a:cs typeface="Segoe UI" panose="020B0502040204020203" pitchFamily="34" charset="0"/>
-                                </a:rPr>
-                                <m:t>)</m:t>
-                              </m:r>
-                            </m:sup>
-                          </m:sSubSup>
-                          <m:r>
-                            <a:rPr lang="en-US" i="1">
-                              <a:latin typeface="Cambria Math" panose="02040503050406030204" pitchFamily="18" charset="0"/>
-                              <a:cs typeface="Segoe UI" panose="020B0502040204020203" pitchFamily="34" charset="0"/>
-                            </a:rPr>
-                            <m:t>,…,</m:t>
-                          </m:r>
-                          <m:sSubSup>
-                            <m:sSubSupPr>
-                              <m:ctrlPr>
-                                <a:rPr lang="en-US" i="1">
-                                  <a:latin typeface="Cambria Math" panose="02040503050406030204" pitchFamily="18" charset="0"/>
-                                  <a:cs typeface="Segoe UI" panose="020B0502040204020203" pitchFamily="34" charset="0"/>
-                                </a:rPr>
-                              </m:ctrlPr>
-                            </m:sSubSupPr>
-                            <m:e>
-                              <m:r>
-                                <a:rPr lang="en-US" i="1">
-                                  <a:latin typeface="Cambria Math" panose="02040503050406030204" pitchFamily="18" charset="0"/>
-                                  <a:cs typeface="Segoe UI" panose="020B0502040204020203" pitchFamily="34" charset="0"/>
-                                </a:rPr>
-                                <m:t>𝑞</m:t>
-                              </m:r>
-                            </m:e>
-                            <m:sub>
-                              <m:r>
-                                <a:rPr lang="en-US" i="1">
-                                  <a:latin typeface="Cambria Math" panose="02040503050406030204" pitchFamily="18" charset="0"/>
-                                  <a:cs typeface="Segoe UI" panose="020B0502040204020203" pitchFamily="34" charset="0"/>
-                                </a:rPr>
-                                <m:t>𝑝</m:t>
-                              </m:r>
-                            </m:sub>
-                            <m:sup>
-                              <m:r>
-                                <a:rPr lang="en-US" i="1">
-                                  <a:latin typeface="Cambria Math" panose="02040503050406030204" pitchFamily="18" charset="0"/>
-                                  <a:cs typeface="Segoe UI" panose="020B0502040204020203" pitchFamily="34" charset="0"/>
-                                </a:rPr>
-                                <m:t>(</m:t>
-                              </m:r>
-                              <m:r>
-                                <a:rPr lang="en-US" i="1">
-                                  <a:latin typeface="Cambria Math" panose="02040503050406030204" pitchFamily="18" charset="0"/>
-                                  <a:cs typeface="Segoe UI" panose="020B0502040204020203" pitchFamily="34" charset="0"/>
-                                </a:rPr>
-                                <m:t>𝑖</m:t>
-                              </m:r>
-                              <m:r>
-                                <a:rPr lang="en-US" i="1">
-                                  <a:latin typeface="Cambria Math" panose="02040503050406030204" pitchFamily="18" charset="0"/>
-                                  <a:cs typeface="Segoe UI" panose="020B0502040204020203" pitchFamily="34" charset="0"/>
-                                </a:rPr>
-                                <m:t>)</m:t>
-                              </m:r>
-                            </m:sup>
-                          </m:sSubSup>
-                        </m:e>
-                      </m:d>
+                        </m:sup>
+                      </m:sSup>
                       <m:r>
                         <a:rPr lang="en-US" sz="2800" b="0" i="1" smtClean="0">
                           <a:latin typeface="Cambria Math" panose="02040503050406030204" pitchFamily="18" charset="0"/>
@@ -9899,7 +9315,7 @@
 </p:sld>
 </file>
 
-<file path=ppt/slides/slide13.xml><?xml version="1.0" encoding="utf-8"?>
+<file path=ppt/slides/slide12.xml><?xml version="1.0" encoding="utf-8"?>
 <p:sld xmlns:a="http://schemas.openxmlformats.org/drawingml/2006/main" xmlns:r="http://schemas.openxmlformats.org/officeDocument/2006/relationships" xmlns:p="http://schemas.openxmlformats.org/presentationml/2006/main">
   <p:cSld>
     <p:spTree>
@@ -9954,8 +9370,8 @@
           </a:p>
         </p:txBody>
       </p:sp>
-      <mc:AlternateContent xmlns:mc="http://schemas.openxmlformats.org/markup-compatibility/2006">
-        <mc:Choice xmlns:a14="http://schemas.microsoft.com/office/drawing/2010/main" Requires="a14">
+      <mc:AlternateContent xmlns:mc="http://schemas.openxmlformats.org/markup-compatibility/2006" xmlns:a14="http://schemas.microsoft.com/office/drawing/2010/main">
+        <mc:Choice Requires="a14">
           <p:sp>
             <p:nvSpPr>
               <p:cNvPr id="3" name="Content Placeholder 2">
@@ -10902,7 +10318,7 @@
             </p:txBody>
           </p:sp>
         </mc:Choice>
-        <mc:Fallback>
+        <mc:Fallback xmlns="">
           <p:sp>
             <p:nvSpPr>
               <p:cNvPr id="3" name="Content Placeholder 2">
@@ -11056,33 +10472,15 @@
                                   </p:childTnLst>
                                 </p:cTn>
                               </p:par>
-                            </p:childTnLst>
-                          </p:cTn>
-                        </p:par>
-                      </p:childTnLst>
-                    </p:cTn>
-                  </p:par>
-                  <p:par>
-                    <p:cTn id="11" fill="hold">
-                      <p:stCondLst>
-                        <p:cond delay="indefinite"/>
-                      </p:stCondLst>
-                      <p:childTnLst>
-                        <p:par>
-                          <p:cTn id="12" fill="hold">
-                            <p:stCondLst>
-                              <p:cond delay="0"/>
-                            </p:stCondLst>
-                            <p:childTnLst>
                               <p:par>
-                                <p:cTn id="13" presetID="1" presetClass="entr" presetSubtype="0" fill="hold" nodeType="clickEffect">
+                                <p:cTn id="11" presetID="1" presetClass="entr" presetSubtype="0" fill="hold" nodeType="withEffect">
                                   <p:stCondLst>
                                     <p:cond delay="0"/>
                                   </p:stCondLst>
                                   <p:childTnLst>
                                     <p:set>
                                       <p:cBhvr>
-                                        <p:cTn id="14" dur="1" fill="hold">
+                                        <p:cTn id="12" dur="1" fill="hold">
                                           <p:stCondLst>
                                             <p:cond delay="0"/>
                                           </p:stCondLst>
@@ -11112,19 +10510,50 @@
                     </p:cTn>
                   </p:par>
                   <p:par>
-                    <p:cTn id="15" fill="hold">
+                    <p:cTn id="13" fill="hold">
                       <p:stCondLst>
                         <p:cond delay="indefinite"/>
                       </p:stCondLst>
                       <p:childTnLst>
                         <p:par>
-                          <p:cTn id="16" fill="hold">
+                          <p:cTn id="14" fill="hold">
                             <p:stCondLst>
                               <p:cond delay="0"/>
                             </p:stCondLst>
                             <p:childTnLst>
                               <p:par>
-                                <p:cTn id="17" presetID="1" presetClass="entr" presetSubtype="0" fill="hold" nodeType="clickEffect">
+                                <p:cTn id="15" presetID="1" presetClass="entr" presetSubtype="0" fill="hold" nodeType="clickEffect">
+                                  <p:stCondLst>
+                                    <p:cond delay="0"/>
+                                  </p:stCondLst>
+                                  <p:childTnLst>
+                                    <p:set>
+                                      <p:cBhvr>
+                                        <p:cTn id="16" dur="1" fill="hold">
+                                          <p:stCondLst>
+                                            <p:cond delay="0"/>
+                                          </p:stCondLst>
+                                        </p:cTn>
+                                        <p:tgtEl>
+                                          <p:spTgt spid="3">
+                                            <p:txEl>
+                                              <p:pRg st="4" end="4"/>
+                                            </p:txEl>
+                                          </p:spTgt>
+                                        </p:tgtEl>
+                                        <p:attrNameLst>
+                                          <p:attrName>style.visibility</p:attrName>
+                                        </p:attrNameLst>
+                                      </p:cBhvr>
+                                      <p:to>
+                                        <p:strVal val="visible"/>
+                                      </p:to>
+                                    </p:set>
+                                  </p:childTnLst>
+                                </p:cTn>
+                              </p:par>
+                              <p:par>
+                                <p:cTn id="17" presetID="1" presetClass="entr" presetSubtype="0" fill="hold" nodeType="withEffect">
                                   <p:stCondLst>
                                     <p:cond delay="0"/>
                                   </p:stCondLst>
@@ -11139,7 +10568,7 @@
                                         <p:tgtEl>
                                           <p:spTgt spid="3">
                                             <p:txEl>
-                                              <p:pRg st="4" end="4"/>
+                                              <p:pRg st="5" end="5"/>
                                             </p:txEl>
                                           </p:spTgt>
                                         </p:tgtEl>
@@ -11188,7 +10617,7 @@
                                         <p:tgtEl>
                                           <p:spTgt spid="3">
                                             <p:txEl>
-                                              <p:pRg st="5" end="5"/>
+                                              <p:pRg st="6" end="6"/>
                                             </p:txEl>
                                           </p:spTgt>
                                         </p:tgtEl>
@@ -11230,55 +10659,6 @@
                                     <p:set>
                                       <p:cBhvr>
                                         <p:cTn id="26" dur="1" fill="hold">
-                                          <p:stCondLst>
-                                            <p:cond delay="0"/>
-                                          </p:stCondLst>
-                                        </p:cTn>
-                                        <p:tgtEl>
-                                          <p:spTgt spid="3">
-                                            <p:txEl>
-                                              <p:pRg st="6" end="6"/>
-                                            </p:txEl>
-                                          </p:spTgt>
-                                        </p:tgtEl>
-                                        <p:attrNameLst>
-                                          <p:attrName>style.visibility</p:attrName>
-                                        </p:attrNameLst>
-                                      </p:cBhvr>
-                                      <p:to>
-                                        <p:strVal val="visible"/>
-                                      </p:to>
-                                    </p:set>
-                                  </p:childTnLst>
-                                </p:cTn>
-                              </p:par>
-                            </p:childTnLst>
-                          </p:cTn>
-                        </p:par>
-                      </p:childTnLst>
-                    </p:cTn>
-                  </p:par>
-                  <p:par>
-                    <p:cTn id="27" fill="hold">
-                      <p:stCondLst>
-                        <p:cond delay="indefinite"/>
-                      </p:stCondLst>
-                      <p:childTnLst>
-                        <p:par>
-                          <p:cTn id="28" fill="hold">
-                            <p:stCondLst>
-                              <p:cond delay="0"/>
-                            </p:stCondLst>
-                            <p:childTnLst>
-                              <p:par>
-                                <p:cTn id="29" presetID="1" presetClass="entr" presetSubtype="0" fill="hold" nodeType="clickEffect">
-                                  <p:stCondLst>
-                                    <p:cond delay="0"/>
-                                  </p:stCondLst>
-                                  <p:childTnLst>
-                                    <p:set>
-                                      <p:cBhvr>
-                                        <p:cTn id="30" dur="1" fill="hold">
                                           <p:stCondLst>
                                             <p:cond delay="0"/>
                                           </p:stCondLst>
@@ -11332,7 +10712,7 @@
 </p:sld>
 </file>
 
-<file path=ppt/slides/slide14.xml><?xml version="1.0" encoding="utf-8"?>
+<file path=ppt/slides/slide13.xml><?xml version="1.0" encoding="utf-8"?>
 <p:sld xmlns:a="http://schemas.openxmlformats.org/drawingml/2006/main" xmlns:r="http://schemas.openxmlformats.org/officeDocument/2006/relationships" xmlns:p="http://schemas.openxmlformats.org/presentationml/2006/main">
   <p:cSld>
     <p:spTree>
@@ -11715,7 +11095,7 @@
                               <m:eqArr>
                                 <m:eqArrPr>
                                   <m:ctrlPr>
-                                    <a:rPr lang="en-US" b="0" i="0" smtClean="0">
+                                    <a:rPr lang="en-US" b="0" i="1" smtClean="0">
                                       <a:latin typeface="Cambria Math" panose="02040503050406030204" pitchFamily="18" charset="0"/>
                                       <a:cs typeface="Segoe UI" panose="020B0502040204020203" pitchFamily="34" charset="0"/>
                                     </a:rPr>
@@ -12039,89 +11419,12 @@
                           </m:d>
                         </m:e>
                       </m:func>
-                      <m:r>
-                        <a:rPr lang="en-US" b="0" i="1" smtClean="0">
-                          <a:latin typeface="Cambria Math" panose="02040503050406030204" pitchFamily="18" charset="0"/>
-                          <a:cs typeface="Segoe UI" panose="020B0502040204020203" pitchFamily="34" charset="0"/>
-                        </a:rPr>
-                        <m:t> </m:t>
-                      </m:r>
-                      <m:r>
-                        <a:rPr lang="en-US" b="0" i="1" smtClean="0">
-                          <a:latin typeface="Cambria Math" panose="02040503050406030204" pitchFamily="18" charset="0"/>
-                          <a:cs typeface="Segoe UI" panose="020B0502040204020203" pitchFamily="34" charset="0"/>
-                        </a:rPr>
-                        <m:t>𝑠</m:t>
-                      </m:r>
-                      <m:r>
-                        <a:rPr lang="en-US" b="0" i="1" smtClean="0">
-                          <a:latin typeface="Cambria Math" panose="02040503050406030204" pitchFamily="18" charset="0"/>
-                          <a:cs typeface="Segoe UI" panose="020B0502040204020203" pitchFamily="34" charset="0"/>
-                        </a:rPr>
-                        <m:t>.</m:t>
-                      </m:r>
-                      <m:r>
-                        <a:rPr lang="en-US" b="0" i="1" smtClean="0">
-                          <a:latin typeface="Cambria Math" panose="02040503050406030204" pitchFamily="18" charset="0"/>
-                          <a:cs typeface="Segoe UI" panose="020B0502040204020203" pitchFamily="34" charset="0"/>
-                        </a:rPr>
-                        <m:t>𝑡</m:t>
-                      </m:r>
-                      <m:r>
-                        <a:rPr lang="en-US" b="0" i="1" smtClean="0">
-                          <a:latin typeface="Cambria Math" panose="02040503050406030204" pitchFamily="18" charset="0"/>
-                          <a:cs typeface="Segoe UI" panose="020B0502040204020203" pitchFamily="34" charset="0"/>
-                        </a:rPr>
-                        <m:t>.</m:t>
-                      </m:r>
-                      <m:d>
-                        <m:dPr>
-                          <m:begChr m:val="‖"/>
-                          <m:endChr m:val="‖"/>
-                          <m:ctrlPr>
-                            <a:rPr lang="en-US" b="0" i="1" smtClean="0">
-                              <a:latin typeface="Cambria Math" panose="02040503050406030204" pitchFamily="18" charset="0"/>
-                              <a:cs typeface="Segoe UI" panose="020B0502040204020203" pitchFamily="34" charset="0"/>
-                            </a:rPr>
-                          </m:ctrlPr>
-                        </m:dPr>
-                        <m:e>
-                          <m:r>
-                            <a:rPr lang="en-US" b="0" i="1" smtClean="0">
-                              <a:latin typeface="Cambria Math" panose="02040503050406030204" pitchFamily="18" charset="0"/>
-                              <a:cs typeface="Segoe UI" panose="020B0502040204020203" pitchFamily="34" charset="0"/>
-                            </a:rPr>
-                            <m:t>𝑤</m:t>
-                          </m:r>
-                        </m:e>
-                      </m:d>
-                      <m:r>
-                        <a:rPr lang="en-US" b="0" i="1" smtClean="0">
-                          <a:latin typeface="Cambria Math" panose="02040503050406030204" pitchFamily="18" charset="0"/>
-                          <a:cs typeface="Segoe UI" panose="020B0502040204020203" pitchFamily="34" charset="0"/>
-                        </a:rPr>
-                        <m:t>=1</m:t>
-                      </m:r>
                     </m:oMath>
                   </m:oMathPara>
                 </a14:m>
-                <a:endParaRPr lang="en-US" b="0" dirty="0">
+                <a:endParaRPr lang="en-US" dirty="0">
                   <a:cs typeface="Segoe UI" panose="020B0502040204020203" pitchFamily="34" charset="0"/>
                 </a:endParaRPr>
-              </a:p>
-              <a:p>
-                <a:pPr marL="0" indent="0">
-                  <a:buNone/>
-                  <a:tabLst>
-                    <a:tab pos="7543800" algn="l"/>
-                  </a:tabLst>
-                </a:pPr>
-                <a:r>
-                  <a:rPr lang="en-US" dirty="0">
-                    <a:cs typeface="Segoe UI" panose="020B0502040204020203" pitchFamily="34" charset="0"/>
-                  </a:rPr>
-                  <a:t>  </a:t>
-                </a:r>
               </a:p>
               <a:p>
                 <a:pPr marL="0" indent="0">
@@ -12456,7 +11759,7 @@
 </p:sld>
 </file>
 
-<file path=ppt/slides/slide15.xml><?xml version="1.0" encoding="utf-8"?>
+<file path=ppt/slides/slide14.xml><?xml version="1.0" encoding="utf-8"?>
 <p:sld xmlns:a="http://schemas.openxmlformats.org/drawingml/2006/main" xmlns:r="http://schemas.openxmlformats.org/officeDocument/2006/relationships" xmlns:p="http://schemas.openxmlformats.org/presentationml/2006/main">
   <p:cSld>
     <p:spTree>
@@ -12990,69 +12293,6 @@
                           </m:d>
                         </m:e>
                       </m:func>
-                      <m:r>
-                        <a:rPr lang="en-US" b="0" i="1" smtClean="0">
-                          <a:latin typeface="Cambria Math" panose="02040503050406030204" pitchFamily="18" charset="0"/>
-                          <a:cs typeface="Segoe UI" panose="020B0502040204020203" pitchFamily="34" charset="0"/>
-                        </a:rPr>
-                        <m:t> </m:t>
-                      </m:r>
-                      <m:r>
-                        <a:rPr lang="en-US" b="0" i="1" smtClean="0">
-                          <a:latin typeface="Cambria Math" panose="02040503050406030204" pitchFamily="18" charset="0"/>
-                          <a:cs typeface="Segoe UI" panose="020B0502040204020203" pitchFamily="34" charset="0"/>
-                        </a:rPr>
-                        <m:t>𝑠</m:t>
-                      </m:r>
-                      <m:r>
-                        <a:rPr lang="en-US" b="0" i="1" smtClean="0">
-                          <a:latin typeface="Cambria Math" panose="02040503050406030204" pitchFamily="18" charset="0"/>
-                          <a:cs typeface="Segoe UI" panose="020B0502040204020203" pitchFamily="34" charset="0"/>
-                        </a:rPr>
-                        <m:t>.</m:t>
-                      </m:r>
-                      <m:r>
-                        <a:rPr lang="en-US" b="0" i="1" smtClean="0">
-                          <a:latin typeface="Cambria Math" panose="02040503050406030204" pitchFamily="18" charset="0"/>
-                          <a:cs typeface="Segoe UI" panose="020B0502040204020203" pitchFamily="34" charset="0"/>
-                        </a:rPr>
-                        <m:t>𝑡</m:t>
-                      </m:r>
-                      <m:r>
-                        <a:rPr lang="en-US" b="0" i="1" smtClean="0">
-                          <a:latin typeface="Cambria Math" panose="02040503050406030204" pitchFamily="18" charset="0"/>
-                          <a:cs typeface="Segoe UI" panose="020B0502040204020203" pitchFamily="34" charset="0"/>
-                        </a:rPr>
-                        <m:t>.</m:t>
-                      </m:r>
-                      <m:d>
-                        <m:dPr>
-                          <m:begChr m:val="‖"/>
-                          <m:endChr m:val="‖"/>
-                          <m:ctrlPr>
-                            <a:rPr lang="en-US" b="0" i="1" smtClean="0">
-                              <a:latin typeface="Cambria Math" panose="02040503050406030204" pitchFamily="18" charset="0"/>
-                              <a:cs typeface="Segoe UI" panose="020B0502040204020203" pitchFamily="34" charset="0"/>
-                            </a:rPr>
-                          </m:ctrlPr>
-                        </m:dPr>
-                        <m:e>
-                          <m:r>
-                            <a:rPr lang="en-US" b="0" i="1" smtClean="0">
-                              <a:latin typeface="Cambria Math" panose="02040503050406030204" pitchFamily="18" charset="0"/>
-                              <a:cs typeface="Segoe UI" panose="020B0502040204020203" pitchFamily="34" charset="0"/>
-                            </a:rPr>
-                            <m:t>𝑤</m:t>
-                          </m:r>
-                        </m:e>
-                      </m:d>
-                      <m:r>
-                        <a:rPr lang="en-US" b="0" i="1" smtClean="0">
-                          <a:latin typeface="Cambria Math" panose="02040503050406030204" pitchFamily="18" charset="0"/>
-                          <a:cs typeface="Segoe UI" panose="020B0502040204020203" pitchFamily="34" charset="0"/>
-                        </a:rPr>
-                        <m:t>=1</m:t>
-                      </m:r>
                     </m:oMath>
                   </m:oMathPara>
                 </a14:m>
@@ -13361,69 +12601,6 @@
                           </m:d>
                         </m:e>
                       </m:func>
-                      <m:r>
-                        <a:rPr lang="en-US" i="1">
-                          <a:latin typeface="Cambria Math" panose="02040503050406030204" pitchFamily="18" charset="0"/>
-                          <a:cs typeface="Segoe UI" panose="020B0502040204020203" pitchFamily="34" charset="0"/>
-                        </a:rPr>
-                        <m:t> </m:t>
-                      </m:r>
-                      <m:r>
-                        <a:rPr lang="en-US" i="1">
-                          <a:latin typeface="Cambria Math" panose="02040503050406030204" pitchFamily="18" charset="0"/>
-                          <a:cs typeface="Segoe UI" panose="020B0502040204020203" pitchFamily="34" charset="0"/>
-                        </a:rPr>
-                        <m:t>𝑠</m:t>
-                      </m:r>
-                      <m:r>
-                        <a:rPr lang="en-US" i="1">
-                          <a:latin typeface="Cambria Math" panose="02040503050406030204" pitchFamily="18" charset="0"/>
-                          <a:cs typeface="Segoe UI" panose="020B0502040204020203" pitchFamily="34" charset="0"/>
-                        </a:rPr>
-                        <m:t>.</m:t>
-                      </m:r>
-                      <m:r>
-                        <a:rPr lang="en-US" i="1">
-                          <a:latin typeface="Cambria Math" panose="02040503050406030204" pitchFamily="18" charset="0"/>
-                          <a:cs typeface="Segoe UI" panose="020B0502040204020203" pitchFamily="34" charset="0"/>
-                        </a:rPr>
-                        <m:t>𝑡</m:t>
-                      </m:r>
-                      <m:r>
-                        <a:rPr lang="en-US" i="1">
-                          <a:latin typeface="Cambria Math" panose="02040503050406030204" pitchFamily="18" charset="0"/>
-                          <a:cs typeface="Segoe UI" panose="020B0502040204020203" pitchFamily="34" charset="0"/>
-                        </a:rPr>
-                        <m:t>.</m:t>
-                      </m:r>
-                      <m:d>
-                        <m:dPr>
-                          <m:begChr m:val="‖"/>
-                          <m:endChr m:val="‖"/>
-                          <m:ctrlPr>
-                            <a:rPr lang="en-US" i="1">
-                              <a:latin typeface="Cambria Math" panose="02040503050406030204" pitchFamily="18" charset="0"/>
-                              <a:cs typeface="Segoe UI" panose="020B0502040204020203" pitchFamily="34" charset="0"/>
-                            </a:rPr>
-                          </m:ctrlPr>
-                        </m:dPr>
-                        <m:e>
-                          <m:r>
-                            <a:rPr lang="en-US" i="1">
-                              <a:latin typeface="Cambria Math" panose="02040503050406030204" pitchFamily="18" charset="0"/>
-                              <a:cs typeface="Segoe UI" panose="020B0502040204020203" pitchFamily="34" charset="0"/>
-                            </a:rPr>
-                            <m:t>𝑤</m:t>
-                          </m:r>
-                        </m:e>
-                      </m:d>
-                      <m:r>
-                        <a:rPr lang="en-US" i="1">
-                          <a:latin typeface="Cambria Math" panose="02040503050406030204" pitchFamily="18" charset="0"/>
-                          <a:cs typeface="Segoe UI" panose="020B0502040204020203" pitchFamily="34" charset="0"/>
-                        </a:rPr>
-                        <m:t>=1</m:t>
-                      </m:r>
                     </m:oMath>
                   </m:oMathPara>
                 </a14:m>
@@ -13694,83 +12871,9 @@
                           </m:d>
                         </m:e>
                       </m:func>
-                      <m:r>
-                        <a:rPr lang="en-US" i="1">
-                          <a:latin typeface="Cambria Math" panose="02040503050406030204" pitchFamily="18" charset="0"/>
-                          <a:cs typeface="Segoe UI" panose="020B0502040204020203" pitchFamily="34" charset="0"/>
-                        </a:rPr>
-                        <m:t> </m:t>
-                      </m:r>
-                      <m:r>
-                        <a:rPr lang="en-US" i="1">
-                          <a:latin typeface="Cambria Math" panose="02040503050406030204" pitchFamily="18" charset="0"/>
-                          <a:cs typeface="Segoe UI" panose="020B0502040204020203" pitchFamily="34" charset="0"/>
-                        </a:rPr>
-                        <m:t>𝑠</m:t>
-                      </m:r>
-                      <m:r>
-                        <a:rPr lang="en-US" i="1">
-                          <a:latin typeface="Cambria Math" panose="02040503050406030204" pitchFamily="18" charset="0"/>
-                          <a:cs typeface="Segoe UI" panose="020B0502040204020203" pitchFamily="34" charset="0"/>
-                        </a:rPr>
-                        <m:t>.</m:t>
-                      </m:r>
-                      <m:r>
-                        <a:rPr lang="en-US" i="1">
-                          <a:latin typeface="Cambria Math" panose="02040503050406030204" pitchFamily="18" charset="0"/>
-                          <a:cs typeface="Segoe UI" panose="020B0502040204020203" pitchFamily="34" charset="0"/>
-                        </a:rPr>
-                        <m:t>𝑡</m:t>
-                      </m:r>
-                      <m:r>
-                        <a:rPr lang="en-US" i="1">
-                          <a:latin typeface="Cambria Math" panose="02040503050406030204" pitchFamily="18" charset="0"/>
-                          <a:cs typeface="Segoe UI" panose="020B0502040204020203" pitchFamily="34" charset="0"/>
-                        </a:rPr>
-                        <m:t>.</m:t>
-                      </m:r>
-                      <m:d>
-                        <m:dPr>
-                          <m:begChr m:val="‖"/>
-                          <m:endChr m:val="‖"/>
-                          <m:ctrlPr>
-                            <a:rPr lang="en-US" i="1">
-                              <a:latin typeface="Cambria Math" panose="02040503050406030204" pitchFamily="18" charset="0"/>
-                              <a:cs typeface="Segoe UI" panose="020B0502040204020203" pitchFamily="34" charset="0"/>
-                            </a:rPr>
-                          </m:ctrlPr>
-                        </m:dPr>
-                        <m:e>
-                          <m:r>
-                            <a:rPr lang="en-US" i="1">
-                              <a:latin typeface="Cambria Math" panose="02040503050406030204" pitchFamily="18" charset="0"/>
-                              <a:cs typeface="Segoe UI" panose="020B0502040204020203" pitchFamily="34" charset="0"/>
-                            </a:rPr>
-                            <m:t>𝑤</m:t>
-                          </m:r>
-                        </m:e>
-                      </m:d>
-                      <m:r>
-                        <a:rPr lang="en-US" i="1">
-                          <a:latin typeface="Cambria Math" panose="02040503050406030204" pitchFamily="18" charset="0"/>
-                          <a:cs typeface="Segoe UI" panose="020B0502040204020203" pitchFamily="34" charset="0"/>
-                        </a:rPr>
-                        <m:t>=1</m:t>
-                      </m:r>
                     </m:oMath>
                   </m:oMathPara>
                 </a14:m>
-                <a:endParaRPr lang="en-US" dirty="0">
-                  <a:cs typeface="Segoe UI" panose="020B0502040204020203" pitchFamily="34" charset="0"/>
-                </a:endParaRPr>
-              </a:p>
-              <a:p>
-                <a:pPr marL="0" indent="0">
-                  <a:buNone/>
-                  <a:tabLst>
-                    <a:tab pos="7543800" algn="l"/>
-                  </a:tabLst>
-                </a:pPr>
                 <a:endParaRPr lang="en-US" dirty="0">
                   <a:cs typeface="Segoe UI" panose="020B0502040204020203" pitchFamily="34" charset="0"/>
                 </a:endParaRPr>
@@ -13891,135 +12994,6 @@
                                         <p:tgtEl>
                                           <p:spTgt spid="3">
                                             <p:txEl>
-                                              <p:pRg st="0" end="0"/>
-                                            </p:txEl>
-                                          </p:spTgt>
-                                        </p:tgtEl>
-                                        <p:attrNameLst>
-                                          <p:attrName>style.visibility</p:attrName>
-                                        </p:attrNameLst>
-                                      </p:cBhvr>
-                                      <p:to>
-                                        <p:strVal val="visible"/>
-                                      </p:to>
-                                    </p:set>
-                                  </p:childTnLst>
-                                </p:cTn>
-                              </p:par>
-                            </p:childTnLst>
-                          </p:cTn>
-                        </p:par>
-                      </p:childTnLst>
-                    </p:cTn>
-                  </p:par>
-                  <p:par>
-                    <p:cTn id="7" fill="hold">
-                      <p:stCondLst>
-                        <p:cond delay="indefinite"/>
-                      </p:stCondLst>
-                      <p:childTnLst>
-                        <p:par>
-                          <p:cTn id="8" fill="hold">
-                            <p:stCondLst>
-                              <p:cond delay="0"/>
-                            </p:stCondLst>
-                            <p:childTnLst>
-                              <p:par>
-                                <p:cTn id="9" presetID="1" presetClass="entr" presetSubtype="0" fill="hold" nodeType="clickEffect">
-                                  <p:stCondLst>
-                                    <p:cond delay="0"/>
-                                  </p:stCondLst>
-                                  <p:childTnLst>
-                                    <p:set>
-                                      <p:cBhvr>
-                                        <p:cTn id="10" dur="1" fill="hold">
-                                          <p:stCondLst>
-                                            <p:cond delay="0"/>
-                                          </p:stCondLst>
-                                        </p:cTn>
-                                        <p:tgtEl>
-                                          <p:spTgt spid="3">
-                                            <p:txEl>
-                                              <p:pRg st="1" end="1"/>
-                                            </p:txEl>
-                                          </p:spTgt>
-                                        </p:tgtEl>
-                                        <p:attrNameLst>
-                                          <p:attrName>style.visibility</p:attrName>
-                                        </p:attrNameLst>
-                                      </p:cBhvr>
-                                      <p:to>
-                                        <p:strVal val="visible"/>
-                                      </p:to>
-                                    </p:set>
-                                  </p:childTnLst>
-                                </p:cTn>
-                              </p:par>
-                              <p:par>
-                                <p:cTn id="11" presetID="1" presetClass="entr" presetSubtype="0" fill="hold" nodeType="withEffect">
-                                  <p:stCondLst>
-                                    <p:cond delay="0"/>
-                                  </p:stCondLst>
-                                  <p:childTnLst>
-                                    <p:set>
-                                      <p:cBhvr>
-                                        <p:cTn id="12" dur="1" fill="hold">
-                                          <p:stCondLst>
-                                            <p:cond delay="0"/>
-                                          </p:stCondLst>
-                                        </p:cTn>
-                                        <p:tgtEl>
-                                          <p:spTgt spid="3">
-                                            <p:txEl>
-                                              <p:pRg st="3" end="3"/>
-                                            </p:txEl>
-                                          </p:spTgt>
-                                        </p:tgtEl>
-                                        <p:attrNameLst>
-                                          <p:attrName>style.visibility</p:attrName>
-                                        </p:attrNameLst>
-                                      </p:cBhvr>
-                                      <p:to>
-                                        <p:strVal val="visible"/>
-                                      </p:to>
-                                    </p:set>
-                                  </p:childTnLst>
-                                </p:cTn>
-                              </p:par>
-                            </p:childTnLst>
-                          </p:cTn>
-                        </p:par>
-                      </p:childTnLst>
-                    </p:cTn>
-                  </p:par>
-                  <p:par>
-                    <p:cTn id="13" fill="hold">
-                      <p:stCondLst>
-                        <p:cond delay="indefinite"/>
-                      </p:stCondLst>
-                      <p:childTnLst>
-                        <p:par>
-                          <p:cTn id="14" fill="hold">
-                            <p:stCondLst>
-                              <p:cond delay="0"/>
-                            </p:stCondLst>
-                            <p:childTnLst>
-                              <p:par>
-                                <p:cTn id="15" presetID="1" presetClass="entr" presetSubtype="0" fill="hold" nodeType="clickEffect">
-                                  <p:stCondLst>
-                                    <p:cond delay="0"/>
-                                  </p:stCondLst>
-                                  <p:childTnLst>
-                                    <p:set>
-                                      <p:cBhvr>
-                                        <p:cTn id="16" dur="1" fill="hold">
-                                          <p:stCondLst>
-                                            <p:cond delay="0"/>
-                                          </p:stCondLst>
-                                        </p:cTn>
-                                        <p:tgtEl>
-                                          <p:spTgt spid="3">
-                                            <p:txEl>
                                               <p:pRg st="4" end="4"/>
                                             </p:txEl>
                                           </p:spTgt>
@@ -14036,14 +13010,14 @@
                                 </p:cTn>
                               </p:par>
                               <p:par>
-                                <p:cTn id="17" presetID="1" presetClass="entr" presetSubtype="0" fill="hold" nodeType="withEffect">
+                                <p:cTn id="7" presetID="1" presetClass="entr" presetSubtype="0" fill="hold" nodeType="withEffect">
                                   <p:stCondLst>
                                     <p:cond delay="0"/>
                                   </p:stCondLst>
                                   <p:childTnLst>
                                     <p:set>
                                       <p:cBhvr>
-                                        <p:cTn id="18" dur="1" fill="hold">
+                                        <p:cTn id="8" dur="1" fill="hold">
                                           <p:stCondLst>
                                             <p:cond delay="0"/>
                                           </p:stCondLst>
@@ -14073,26 +13047,26 @@
                     </p:cTn>
                   </p:par>
                   <p:par>
-                    <p:cTn id="19" fill="hold">
+                    <p:cTn id="9" fill="hold">
                       <p:stCondLst>
                         <p:cond delay="indefinite"/>
                       </p:stCondLst>
                       <p:childTnLst>
                         <p:par>
-                          <p:cTn id="20" fill="hold">
+                          <p:cTn id="10" fill="hold">
                             <p:stCondLst>
                               <p:cond delay="0"/>
                             </p:stCondLst>
                             <p:childTnLst>
                               <p:par>
-                                <p:cTn id="21" presetID="1" presetClass="entr" presetSubtype="0" fill="hold" nodeType="clickEffect">
+                                <p:cTn id="11" presetID="1" presetClass="entr" presetSubtype="0" fill="hold" nodeType="clickEffect">
                                   <p:stCondLst>
                                     <p:cond delay="0"/>
                                   </p:stCondLst>
                                   <p:childTnLst>
                                     <p:set>
                                       <p:cBhvr>
-                                        <p:cTn id="22" dur="1" fill="hold">
+                                        <p:cTn id="12" dur="1" fill="hold">
                                           <p:stCondLst>
                                             <p:cond delay="0"/>
                                           </p:stCondLst>
@@ -14116,14 +13090,14 @@
                                 </p:cTn>
                               </p:par>
                               <p:par>
-                                <p:cTn id="23" presetID="1" presetClass="entr" presetSubtype="0" fill="hold" nodeType="withEffect">
+                                <p:cTn id="13" presetID="1" presetClass="entr" presetSubtype="0" fill="hold" nodeType="withEffect">
                                   <p:stCondLst>
                                     <p:cond delay="0"/>
                                   </p:stCondLst>
                                   <p:childTnLst>
                                     <p:set>
                                       <p:cBhvr>
-                                        <p:cTn id="24" dur="1" fill="hold">
+                                        <p:cTn id="14" dur="1" fill="hold">
                                           <p:stCondLst>
                                             <p:cond delay="0"/>
                                           </p:stCondLst>
@@ -14177,7 +13151,7 @@
 </p:sld>
 </file>
 
-<file path=ppt/slides/slide16.xml><?xml version="1.0" encoding="utf-8"?>
+<file path=ppt/slides/slide15.xml><?xml version="1.0" encoding="utf-8"?>
 <p:sld xmlns:a="http://schemas.openxmlformats.org/drawingml/2006/main" xmlns:r="http://schemas.openxmlformats.org/officeDocument/2006/relationships" xmlns:p="http://schemas.openxmlformats.org/presentationml/2006/main">
   <p:cSld>
     <p:spTree>
@@ -14462,69 +13436,6 @@
                           </m:d>
                         </m:e>
                       </m:func>
-                      <m:r>
-                        <a:rPr lang="en-US" i="1">
-                          <a:latin typeface="Cambria Math" panose="02040503050406030204" pitchFamily="18" charset="0"/>
-                          <a:cs typeface="Segoe UI" panose="020B0502040204020203" pitchFamily="34" charset="0"/>
-                        </a:rPr>
-                        <m:t> </m:t>
-                      </m:r>
-                      <m:r>
-                        <a:rPr lang="en-US" i="1">
-                          <a:latin typeface="Cambria Math" panose="02040503050406030204" pitchFamily="18" charset="0"/>
-                          <a:cs typeface="Segoe UI" panose="020B0502040204020203" pitchFamily="34" charset="0"/>
-                        </a:rPr>
-                        <m:t>𝑠</m:t>
-                      </m:r>
-                      <m:r>
-                        <a:rPr lang="en-US" i="1">
-                          <a:latin typeface="Cambria Math" panose="02040503050406030204" pitchFamily="18" charset="0"/>
-                          <a:cs typeface="Segoe UI" panose="020B0502040204020203" pitchFamily="34" charset="0"/>
-                        </a:rPr>
-                        <m:t>.</m:t>
-                      </m:r>
-                      <m:r>
-                        <a:rPr lang="en-US" i="1">
-                          <a:latin typeface="Cambria Math" panose="02040503050406030204" pitchFamily="18" charset="0"/>
-                          <a:cs typeface="Segoe UI" panose="020B0502040204020203" pitchFamily="34" charset="0"/>
-                        </a:rPr>
-                        <m:t>𝑡</m:t>
-                      </m:r>
-                      <m:r>
-                        <a:rPr lang="en-US" i="1">
-                          <a:latin typeface="Cambria Math" panose="02040503050406030204" pitchFamily="18" charset="0"/>
-                          <a:cs typeface="Segoe UI" panose="020B0502040204020203" pitchFamily="34" charset="0"/>
-                        </a:rPr>
-                        <m:t>.</m:t>
-                      </m:r>
-                      <m:d>
-                        <m:dPr>
-                          <m:begChr m:val="‖"/>
-                          <m:endChr m:val="‖"/>
-                          <m:ctrlPr>
-                            <a:rPr lang="en-US" i="1">
-                              <a:latin typeface="Cambria Math" panose="02040503050406030204" pitchFamily="18" charset="0"/>
-                              <a:cs typeface="Segoe UI" panose="020B0502040204020203" pitchFamily="34" charset="0"/>
-                            </a:rPr>
-                          </m:ctrlPr>
-                        </m:dPr>
-                        <m:e>
-                          <m:r>
-                            <a:rPr lang="en-US" i="1">
-                              <a:latin typeface="Cambria Math" panose="02040503050406030204" pitchFamily="18" charset="0"/>
-                              <a:cs typeface="Segoe UI" panose="020B0502040204020203" pitchFamily="34" charset="0"/>
-                            </a:rPr>
-                            <m:t>𝑤</m:t>
-                          </m:r>
-                        </m:e>
-                      </m:d>
-                      <m:r>
-                        <a:rPr lang="en-US" i="1">
-                          <a:latin typeface="Cambria Math" panose="02040503050406030204" pitchFamily="18" charset="0"/>
-                          <a:cs typeface="Segoe UI" panose="020B0502040204020203" pitchFamily="34" charset="0"/>
-                        </a:rPr>
-                        <m:t>=1</m:t>
-                      </m:r>
                     </m:oMath>
                   </m:oMathPara>
                 </a14:m>
@@ -14884,69 +13795,6 @@
                           </m:d>
                         </m:e>
                       </m:func>
-                      <m:r>
-                        <a:rPr lang="en-US" i="1">
-                          <a:latin typeface="Cambria Math" panose="02040503050406030204" pitchFamily="18" charset="0"/>
-                          <a:cs typeface="Segoe UI" panose="020B0502040204020203" pitchFamily="34" charset="0"/>
-                        </a:rPr>
-                        <m:t> </m:t>
-                      </m:r>
-                      <m:r>
-                        <a:rPr lang="en-US" i="1">
-                          <a:latin typeface="Cambria Math" panose="02040503050406030204" pitchFamily="18" charset="0"/>
-                          <a:cs typeface="Segoe UI" panose="020B0502040204020203" pitchFamily="34" charset="0"/>
-                        </a:rPr>
-                        <m:t>𝑠</m:t>
-                      </m:r>
-                      <m:r>
-                        <a:rPr lang="en-US" i="1">
-                          <a:latin typeface="Cambria Math" panose="02040503050406030204" pitchFamily="18" charset="0"/>
-                          <a:cs typeface="Segoe UI" panose="020B0502040204020203" pitchFamily="34" charset="0"/>
-                        </a:rPr>
-                        <m:t>.</m:t>
-                      </m:r>
-                      <m:r>
-                        <a:rPr lang="en-US" i="1">
-                          <a:latin typeface="Cambria Math" panose="02040503050406030204" pitchFamily="18" charset="0"/>
-                          <a:cs typeface="Segoe UI" panose="020B0502040204020203" pitchFamily="34" charset="0"/>
-                        </a:rPr>
-                        <m:t>𝑡</m:t>
-                      </m:r>
-                      <m:r>
-                        <a:rPr lang="en-US" i="1">
-                          <a:latin typeface="Cambria Math" panose="02040503050406030204" pitchFamily="18" charset="0"/>
-                          <a:cs typeface="Segoe UI" panose="020B0502040204020203" pitchFamily="34" charset="0"/>
-                        </a:rPr>
-                        <m:t>.</m:t>
-                      </m:r>
-                      <m:d>
-                        <m:dPr>
-                          <m:begChr m:val="‖"/>
-                          <m:endChr m:val="‖"/>
-                          <m:ctrlPr>
-                            <a:rPr lang="en-US" i="1">
-                              <a:latin typeface="Cambria Math" panose="02040503050406030204" pitchFamily="18" charset="0"/>
-                              <a:cs typeface="Segoe UI" panose="020B0502040204020203" pitchFamily="34" charset="0"/>
-                            </a:rPr>
-                          </m:ctrlPr>
-                        </m:dPr>
-                        <m:e>
-                          <m:r>
-                            <a:rPr lang="en-US" i="1">
-                              <a:latin typeface="Cambria Math" panose="02040503050406030204" pitchFamily="18" charset="0"/>
-                              <a:cs typeface="Segoe UI" panose="020B0502040204020203" pitchFamily="34" charset="0"/>
-                            </a:rPr>
-                            <m:t>𝑤</m:t>
-                          </m:r>
-                        </m:e>
-                      </m:d>
-                      <m:r>
-                        <a:rPr lang="en-US" i="1">
-                          <a:latin typeface="Cambria Math" panose="02040503050406030204" pitchFamily="18" charset="0"/>
-                          <a:cs typeface="Segoe UI" panose="020B0502040204020203" pitchFamily="34" charset="0"/>
-                        </a:rPr>
-                        <m:t>=1</m:t>
-                      </m:r>
                     </m:oMath>
                   </m:oMathPara>
                 </a14:m>
@@ -15299,7 +14147,38 @@
                                         <p:tgtEl>
                                           <p:spTgt spid="3">
                                             <p:txEl>
-                                              <p:pRg st="0" end="0"/>
+                                              <p:pRg st="3" end="3"/>
+                                            </p:txEl>
+                                          </p:spTgt>
+                                        </p:tgtEl>
+                                        <p:attrNameLst>
+                                          <p:attrName>style.visibility</p:attrName>
+                                        </p:attrNameLst>
+                                      </p:cBhvr>
+                                      <p:to>
+                                        <p:strVal val="visible"/>
+                                      </p:to>
+                                    </p:set>
+                                  </p:childTnLst>
+                                </p:cTn>
+                              </p:par>
+                              <p:par>
+                                <p:cTn id="7" presetID="1" presetClass="entr" presetSubtype="0" fill="hold" nodeType="withEffect">
+                                  <p:stCondLst>
+                                    <p:cond delay="0"/>
+                                  </p:stCondLst>
+                                  <p:childTnLst>
+                                    <p:set>
+                                      <p:cBhvr>
+                                        <p:cTn id="8" dur="1" fill="hold">
+                                          <p:stCondLst>
+                                            <p:cond delay="0"/>
+                                          </p:stCondLst>
+                                        </p:cTn>
+                                        <p:tgtEl>
+                                          <p:spTgt spid="3">
+                                            <p:txEl>
+                                              <p:pRg st="5" end="5"/>
                                             </p:txEl>
                                           </p:spTgt>
                                         </p:tgtEl>
@@ -15321,26 +14200,26 @@
                     </p:cTn>
                   </p:par>
                   <p:par>
-                    <p:cTn id="7" fill="hold">
+                    <p:cTn id="9" fill="hold">
                       <p:stCondLst>
                         <p:cond delay="indefinite"/>
                       </p:stCondLst>
                       <p:childTnLst>
                         <p:par>
-                          <p:cTn id="8" fill="hold">
+                          <p:cTn id="10" fill="hold">
                             <p:stCondLst>
                               <p:cond delay="0"/>
                             </p:stCondLst>
                             <p:childTnLst>
                               <p:par>
-                                <p:cTn id="9" presetID="1" presetClass="entr" presetSubtype="0" fill="hold" nodeType="clickEffect">
+                                <p:cTn id="11" presetID="1" presetClass="entr" presetSubtype="0" fill="hold" nodeType="clickEffect">
                                   <p:stCondLst>
                                     <p:cond delay="0"/>
                                   </p:stCondLst>
                                   <p:childTnLst>
                                     <p:set>
                                       <p:cBhvr>
-                                        <p:cTn id="10" dur="1" fill="hold">
+                                        <p:cTn id="12" dur="1" fill="hold">
                                           <p:stCondLst>
                                             <p:cond delay="0"/>
                                           </p:stCondLst>
@@ -15348,7 +14227,7 @@
                                         <p:tgtEl>
                                           <p:spTgt spid="3">
                                             <p:txEl>
-                                              <p:pRg st="1" end="1"/>
+                                              <p:pRg st="6" end="6"/>
                                             </p:txEl>
                                           </p:spTgt>
                                         </p:tgtEl>
@@ -15363,26 +14242,8 @@
                                   </p:childTnLst>
                                 </p:cTn>
                               </p:par>
-                            </p:childTnLst>
-                          </p:cTn>
-                        </p:par>
-                      </p:childTnLst>
-                    </p:cTn>
-                  </p:par>
-                  <p:par>
-                    <p:cTn id="11" fill="hold">
-                      <p:stCondLst>
-                        <p:cond delay="indefinite"/>
-                      </p:stCondLst>
-                      <p:childTnLst>
-                        <p:par>
-                          <p:cTn id="12" fill="hold">
-                            <p:stCondLst>
-                              <p:cond delay="0"/>
-                            </p:stCondLst>
-                            <p:childTnLst>
                               <p:par>
-                                <p:cTn id="13" presetID="1" presetClass="entr" presetSubtype="0" fill="hold" nodeType="clickEffect">
+                                <p:cTn id="13" presetID="1" presetClass="entr" presetSubtype="0" fill="hold" nodeType="withEffect">
                                   <p:stCondLst>
                                     <p:cond delay="0"/>
                                   </p:stCondLst>
@@ -15397,7 +14258,7 @@
                                         <p:tgtEl>
                                           <p:spTgt spid="3">
                                             <p:txEl>
-                                              <p:pRg st="2" end="2"/>
+                                              <p:pRg st="7" end="7"/>
                                             </p:txEl>
                                           </p:spTgt>
                                         </p:tgtEl>
@@ -15439,202 +14300,6 @@
                                     <p:set>
                                       <p:cBhvr>
                                         <p:cTn id="18" dur="1" fill="hold">
-                                          <p:stCondLst>
-                                            <p:cond delay="0"/>
-                                          </p:stCondLst>
-                                        </p:cTn>
-                                        <p:tgtEl>
-                                          <p:spTgt spid="3">
-                                            <p:txEl>
-                                              <p:pRg st="3" end="3"/>
-                                            </p:txEl>
-                                          </p:spTgt>
-                                        </p:tgtEl>
-                                        <p:attrNameLst>
-                                          <p:attrName>style.visibility</p:attrName>
-                                        </p:attrNameLst>
-                                      </p:cBhvr>
-                                      <p:to>
-                                        <p:strVal val="visible"/>
-                                      </p:to>
-                                    </p:set>
-                                  </p:childTnLst>
-                                </p:cTn>
-                              </p:par>
-                            </p:childTnLst>
-                          </p:cTn>
-                        </p:par>
-                      </p:childTnLst>
-                    </p:cTn>
-                  </p:par>
-                  <p:par>
-                    <p:cTn id="19" fill="hold">
-                      <p:stCondLst>
-                        <p:cond delay="indefinite"/>
-                      </p:stCondLst>
-                      <p:childTnLst>
-                        <p:par>
-                          <p:cTn id="20" fill="hold">
-                            <p:stCondLst>
-                              <p:cond delay="0"/>
-                            </p:stCondLst>
-                            <p:childTnLst>
-                              <p:par>
-                                <p:cTn id="21" presetID="1" presetClass="entr" presetSubtype="0" fill="hold" nodeType="clickEffect">
-                                  <p:stCondLst>
-                                    <p:cond delay="0"/>
-                                  </p:stCondLst>
-                                  <p:childTnLst>
-                                    <p:set>
-                                      <p:cBhvr>
-                                        <p:cTn id="22" dur="1" fill="hold">
-                                          <p:stCondLst>
-                                            <p:cond delay="0"/>
-                                          </p:stCondLst>
-                                        </p:cTn>
-                                        <p:tgtEl>
-                                          <p:spTgt spid="3">
-                                            <p:txEl>
-                                              <p:pRg st="5" end="5"/>
-                                            </p:txEl>
-                                          </p:spTgt>
-                                        </p:tgtEl>
-                                        <p:attrNameLst>
-                                          <p:attrName>style.visibility</p:attrName>
-                                        </p:attrNameLst>
-                                      </p:cBhvr>
-                                      <p:to>
-                                        <p:strVal val="visible"/>
-                                      </p:to>
-                                    </p:set>
-                                  </p:childTnLst>
-                                </p:cTn>
-                              </p:par>
-                            </p:childTnLst>
-                          </p:cTn>
-                        </p:par>
-                      </p:childTnLst>
-                    </p:cTn>
-                  </p:par>
-                  <p:par>
-                    <p:cTn id="23" fill="hold">
-                      <p:stCondLst>
-                        <p:cond delay="indefinite"/>
-                      </p:stCondLst>
-                      <p:childTnLst>
-                        <p:par>
-                          <p:cTn id="24" fill="hold">
-                            <p:stCondLst>
-                              <p:cond delay="0"/>
-                            </p:stCondLst>
-                            <p:childTnLst>
-                              <p:par>
-                                <p:cTn id="25" presetID="1" presetClass="entr" presetSubtype="0" fill="hold" nodeType="clickEffect">
-                                  <p:stCondLst>
-                                    <p:cond delay="0"/>
-                                  </p:stCondLst>
-                                  <p:childTnLst>
-                                    <p:set>
-                                      <p:cBhvr>
-                                        <p:cTn id="26" dur="1" fill="hold">
-                                          <p:stCondLst>
-                                            <p:cond delay="0"/>
-                                          </p:stCondLst>
-                                        </p:cTn>
-                                        <p:tgtEl>
-                                          <p:spTgt spid="3">
-                                            <p:txEl>
-                                              <p:pRg st="6" end="6"/>
-                                            </p:txEl>
-                                          </p:spTgt>
-                                        </p:tgtEl>
-                                        <p:attrNameLst>
-                                          <p:attrName>style.visibility</p:attrName>
-                                        </p:attrNameLst>
-                                      </p:cBhvr>
-                                      <p:to>
-                                        <p:strVal val="visible"/>
-                                      </p:to>
-                                    </p:set>
-                                  </p:childTnLst>
-                                </p:cTn>
-                              </p:par>
-                            </p:childTnLst>
-                          </p:cTn>
-                        </p:par>
-                      </p:childTnLst>
-                    </p:cTn>
-                  </p:par>
-                  <p:par>
-                    <p:cTn id="27" fill="hold">
-                      <p:stCondLst>
-                        <p:cond delay="indefinite"/>
-                      </p:stCondLst>
-                      <p:childTnLst>
-                        <p:par>
-                          <p:cTn id="28" fill="hold">
-                            <p:stCondLst>
-                              <p:cond delay="0"/>
-                            </p:stCondLst>
-                            <p:childTnLst>
-                              <p:par>
-                                <p:cTn id="29" presetID="1" presetClass="entr" presetSubtype="0" fill="hold" nodeType="clickEffect">
-                                  <p:stCondLst>
-                                    <p:cond delay="0"/>
-                                  </p:stCondLst>
-                                  <p:childTnLst>
-                                    <p:set>
-                                      <p:cBhvr>
-                                        <p:cTn id="30" dur="1" fill="hold">
-                                          <p:stCondLst>
-                                            <p:cond delay="0"/>
-                                          </p:stCondLst>
-                                        </p:cTn>
-                                        <p:tgtEl>
-                                          <p:spTgt spid="3">
-                                            <p:txEl>
-                                              <p:pRg st="7" end="7"/>
-                                            </p:txEl>
-                                          </p:spTgt>
-                                        </p:tgtEl>
-                                        <p:attrNameLst>
-                                          <p:attrName>style.visibility</p:attrName>
-                                        </p:attrNameLst>
-                                      </p:cBhvr>
-                                      <p:to>
-                                        <p:strVal val="visible"/>
-                                      </p:to>
-                                    </p:set>
-                                  </p:childTnLst>
-                                </p:cTn>
-                              </p:par>
-                            </p:childTnLst>
-                          </p:cTn>
-                        </p:par>
-                      </p:childTnLst>
-                    </p:cTn>
-                  </p:par>
-                  <p:par>
-                    <p:cTn id="31" fill="hold">
-                      <p:stCondLst>
-                        <p:cond delay="indefinite"/>
-                      </p:stCondLst>
-                      <p:childTnLst>
-                        <p:par>
-                          <p:cTn id="32" fill="hold">
-                            <p:stCondLst>
-                              <p:cond delay="0"/>
-                            </p:stCondLst>
-                            <p:childTnLst>
-                              <p:par>
-                                <p:cTn id="33" presetID="1" presetClass="entr" presetSubtype="0" fill="hold" nodeType="clickEffect">
-                                  <p:stCondLst>
-                                    <p:cond delay="0"/>
-                                  </p:stCondLst>
-                                  <p:childTnLst>
-                                    <p:set>
-                                      <p:cBhvr>
-                                        <p:cTn id="34" dur="1" fill="hold">
                                           <p:stCondLst>
                                             <p:cond delay="0"/>
                                           </p:stCondLst>
@@ -15688,7 +14353,7 @@
 </p:sld>
 </file>
 
-<file path=ppt/slides/slide17.xml><?xml version="1.0" encoding="utf-8"?>
+<file path=ppt/slides/slide16.xml><?xml version="1.0" encoding="utf-8"?>
 <p:sld xmlns:a="http://schemas.openxmlformats.org/drawingml/2006/main" xmlns:r="http://schemas.openxmlformats.org/officeDocument/2006/relationships" xmlns:p="http://schemas.openxmlformats.org/presentationml/2006/main">
   <p:cSld>
     <p:spTree>
@@ -15797,7 +14462,7 @@
                   <a:rPr lang="en-US" dirty="0">
                     <a:cs typeface="Segoe UI" panose="020B0502040204020203" pitchFamily="34" charset="0"/>
                   </a:rPr>
-                  <a:t>What the kth principle component to have the following properties:</a:t>
+                  <a:t>The kth principle component has the following properties:</a:t>
                 </a:r>
               </a:p>
               <a:p>
@@ -16222,69 +14887,6 @@
                           </m:d>
                         </m:e>
                       </m:func>
-                      <m:r>
-                        <a:rPr lang="en-US" i="1">
-                          <a:latin typeface="Cambria Math" panose="02040503050406030204" pitchFamily="18" charset="0"/>
-                          <a:cs typeface="Segoe UI" panose="020B0502040204020203" pitchFamily="34" charset="0"/>
-                        </a:rPr>
-                        <m:t> </m:t>
-                      </m:r>
-                      <m:r>
-                        <a:rPr lang="en-US" i="1">
-                          <a:latin typeface="Cambria Math" panose="02040503050406030204" pitchFamily="18" charset="0"/>
-                          <a:cs typeface="Segoe UI" panose="020B0502040204020203" pitchFamily="34" charset="0"/>
-                        </a:rPr>
-                        <m:t>𝑠</m:t>
-                      </m:r>
-                      <m:r>
-                        <a:rPr lang="en-US" i="1">
-                          <a:latin typeface="Cambria Math" panose="02040503050406030204" pitchFamily="18" charset="0"/>
-                          <a:cs typeface="Segoe UI" panose="020B0502040204020203" pitchFamily="34" charset="0"/>
-                        </a:rPr>
-                        <m:t>.</m:t>
-                      </m:r>
-                      <m:r>
-                        <a:rPr lang="en-US" i="1">
-                          <a:latin typeface="Cambria Math" panose="02040503050406030204" pitchFamily="18" charset="0"/>
-                          <a:cs typeface="Segoe UI" panose="020B0502040204020203" pitchFamily="34" charset="0"/>
-                        </a:rPr>
-                        <m:t>𝑡</m:t>
-                      </m:r>
-                      <m:r>
-                        <a:rPr lang="en-US" i="1">
-                          <a:latin typeface="Cambria Math" panose="02040503050406030204" pitchFamily="18" charset="0"/>
-                          <a:cs typeface="Segoe UI" panose="020B0502040204020203" pitchFamily="34" charset="0"/>
-                        </a:rPr>
-                        <m:t>.</m:t>
-                      </m:r>
-                      <m:d>
-                        <m:dPr>
-                          <m:begChr m:val="‖"/>
-                          <m:endChr m:val="‖"/>
-                          <m:ctrlPr>
-                            <a:rPr lang="en-US" i="1">
-                              <a:latin typeface="Cambria Math" panose="02040503050406030204" pitchFamily="18" charset="0"/>
-                              <a:cs typeface="Segoe UI" panose="020B0502040204020203" pitchFamily="34" charset="0"/>
-                            </a:rPr>
-                          </m:ctrlPr>
-                        </m:dPr>
-                        <m:e>
-                          <m:r>
-                            <a:rPr lang="en-US" i="1">
-                              <a:latin typeface="Cambria Math" panose="02040503050406030204" pitchFamily="18" charset="0"/>
-                              <a:cs typeface="Segoe UI" panose="020B0502040204020203" pitchFamily="34" charset="0"/>
-                            </a:rPr>
-                            <m:t>𝑤</m:t>
-                          </m:r>
-                        </m:e>
-                      </m:d>
-                      <m:r>
-                        <a:rPr lang="en-US" i="1">
-                          <a:latin typeface="Cambria Math" panose="02040503050406030204" pitchFamily="18" charset="0"/>
-                          <a:cs typeface="Segoe UI" panose="020B0502040204020203" pitchFamily="34" charset="0"/>
-                        </a:rPr>
-                        <m:t>=1</m:t>
-                      </m:r>
                     </m:oMath>
                   </m:oMathPara>
                 </a14:m>
@@ -17117,7 +15719,7 @@
 </p:sld>
 </file>
 
-<file path=ppt/slides/slide18.xml><?xml version="1.0" encoding="utf-8"?>
+<file path=ppt/slides/slide17.xml><?xml version="1.0" encoding="utf-8"?>
 <p:sld xmlns:a="http://schemas.openxmlformats.org/drawingml/2006/main" xmlns:r="http://schemas.openxmlformats.org/officeDocument/2006/relationships" xmlns:p="http://schemas.openxmlformats.org/presentationml/2006/main">
   <p:cSld>
     <p:spTree>
@@ -17237,7 +15839,7 @@
               <a:rPr lang="en-US" dirty="0">
                 <a:cs typeface="Segoe UI" panose="020B0502040204020203" pitchFamily="34" charset="0"/>
               </a:rPr>
-              <a:t>The scaling of each principle direction by the eigenvalue  </a:t>
+              <a:t>Each principle direction scaled by the eigenvalue  </a:t>
             </a:r>
           </a:p>
           <a:p>
@@ -17250,18 +15852,8 @@
               <a:rPr lang="en-US" dirty="0">
                 <a:cs typeface="Segoe UI" panose="020B0502040204020203" pitchFamily="34" charset="0"/>
               </a:rPr>
-              <a:t>Eigenvalue is the variance  of the component  </a:t>
+              <a:t>Each PC ordered by eigenvalues, having decreasing variance</a:t>
             </a:r>
-          </a:p>
-          <a:p>
-            <a:pPr>
-              <a:tabLst>
-                <a:tab pos="7543800" algn="l"/>
-              </a:tabLst>
-            </a:pPr>
-            <a:endParaRPr lang="en-US" dirty="0">
-              <a:cs typeface="Segoe UI" panose="020B0502040204020203" pitchFamily="34" charset="0"/>
-            </a:endParaRPr>
           </a:p>
           <a:p>
             <a:pPr marL="0" indent="0">
@@ -17538,7 +16130,7 @@
 </p:sld>
 </file>
 
-<file path=ppt/slides/slide19.xml><?xml version="1.0" encoding="utf-8"?>
+<file path=ppt/slides/slide18.xml><?xml version="1.0" encoding="utf-8"?>
 <p:sld xmlns:a="http://schemas.openxmlformats.org/drawingml/2006/main" xmlns:r="http://schemas.openxmlformats.org/officeDocument/2006/relationships" xmlns:p="http://schemas.openxmlformats.org/presentationml/2006/main">
   <p:cSld>
     <p:spTree>
@@ -17902,6 +16494,88 @@
                     <m:sSup>
                       <m:sSupPr>
                         <m:ctrlPr>
+                          <a:rPr lang="en-US" i="1">
+                            <a:latin typeface="Cambria Math" panose="02040503050406030204" pitchFamily="18" charset="0"/>
+                            <a:cs typeface="Segoe UI" panose="020B0502040204020203" pitchFamily="34" charset="0"/>
+                          </a:rPr>
+                        </m:ctrlPr>
+                      </m:sSupPr>
+                      <m:e>
+                        <m:r>
+                          <a:rPr lang="en-US" i="1">
+                            <a:latin typeface="Cambria Math" panose="02040503050406030204" pitchFamily="18" charset="0"/>
+                            <a:cs typeface="Segoe UI" panose="020B0502040204020203" pitchFamily="34" charset="0"/>
+                          </a:rPr>
+                          <m:t>𝑊</m:t>
+                        </m:r>
+                      </m:e>
+                      <m:sup>
+                        <m:r>
+                          <a:rPr lang="en-US" i="1">
+                            <a:latin typeface="Cambria Math" panose="02040503050406030204" pitchFamily="18" charset="0"/>
+                            <a:cs typeface="Segoe UI" panose="020B0502040204020203" pitchFamily="34" charset="0"/>
+                          </a:rPr>
+                          <m:t>(</m:t>
+                        </m:r>
+                        <m:r>
+                          <a:rPr lang="en-US" i="1">
+                            <a:latin typeface="Cambria Math" panose="02040503050406030204" pitchFamily="18" charset="0"/>
+                            <a:cs typeface="Segoe UI" panose="020B0502040204020203" pitchFamily="34" charset="0"/>
+                          </a:rPr>
+                          <m:t>𝐿</m:t>
+                        </m:r>
+                        <m:r>
+                          <a:rPr lang="en-US" i="1">
+                            <a:latin typeface="Cambria Math" panose="02040503050406030204" pitchFamily="18" charset="0"/>
+                            <a:cs typeface="Segoe UI" panose="020B0502040204020203" pitchFamily="34" charset="0"/>
+                          </a:rPr>
+                          <m:t>)</m:t>
+                        </m:r>
+                      </m:sup>
+                    </m:sSup>
+                  </m:oMath>
+                </a14:m>
+                <a:r>
+                  <a:rPr lang="en-US" dirty="0">
+                    <a:cs typeface="Segoe UI" panose="020B0502040204020203" pitchFamily="34" charset="0"/>
+                  </a:rPr>
+                  <a:t> is the first L columns of </a:t>
+                </a:r>
+                <a14:m>
+                  <m:oMath xmlns:m="http://schemas.openxmlformats.org/officeDocument/2006/math">
+                    <m:r>
+                      <a:rPr lang="en-US" b="0" i="1" smtClean="0">
+                        <a:latin typeface="Cambria Math" panose="02040503050406030204" pitchFamily="18" charset="0"/>
+                        <a:cs typeface="Segoe UI" panose="020B0502040204020203" pitchFamily="34" charset="0"/>
+                      </a:rPr>
+                      <m:t>𝑊</m:t>
+                    </m:r>
+                  </m:oMath>
+                </a14:m>
+                <a:r>
+                  <a:rPr lang="en-US" dirty="0">
+                    <a:cs typeface="Segoe UI" panose="020B0502040204020203" pitchFamily="34" charset="0"/>
+                  </a:rPr>
+                  <a:t> </a:t>
+                </a:r>
+              </a:p>
+              <a:p>
+                <a:pPr>
+                  <a:tabLst>
+                    <a:tab pos="7543800" algn="l"/>
+                  </a:tabLst>
+                </a:pPr>
+                <a:r>
+                  <a:rPr lang="en-US" dirty="0">
+                    <a:cs typeface="Segoe UI" panose="020B0502040204020203" pitchFamily="34" charset="0"/>
+                  </a:rPr>
+                  <a:t>And </a:t>
+                </a:r>
+                <a14:m>
+                  <m:oMath xmlns:m="http://schemas.openxmlformats.org/officeDocument/2006/math">
+                    <m:sSup>
+                      <m:sSupPr>
+                        <m:ctrlPr>
                           <a:rPr lang="en-US" i="1" smtClean="0">
                             <a:latin typeface="Cambria Math" panose="02040503050406030204" pitchFamily="18" charset="0"/>
                             <a:cs typeface="Segoe UI" panose="020B0502040204020203" pitchFamily="34" charset="0"/>
@@ -18198,33 +16872,15 @@
                                   </p:childTnLst>
                                 </p:cTn>
                               </p:par>
-                            </p:childTnLst>
-                          </p:cTn>
-                        </p:par>
-                      </p:childTnLst>
-                    </p:cTn>
-                  </p:par>
-                  <p:par>
-                    <p:cTn id="11" fill="hold">
-                      <p:stCondLst>
-                        <p:cond delay="indefinite"/>
-                      </p:stCondLst>
-                      <p:childTnLst>
-                        <p:par>
-                          <p:cTn id="12" fill="hold">
-                            <p:stCondLst>
-                              <p:cond delay="0"/>
-                            </p:stCondLst>
-                            <p:childTnLst>
                               <p:par>
-                                <p:cTn id="13" presetID="1" presetClass="entr" presetSubtype="0" fill="hold" nodeType="clickEffect">
+                                <p:cTn id="11" presetID="1" presetClass="entr" presetSubtype="0" fill="hold" nodeType="withEffect">
                                   <p:stCondLst>
                                     <p:cond delay="0"/>
                                   </p:stCondLst>
                                   <p:childTnLst>
                                     <p:set>
                                       <p:cBhvr>
-                                        <p:cTn id="14" dur="1" fill="hold">
+                                        <p:cTn id="12" dur="1" fill="hold">
                                           <p:stCondLst>
                                             <p:cond delay="0"/>
                                           </p:stCondLst>
@@ -18254,19 +16910,50 @@
                     </p:cTn>
                   </p:par>
                   <p:par>
-                    <p:cTn id="15" fill="hold">
+                    <p:cTn id="13" fill="hold">
                       <p:stCondLst>
                         <p:cond delay="indefinite"/>
                       </p:stCondLst>
                       <p:childTnLst>
                         <p:par>
-                          <p:cTn id="16" fill="hold">
+                          <p:cTn id="14" fill="hold">
                             <p:stCondLst>
                               <p:cond delay="0"/>
                             </p:stCondLst>
                             <p:childTnLst>
                               <p:par>
-                                <p:cTn id="17" presetID="1" presetClass="entr" presetSubtype="0" fill="hold" nodeType="clickEffect">
+                                <p:cTn id="15" presetID="1" presetClass="entr" presetSubtype="0" fill="hold" nodeType="clickEffect">
+                                  <p:stCondLst>
+                                    <p:cond delay="0"/>
+                                  </p:stCondLst>
+                                  <p:childTnLst>
+                                    <p:set>
+                                      <p:cBhvr>
+                                        <p:cTn id="16" dur="1" fill="hold">
+                                          <p:stCondLst>
+                                            <p:cond delay="0"/>
+                                          </p:stCondLst>
+                                        </p:cTn>
+                                        <p:tgtEl>
+                                          <p:spTgt spid="3">
+                                            <p:txEl>
+                                              <p:pRg st="3" end="3"/>
+                                            </p:txEl>
+                                          </p:spTgt>
+                                        </p:tgtEl>
+                                        <p:attrNameLst>
+                                          <p:attrName>style.visibility</p:attrName>
+                                        </p:attrNameLst>
+                                      </p:cBhvr>
+                                      <p:to>
+                                        <p:strVal val="visible"/>
+                                      </p:to>
+                                    </p:set>
+                                  </p:childTnLst>
+                                </p:cTn>
+                              </p:par>
+                              <p:par>
+                                <p:cTn id="17" presetID="1" presetClass="entr" presetSubtype="0" fill="hold" nodeType="withEffect">
                                   <p:stCondLst>
                                     <p:cond delay="0"/>
                                   </p:stCondLst>
@@ -18281,7 +16968,7 @@
                                         <p:tgtEl>
                                           <p:spTgt spid="3">
                                             <p:txEl>
-                                              <p:pRg st="3" end="3"/>
+                                              <p:pRg st="5" end="5"/>
                                             </p:txEl>
                                           </p:spTgt>
                                         </p:tgtEl>
@@ -18330,7 +17017,7 @@
                                         <p:tgtEl>
                                           <p:spTgt spid="3">
                                             <p:txEl>
-                                              <p:pRg st="5" end="5"/>
+                                              <p:pRg st="6" end="6"/>
                                             </p:txEl>
                                           </p:spTgt>
                                         </p:tgtEl>
@@ -18379,7 +17066,7 @@
                                         <p:tgtEl>
                                           <p:spTgt spid="3">
                                             <p:txEl>
-                                              <p:pRg st="6" end="6"/>
+                                              <p:pRg st="7" end="7"/>
                                             </p:txEl>
                                           </p:spTgt>
                                         </p:tgtEl>
@@ -18428,7 +17115,7 @@
                                         <p:tgtEl>
                                           <p:spTgt spid="3">
                                             <p:txEl>
-                                              <p:pRg st="7" end="7"/>
+                                              <p:pRg st="8" end="8"/>
                                             </p:txEl>
                                           </p:spTgt>
                                         </p:tgtEl>
@@ -18474,645 +17161,7 @@
 </p:sld>
 </file>
 
-<file path=ppt/slides/slide2.xml><?xml version="1.0" encoding="utf-8"?>
-<p:sld xmlns:a="http://schemas.openxmlformats.org/drawingml/2006/main" xmlns:r="http://schemas.openxmlformats.org/officeDocument/2006/relationships" xmlns:p="http://schemas.openxmlformats.org/presentationml/2006/main">
-  <p:cSld>
-    <p:spTree>
-      <p:nvGrpSpPr>
-        <p:cNvPr id="1" name=""/>
-        <p:cNvGrpSpPr/>
-        <p:nvPr/>
-      </p:nvGrpSpPr>
-      <p:grpSpPr>
-        <a:xfrm>
-          <a:off x="0" y="0"/>
-          <a:ext cx="0" cy="0"/>
-          <a:chOff x="0" y="0"/>
-          <a:chExt cx="0" cy="0"/>
-        </a:xfrm>
-      </p:grpSpPr>
-      <p:sp>
-        <p:nvSpPr>
-          <p:cNvPr id="2" name="Title 1"/>
-          <p:cNvSpPr>
-            <a:spLocks noGrp="1"/>
-          </p:cNvSpPr>
-          <p:nvPr>
-            <p:ph type="title"/>
-          </p:nvPr>
-        </p:nvSpPr>
-        <p:spPr>
-          <a:xfrm>
-            <a:off x="584200" y="221992"/>
-            <a:ext cx="10515600" cy="530954"/>
-          </a:xfrm>
-        </p:spPr>
-        <p:txBody>
-          <a:bodyPr>
-            <a:normAutofit fontScale="90000"/>
-          </a:bodyPr>
-          <a:lstStyle/>
-          <a:p>
-            <a:r>
-              <a:rPr lang="en-US" dirty="0"/>
-              <a:t>Introduction to Dimensionality Reduction</a:t>
-            </a:r>
-          </a:p>
-        </p:txBody>
-      </p:sp>
-      <p:sp>
-        <p:nvSpPr>
-          <p:cNvPr id="3" name="Content Placeholder 2"/>
-          <p:cNvSpPr>
-            <a:spLocks noGrp="1"/>
-          </p:cNvSpPr>
-          <p:nvPr>
-            <p:ph sz="quarter" idx="10"/>
-          </p:nvPr>
-        </p:nvSpPr>
-        <p:spPr>
-          <a:xfrm>
-            <a:off x="333375" y="1031357"/>
-            <a:ext cx="11525250" cy="5155109"/>
-          </a:xfrm>
-        </p:spPr>
-        <p:txBody>
-          <a:bodyPr>
-            <a:normAutofit/>
-          </a:bodyPr>
-          <a:lstStyle/>
-          <a:p>
-            <a:pPr marL="0" indent="0">
-              <a:buNone/>
-            </a:pPr>
-            <a:r>
-              <a:rPr lang="en-US" dirty="0">
-                <a:latin typeface="+mn-lt"/>
-              </a:rPr>
-              <a:t>Dimensionality reduction is widely used in data mining</a:t>
-            </a:r>
-          </a:p>
-          <a:p>
-            <a:r>
-              <a:rPr lang="en-US" dirty="0">
-                <a:latin typeface="+mn-lt"/>
-              </a:rPr>
-              <a:t>Human understanding of high dimensional spaces is difficult at best  </a:t>
-            </a:r>
-          </a:p>
-          <a:p>
-            <a:pPr lvl="1"/>
-            <a:r>
-              <a:rPr lang="en-US" dirty="0">
-                <a:latin typeface="+mn-lt"/>
-              </a:rPr>
-              <a:t>For most people, perception of data relationships starts to dimension beyond 4 or  dimensions  </a:t>
-            </a:r>
-          </a:p>
-          <a:p>
-            <a:pPr lvl="1"/>
-            <a:r>
-              <a:rPr lang="en-US" dirty="0">
-                <a:latin typeface="+mn-lt"/>
-              </a:rPr>
-              <a:t>Exploration of complex spaces can be aided by projection into lower dimensional space  </a:t>
-            </a:r>
-          </a:p>
-          <a:p>
-            <a:r>
-              <a:rPr lang="en-US" sz="2800" dirty="0">
-                <a:latin typeface="+mn-lt"/>
-              </a:rPr>
-              <a:t>Many algorithms converge better in lower dimensional spaces </a:t>
-            </a:r>
-          </a:p>
-          <a:p>
-            <a:pPr lvl="1"/>
-            <a:r>
-              <a:rPr lang="en-US" dirty="0">
-                <a:latin typeface="+mn-lt"/>
-              </a:rPr>
-              <a:t>High dimensional spaces can leave to over-fitting of data mining algorithms </a:t>
-            </a:r>
-          </a:p>
-          <a:p>
-            <a:pPr lvl="1"/>
-            <a:r>
-              <a:rPr lang="en-US" dirty="0">
-                <a:latin typeface="+mn-lt"/>
-              </a:rPr>
-              <a:t>For example, clustering in high dimensional spaces can lead fragmentation of the data</a:t>
-            </a:r>
-          </a:p>
-          <a:p>
-            <a:pPr lvl="1"/>
-            <a:r>
-              <a:rPr lang="en-US" dirty="0">
-                <a:latin typeface="+mn-lt"/>
-              </a:rPr>
-              <a:t>Dimensionality reduction can improve results   </a:t>
-            </a:r>
-          </a:p>
-          <a:p>
-            <a:pPr lvl="1"/>
-            <a:r>
-              <a:rPr lang="en-US" dirty="0">
-                <a:latin typeface="+mn-lt"/>
-              </a:rPr>
-              <a:t>Example; spectral clustering uses projection to lower dimensional space  </a:t>
-            </a:r>
-          </a:p>
-          <a:p>
-            <a:pPr lvl="1"/>
-            <a:endParaRPr lang="en-US" dirty="0"/>
-          </a:p>
-        </p:txBody>
-      </p:sp>
-    </p:spTree>
-    <p:extLst>
-      <p:ext uri="{BB962C8B-B14F-4D97-AF65-F5344CB8AC3E}">
-        <p14:creationId xmlns:p14="http://schemas.microsoft.com/office/powerpoint/2010/main" val="760930776"/>
-      </p:ext>
-    </p:extLst>
-  </p:cSld>
-  <p:clrMapOvr>
-    <a:masterClrMapping/>
-  </p:clrMapOvr>
-  <p:timing>
-    <p:tnLst>
-      <p:par>
-        <p:cTn id="1" dur="indefinite" restart="never" nodeType="tmRoot">
-          <p:childTnLst>
-            <p:seq concurrent="1" nextAc="seek">
-              <p:cTn id="2" dur="indefinite" nodeType="mainSeq">
-                <p:childTnLst>
-                  <p:par>
-                    <p:cTn id="3" fill="hold">
-                      <p:stCondLst>
-                        <p:cond delay="indefinite"/>
-                      </p:stCondLst>
-                      <p:childTnLst>
-                        <p:par>
-                          <p:cTn id="4" fill="hold">
-                            <p:stCondLst>
-                              <p:cond delay="0"/>
-                            </p:stCondLst>
-                            <p:childTnLst>
-                              <p:par>
-                                <p:cTn id="5" presetID="1" presetClass="entr" presetSubtype="0" fill="hold" nodeType="clickEffect">
-                                  <p:stCondLst>
-                                    <p:cond delay="0"/>
-                                  </p:stCondLst>
-                                  <p:childTnLst>
-                                    <p:set>
-                                      <p:cBhvr>
-                                        <p:cTn id="6" dur="1" fill="hold">
-                                          <p:stCondLst>
-                                            <p:cond delay="0"/>
-                                          </p:stCondLst>
-                                        </p:cTn>
-                                        <p:tgtEl>
-                                          <p:spTgt spid="3">
-                                            <p:txEl>
-                                              <p:pRg st="1" end="1"/>
-                                            </p:txEl>
-                                          </p:spTgt>
-                                        </p:tgtEl>
-                                        <p:attrNameLst>
-                                          <p:attrName>style.visibility</p:attrName>
-                                        </p:attrNameLst>
-                                      </p:cBhvr>
-                                      <p:to>
-                                        <p:strVal val="visible"/>
-                                      </p:to>
-                                    </p:set>
-                                  </p:childTnLst>
-                                </p:cTn>
-                              </p:par>
-                            </p:childTnLst>
-                          </p:cTn>
-                        </p:par>
-                      </p:childTnLst>
-                    </p:cTn>
-                  </p:par>
-                  <p:par>
-                    <p:cTn id="7" fill="hold">
-                      <p:stCondLst>
-                        <p:cond delay="indefinite"/>
-                      </p:stCondLst>
-                      <p:childTnLst>
-                        <p:par>
-                          <p:cTn id="8" fill="hold">
-                            <p:stCondLst>
-                              <p:cond delay="0"/>
-                            </p:stCondLst>
-                            <p:childTnLst>
-                              <p:par>
-                                <p:cTn id="9" presetID="1" presetClass="entr" presetSubtype="0" fill="hold" nodeType="clickEffect">
-                                  <p:stCondLst>
-                                    <p:cond delay="0"/>
-                                  </p:stCondLst>
-                                  <p:childTnLst>
-                                    <p:set>
-                                      <p:cBhvr>
-                                        <p:cTn id="10" dur="1" fill="hold">
-                                          <p:stCondLst>
-                                            <p:cond delay="0"/>
-                                          </p:stCondLst>
-                                        </p:cTn>
-                                        <p:tgtEl>
-                                          <p:spTgt spid="3">
-                                            <p:txEl>
-                                              <p:pRg st="2" end="2"/>
-                                            </p:txEl>
-                                          </p:spTgt>
-                                        </p:tgtEl>
-                                        <p:attrNameLst>
-                                          <p:attrName>style.visibility</p:attrName>
-                                        </p:attrNameLst>
-                                      </p:cBhvr>
-                                      <p:to>
-                                        <p:strVal val="visible"/>
-                                      </p:to>
-                                    </p:set>
-                                  </p:childTnLst>
-                                </p:cTn>
-                              </p:par>
-                            </p:childTnLst>
-                          </p:cTn>
-                        </p:par>
-                      </p:childTnLst>
-                    </p:cTn>
-                  </p:par>
-                  <p:par>
-                    <p:cTn id="11" fill="hold">
-                      <p:stCondLst>
-                        <p:cond delay="indefinite"/>
-                      </p:stCondLst>
-                      <p:childTnLst>
-                        <p:par>
-                          <p:cTn id="12" fill="hold">
-                            <p:stCondLst>
-                              <p:cond delay="0"/>
-                            </p:stCondLst>
-                            <p:childTnLst>
-                              <p:par>
-                                <p:cTn id="13" presetID="1" presetClass="entr" presetSubtype="0" fill="hold" nodeType="clickEffect">
-                                  <p:stCondLst>
-                                    <p:cond delay="0"/>
-                                  </p:stCondLst>
-                                  <p:childTnLst>
-                                    <p:set>
-                                      <p:cBhvr>
-                                        <p:cTn id="14" dur="1" fill="hold">
-                                          <p:stCondLst>
-                                            <p:cond delay="0"/>
-                                          </p:stCondLst>
-                                        </p:cTn>
-                                        <p:tgtEl>
-                                          <p:spTgt spid="3">
-                                            <p:txEl>
-                                              <p:pRg st="3" end="3"/>
-                                            </p:txEl>
-                                          </p:spTgt>
-                                        </p:tgtEl>
-                                        <p:attrNameLst>
-                                          <p:attrName>style.visibility</p:attrName>
-                                        </p:attrNameLst>
-                                      </p:cBhvr>
-                                      <p:to>
-                                        <p:strVal val="visible"/>
-                                      </p:to>
-                                    </p:set>
-                                  </p:childTnLst>
-                                </p:cTn>
-                              </p:par>
-                            </p:childTnLst>
-                          </p:cTn>
-                        </p:par>
-                      </p:childTnLst>
-                    </p:cTn>
-                  </p:par>
-                  <p:par>
-                    <p:cTn id="15" fill="hold">
-                      <p:stCondLst>
-                        <p:cond delay="indefinite"/>
-                      </p:stCondLst>
-                      <p:childTnLst>
-                        <p:par>
-                          <p:cTn id="16" fill="hold">
-                            <p:stCondLst>
-                              <p:cond delay="0"/>
-                            </p:stCondLst>
-                            <p:childTnLst>
-                              <p:par>
-                                <p:cTn id="17" presetID="1" presetClass="entr" presetSubtype="0" fill="hold" nodeType="clickEffect">
-                                  <p:stCondLst>
-                                    <p:cond delay="0"/>
-                                  </p:stCondLst>
-                                  <p:childTnLst>
-                                    <p:set>
-                                      <p:cBhvr>
-                                        <p:cTn id="18" dur="1" fill="hold">
-                                          <p:stCondLst>
-                                            <p:cond delay="0"/>
-                                          </p:stCondLst>
-                                        </p:cTn>
-                                        <p:tgtEl>
-                                          <p:spTgt spid="3">
-                                            <p:txEl>
-                                              <p:pRg st="4" end="4"/>
-                                            </p:txEl>
-                                          </p:spTgt>
-                                        </p:tgtEl>
-                                        <p:attrNameLst>
-                                          <p:attrName>style.visibility</p:attrName>
-                                        </p:attrNameLst>
-                                      </p:cBhvr>
-                                      <p:to>
-                                        <p:strVal val="visible"/>
-                                      </p:to>
-                                    </p:set>
-                                  </p:childTnLst>
-                                </p:cTn>
-                              </p:par>
-                            </p:childTnLst>
-                          </p:cTn>
-                        </p:par>
-                      </p:childTnLst>
-                    </p:cTn>
-                  </p:par>
-                  <p:par>
-                    <p:cTn id="19" fill="hold">
-                      <p:stCondLst>
-                        <p:cond delay="indefinite"/>
-                      </p:stCondLst>
-                      <p:childTnLst>
-                        <p:par>
-                          <p:cTn id="20" fill="hold">
-                            <p:stCondLst>
-                              <p:cond delay="0"/>
-                            </p:stCondLst>
-                            <p:childTnLst>
-                              <p:par>
-                                <p:cTn id="21" presetID="1" presetClass="entr" presetSubtype="0" fill="hold" nodeType="clickEffect">
-                                  <p:stCondLst>
-                                    <p:cond delay="0"/>
-                                  </p:stCondLst>
-                                  <p:childTnLst>
-                                    <p:set>
-                                      <p:cBhvr>
-                                        <p:cTn id="22" dur="1" fill="hold">
-                                          <p:stCondLst>
-                                            <p:cond delay="0"/>
-                                          </p:stCondLst>
-                                        </p:cTn>
-                                        <p:tgtEl>
-                                          <p:spTgt spid="3">
-                                            <p:txEl>
-                                              <p:pRg st="5" end="5"/>
-                                            </p:txEl>
-                                          </p:spTgt>
-                                        </p:tgtEl>
-                                        <p:attrNameLst>
-                                          <p:attrName>style.visibility</p:attrName>
-                                        </p:attrNameLst>
-                                      </p:cBhvr>
-                                      <p:to>
-                                        <p:strVal val="visible"/>
-                                      </p:to>
-                                    </p:set>
-                                  </p:childTnLst>
-                                </p:cTn>
-                              </p:par>
-                            </p:childTnLst>
-                          </p:cTn>
-                        </p:par>
-                      </p:childTnLst>
-                    </p:cTn>
-                  </p:par>
-                  <p:par>
-                    <p:cTn id="23" fill="hold">
-                      <p:stCondLst>
-                        <p:cond delay="indefinite"/>
-                      </p:stCondLst>
-                      <p:childTnLst>
-                        <p:par>
-                          <p:cTn id="24" fill="hold">
-                            <p:stCondLst>
-                              <p:cond delay="0"/>
-                            </p:stCondLst>
-                            <p:childTnLst>
-                              <p:par>
-                                <p:cTn id="25" presetID="1" presetClass="entr" presetSubtype="0" fill="hold" nodeType="clickEffect">
-                                  <p:stCondLst>
-                                    <p:cond delay="0"/>
-                                  </p:stCondLst>
-                                  <p:childTnLst>
-                                    <p:set>
-                                      <p:cBhvr>
-                                        <p:cTn id="26" dur="1" fill="hold">
-                                          <p:stCondLst>
-                                            <p:cond delay="0"/>
-                                          </p:stCondLst>
-                                        </p:cTn>
-                                        <p:tgtEl>
-                                          <p:spTgt spid="3">
-                                            <p:txEl>
-                                              <p:pRg st="6" end="6"/>
-                                            </p:txEl>
-                                          </p:spTgt>
-                                        </p:tgtEl>
-                                        <p:attrNameLst>
-                                          <p:attrName>style.visibility</p:attrName>
-                                        </p:attrNameLst>
-                                      </p:cBhvr>
-                                      <p:to>
-                                        <p:strVal val="visible"/>
-                                      </p:to>
-                                    </p:set>
-                                  </p:childTnLst>
-                                </p:cTn>
-                              </p:par>
-                            </p:childTnLst>
-                          </p:cTn>
-                        </p:par>
-                      </p:childTnLst>
-                    </p:cTn>
-                  </p:par>
-                  <p:par>
-                    <p:cTn id="27" fill="hold">
-                      <p:stCondLst>
-                        <p:cond delay="indefinite"/>
-                      </p:stCondLst>
-                      <p:childTnLst>
-                        <p:par>
-                          <p:cTn id="28" fill="hold">
-                            <p:stCondLst>
-                              <p:cond delay="0"/>
-                            </p:stCondLst>
-                            <p:childTnLst>
-                              <p:par>
-                                <p:cTn id="29" presetID="1" presetClass="entr" presetSubtype="0" fill="hold" nodeType="clickEffect">
-                                  <p:stCondLst>
-                                    <p:cond delay="0"/>
-                                  </p:stCondLst>
-                                  <p:childTnLst>
-                                    <p:set>
-                                      <p:cBhvr>
-                                        <p:cTn id="30" dur="1" fill="hold">
-                                          <p:stCondLst>
-                                            <p:cond delay="0"/>
-                                          </p:stCondLst>
-                                        </p:cTn>
-                                        <p:tgtEl>
-                                          <p:spTgt spid="3">
-                                            <p:txEl>
-                                              <p:pRg st="7" end="7"/>
-                                            </p:txEl>
-                                          </p:spTgt>
-                                        </p:tgtEl>
-                                        <p:attrNameLst>
-                                          <p:attrName>style.visibility</p:attrName>
-                                        </p:attrNameLst>
-                                      </p:cBhvr>
-                                      <p:to>
-                                        <p:strVal val="visible"/>
-                                      </p:to>
-                                    </p:set>
-                                  </p:childTnLst>
-                                </p:cTn>
-                              </p:par>
-                            </p:childTnLst>
-                          </p:cTn>
-                        </p:par>
-                      </p:childTnLst>
-                    </p:cTn>
-                  </p:par>
-                  <p:par>
-                    <p:cTn id="31" fill="hold">
-                      <p:stCondLst>
-                        <p:cond delay="indefinite"/>
-                      </p:stCondLst>
-                      <p:childTnLst>
-                        <p:par>
-                          <p:cTn id="32" fill="hold">
-                            <p:stCondLst>
-                              <p:cond delay="0"/>
-                            </p:stCondLst>
-                            <p:childTnLst>
-                              <p:par>
-                                <p:cTn id="33" presetID="1" presetClass="entr" presetSubtype="0" fill="hold" nodeType="clickEffect">
-                                  <p:stCondLst>
-                                    <p:cond delay="0"/>
-                                  </p:stCondLst>
-                                  <p:childTnLst>
-                                    <p:set>
-                                      <p:cBhvr>
-                                        <p:cTn id="34" dur="1" fill="hold">
-                                          <p:stCondLst>
-                                            <p:cond delay="0"/>
-                                          </p:stCondLst>
-                                        </p:cTn>
-                                        <p:tgtEl>
-                                          <p:spTgt spid="3">
-                                            <p:txEl>
-                                              <p:pRg st="8" end="8"/>
-                                            </p:txEl>
-                                          </p:spTgt>
-                                        </p:tgtEl>
-                                        <p:attrNameLst>
-                                          <p:attrName>style.visibility</p:attrName>
-                                        </p:attrNameLst>
-                                      </p:cBhvr>
-                                      <p:to>
-                                        <p:strVal val="visible"/>
-                                      </p:to>
-                                    </p:set>
-                                  </p:childTnLst>
-                                </p:cTn>
-                              </p:par>
-                            </p:childTnLst>
-                          </p:cTn>
-                        </p:par>
-                      </p:childTnLst>
-                    </p:cTn>
-                  </p:par>
-                  <p:par>
-                    <p:cTn id="35" fill="hold">
-                      <p:stCondLst>
-                        <p:cond delay="indefinite"/>
-                      </p:stCondLst>
-                      <p:childTnLst>
-                        <p:par>
-                          <p:cTn id="36" fill="hold">
-                            <p:stCondLst>
-                              <p:cond delay="0"/>
-                            </p:stCondLst>
-                            <p:childTnLst>
-                              <p:par>
-                                <p:cTn id="37" presetID="1" presetClass="entr" presetSubtype="0" fill="hold" nodeType="clickEffect">
-                                  <p:stCondLst>
-                                    <p:cond delay="0"/>
-                                  </p:stCondLst>
-                                  <p:childTnLst>
-                                    <p:set>
-                                      <p:cBhvr>
-                                        <p:cTn id="38" dur="1" fill="hold">
-                                          <p:stCondLst>
-                                            <p:cond delay="0"/>
-                                          </p:stCondLst>
-                                        </p:cTn>
-                                        <p:tgtEl>
-                                          <p:spTgt spid="3">
-                                            <p:txEl>
-                                              <p:pRg st="0" end="0"/>
-                                            </p:txEl>
-                                          </p:spTgt>
-                                        </p:tgtEl>
-                                        <p:attrNameLst>
-                                          <p:attrName>style.visibility</p:attrName>
-                                        </p:attrNameLst>
-                                      </p:cBhvr>
-                                      <p:to>
-                                        <p:strVal val="visible"/>
-                                      </p:to>
-                                    </p:set>
-                                  </p:childTnLst>
-                                </p:cTn>
-                              </p:par>
-                            </p:childTnLst>
-                          </p:cTn>
-                        </p:par>
-                      </p:childTnLst>
-                    </p:cTn>
-                  </p:par>
-                </p:childTnLst>
-              </p:cTn>
-              <p:prevCondLst>
-                <p:cond evt="onPrev" delay="0">
-                  <p:tgtEl>
-                    <p:sldTgt/>
-                  </p:tgtEl>
-                </p:cond>
-              </p:prevCondLst>
-              <p:nextCondLst>
-                <p:cond evt="onNext" delay="0">
-                  <p:tgtEl>
-                    <p:sldTgt/>
-                  </p:tgtEl>
-                </p:cond>
-              </p:nextCondLst>
-            </p:seq>
-          </p:childTnLst>
-        </p:cTn>
-      </p:par>
-    </p:tnLst>
-  </p:timing>
-</p:sld>
-</file>
-
-<file path=ppt/slides/slide20.xml><?xml version="1.0" encoding="utf-8"?>
+<file path=ppt/slides/slide19.xml><?xml version="1.0" encoding="utf-8"?>
 <p:sld xmlns:a="http://schemas.openxmlformats.org/drawingml/2006/main" xmlns:r="http://schemas.openxmlformats.org/officeDocument/2006/relationships" xmlns:p="http://schemas.openxmlformats.org/presentationml/2006/main">
   <p:cSld>
     <p:spTree>
@@ -19988,6 +18037,572 @@
                                   </p:childTnLst>
                                 </p:cTn>
                               </p:par>
+                              <p:par>
+                                <p:cTn id="19" presetID="1" presetClass="entr" presetSubtype="0" fill="hold" nodeType="withEffect">
+                                  <p:stCondLst>
+                                    <p:cond delay="0"/>
+                                  </p:stCondLst>
+                                  <p:childTnLst>
+                                    <p:set>
+                                      <p:cBhvr>
+                                        <p:cTn id="20" dur="1" fill="hold">
+                                          <p:stCondLst>
+                                            <p:cond delay="0"/>
+                                          </p:stCondLst>
+                                        </p:cTn>
+                                        <p:tgtEl>
+                                          <p:spTgt spid="3">
+                                            <p:txEl>
+                                              <p:pRg st="4" end="4"/>
+                                            </p:txEl>
+                                          </p:spTgt>
+                                        </p:tgtEl>
+                                        <p:attrNameLst>
+                                          <p:attrName>style.visibility</p:attrName>
+                                        </p:attrNameLst>
+                                      </p:cBhvr>
+                                      <p:to>
+                                        <p:strVal val="visible"/>
+                                      </p:to>
+                                    </p:set>
+                                  </p:childTnLst>
+                                </p:cTn>
+                              </p:par>
+                            </p:childTnLst>
+                          </p:cTn>
+                        </p:par>
+                      </p:childTnLst>
+                    </p:cTn>
+                  </p:par>
+                  <p:par>
+                    <p:cTn id="21" fill="hold">
+                      <p:stCondLst>
+                        <p:cond delay="indefinite"/>
+                      </p:stCondLst>
+                      <p:childTnLst>
+                        <p:par>
+                          <p:cTn id="22" fill="hold">
+                            <p:stCondLst>
+                              <p:cond delay="0"/>
+                            </p:stCondLst>
+                            <p:childTnLst>
+                              <p:par>
+                                <p:cTn id="23" presetID="1" presetClass="entr" presetSubtype="0" fill="hold" nodeType="clickEffect">
+                                  <p:stCondLst>
+                                    <p:cond delay="0"/>
+                                  </p:stCondLst>
+                                  <p:childTnLst>
+                                    <p:set>
+                                      <p:cBhvr>
+                                        <p:cTn id="24" dur="1" fill="hold">
+                                          <p:stCondLst>
+                                            <p:cond delay="0"/>
+                                          </p:stCondLst>
+                                        </p:cTn>
+                                        <p:tgtEl>
+                                          <p:spTgt spid="3">
+                                            <p:txEl>
+                                              <p:pRg st="5" end="5"/>
+                                            </p:txEl>
+                                          </p:spTgt>
+                                        </p:tgtEl>
+                                        <p:attrNameLst>
+                                          <p:attrName>style.visibility</p:attrName>
+                                        </p:attrNameLst>
+                                      </p:cBhvr>
+                                      <p:to>
+                                        <p:strVal val="visible"/>
+                                      </p:to>
+                                    </p:set>
+                                  </p:childTnLst>
+                                </p:cTn>
+                              </p:par>
+                              <p:par>
+                                <p:cTn id="25" presetID="1" presetClass="entr" presetSubtype="0" fill="hold" nodeType="withEffect">
+                                  <p:stCondLst>
+                                    <p:cond delay="0"/>
+                                  </p:stCondLst>
+                                  <p:childTnLst>
+                                    <p:set>
+                                      <p:cBhvr>
+                                        <p:cTn id="26" dur="1" fill="hold">
+                                          <p:stCondLst>
+                                            <p:cond delay="0"/>
+                                          </p:stCondLst>
+                                        </p:cTn>
+                                        <p:tgtEl>
+                                          <p:spTgt spid="3">
+                                            <p:txEl>
+                                              <p:pRg st="6" end="6"/>
+                                            </p:txEl>
+                                          </p:spTgt>
+                                        </p:tgtEl>
+                                        <p:attrNameLst>
+                                          <p:attrName>style.visibility</p:attrName>
+                                        </p:attrNameLst>
+                                      </p:cBhvr>
+                                      <p:to>
+                                        <p:strVal val="visible"/>
+                                      </p:to>
+                                    </p:set>
+                                  </p:childTnLst>
+                                </p:cTn>
+                              </p:par>
+                              <p:par>
+                                <p:cTn id="27" presetID="1" presetClass="entr" presetSubtype="0" fill="hold" nodeType="withEffect">
+                                  <p:stCondLst>
+                                    <p:cond delay="0"/>
+                                  </p:stCondLst>
+                                  <p:childTnLst>
+                                    <p:set>
+                                      <p:cBhvr>
+                                        <p:cTn id="28" dur="1" fill="hold">
+                                          <p:stCondLst>
+                                            <p:cond delay="0"/>
+                                          </p:stCondLst>
+                                        </p:cTn>
+                                        <p:tgtEl>
+                                          <p:spTgt spid="3">
+                                            <p:txEl>
+                                              <p:pRg st="7" end="7"/>
+                                            </p:txEl>
+                                          </p:spTgt>
+                                        </p:tgtEl>
+                                        <p:attrNameLst>
+                                          <p:attrName>style.visibility</p:attrName>
+                                        </p:attrNameLst>
+                                      </p:cBhvr>
+                                      <p:to>
+                                        <p:strVal val="visible"/>
+                                      </p:to>
+                                    </p:set>
+                                  </p:childTnLst>
+                                </p:cTn>
+                              </p:par>
+                              <p:par>
+                                <p:cTn id="29" presetID="1" presetClass="entr" presetSubtype="0" fill="hold" nodeType="withEffect">
+                                  <p:stCondLst>
+                                    <p:cond delay="0"/>
+                                  </p:stCondLst>
+                                  <p:childTnLst>
+                                    <p:set>
+                                      <p:cBhvr>
+                                        <p:cTn id="30" dur="1" fill="hold">
+                                          <p:stCondLst>
+                                            <p:cond delay="0"/>
+                                          </p:stCondLst>
+                                        </p:cTn>
+                                        <p:tgtEl>
+                                          <p:spTgt spid="3">
+                                            <p:txEl>
+                                              <p:pRg st="8" end="8"/>
+                                            </p:txEl>
+                                          </p:spTgt>
+                                        </p:tgtEl>
+                                        <p:attrNameLst>
+                                          <p:attrName>style.visibility</p:attrName>
+                                        </p:attrNameLst>
+                                      </p:cBhvr>
+                                      <p:to>
+                                        <p:strVal val="visible"/>
+                                      </p:to>
+                                    </p:set>
+                                  </p:childTnLst>
+                                </p:cTn>
+                              </p:par>
+                            </p:childTnLst>
+                          </p:cTn>
+                        </p:par>
+                      </p:childTnLst>
+                    </p:cTn>
+                  </p:par>
+                </p:childTnLst>
+              </p:cTn>
+              <p:prevCondLst>
+                <p:cond evt="onPrev" delay="0">
+                  <p:tgtEl>
+                    <p:sldTgt/>
+                  </p:tgtEl>
+                </p:cond>
+              </p:prevCondLst>
+              <p:nextCondLst>
+                <p:cond evt="onNext" delay="0">
+                  <p:tgtEl>
+                    <p:sldTgt/>
+                  </p:tgtEl>
+                </p:cond>
+              </p:nextCondLst>
+            </p:seq>
+          </p:childTnLst>
+        </p:cTn>
+      </p:par>
+    </p:tnLst>
+  </p:timing>
+</p:sld>
+</file>
+
+<file path=ppt/slides/slide2.xml><?xml version="1.0" encoding="utf-8"?>
+<p:sld xmlns:a="http://schemas.openxmlformats.org/drawingml/2006/main" xmlns:r="http://schemas.openxmlformats.org/officeDocument/2006/relationships" xmlns:p="http://schemas.openxmlformats.org/presentationml/2006/main">
+  <p:cSld>
+    <p:spTree>
+      <p:nvGrpSpPr>
+        <p:cNvPr id="1" name=""/>
+        <p:cNvGrpSpPr/>
+        <p:nvPr/>
+      </p:nvGrpSpPr>
+      <p:grpSpPr>
+        <a:xfrm>
+          <a:off x="0" y="0"/>
+          <a:ext cx="0" cy="0"/>
+          <a:chOff x="0" y="0"/>
+          <a:chExt cx="0" cy="0"/>
+        </a:xfrm>
+      </p:grpSpPr>
+      <p:sp>
+        <p:nvSpPr>
+          <p:cNvPr id="2" name="Title 1"/>
+          <p:cNvSpPr>
+            <a:spLocks noGrp="1"/>
+          </p:cNvSpPr>
+          <p:nvPr>
+            <p:ph type="title"/>
+          </p:nvPr>
+        </p:nvSpPr>
+        <p:spPr>
+          <a:xfrm>
+            <a:off x="584200" y="221992"/>
+            <a:ext cx="10515600" cy="530954"/>
+          </a:xfrm>
+        </p:spPr>
+        <p:txBody>
+          <a:bodyPr>
+            <a:normAutofit fontScale="90000"/>
+          </a:bodyPr>
+          <a:lstStyle/>
+          <a:p>
+            <a:r>
+              <a:rPr lang="en-US" dirty="0"/>
+              <a:t>Introduction to Dimensionality Reduction</a:t>
+            </a:r>
+          </a:p>
+        </p:txBody>
+      </p:sp>
+      <p:sp>
+        <p:nvSpPr>
+          <p:cNvPr id="3" name="Content Placeholder 2"/>
+          <p:cNvSpPr>
+            <a:spLocks noGrp="1"/>
+          </p:cNvSpPr>
+          <p:nvPr>
+            <p:ph sz="quarter" idx="10"/>
+          </p:nvPr>
+        </p:nvSpPr>
+        <p:spPr>
+          <a:xfrm>
+            <a:off x="333375" y="1031357"/>
+            <a:ext cx="11525250" cy="5155109"/>
+          </a:xfrm>
+        </p:spPr>
+        <p:txBody>
+          <a:bodyPr>
+            <a:normAutofit/>
+          </a:bodyPr>
+          <a:lstStyle/>
+          <a:p>
+            <a:pPr marL="0" indent="0">
+              <a:buNone/>
+            </a:pPr>
+            <a:r>
+              <a:rPr lang="en-US" dirty="0">
+                <a:latin typeface="+mn-lt"/>
+              </a:rPr>
+              <a:t>Dimensionality reduction is widely used in data mining</a:t>
+            </a:r>
+          </a:p>
+          <a:p>
+            <a:r>
+              <a:rPr lang="en-US" dirty="0">
+                <a:latin typeface="+mn-lt"/>
+              </a:rPr>
+              <a:t>Human understanding of high dimensional spaces is difficult at best  </a:t>
+            </a:r>
+          </a:p>
+          <a:p>
+            <a:pPr lvl="1"/>
+            <a:r>
+              <a:rPr lang="en-US" dirty="0">
+                <a:latin typeface="+mn-lt"/>
+              </a:rPr>
+              <a:t>For most people, perception of data relationships starts to dimension beyond 4 or  dimensions  </a:t>
+            </a:r>
+          </a:p>
+          <a:p>
+            <a:pPr lvl="1"/>
+            <a:r>
+              <a:rPr lang="en-US" dirty="0">
+                <a:latin typeface="+mn-lt"/>
+              </a:rPr>
+              <a:t>Exploration of complex spaces can be aided by projection into lower dimensional space  </a:t>
+            </a:r>
+          </a:p>
+          <a:p>
+            <a:r>
+              <a:rPr lang="en-US" sz="2800" dirty="0">
+                <a:latin typeface="+mn-lt"/>
+              </a:rPr>
+              <a:t>Most algorithms converge better in lower dimensional spaces </a:t>
+            </a:r>
+          </a:p>
+          <a:p>
+            <a:pPr lvl="1"/>
+            <a:r>
+              <a:rPr lang="en-US" dirty="0">
+                <a:latin typeface="+mn-lt"/>
+              </a:rPr>
+              <a:t>High dimensional spaces can leave to over-fitting of data mining algorithms </a:t>
+            </a:r>
+          </a:p>
+          <a:p>
+            <a:pPr lvl="1"/>
+            <a:r>
+              <a:rPr lang="en-US" dirty="0">
+                <a:latin typeface="+mn-lt"/>
+              </a:rPr>
+              <a:t>For example, clustering in high dimensional spaces can lead fragmentation of the data</a:t>
+            </a:r>
+          </a:p>
+          <a:p>
+            <a:pPr lvl="1"/>
+            <a:r>
+              <a:rPr lang="en-US" dirty="0">
+                <a:latin typeface="+mn-lt"/>
+              </a:rPr>
+              <a:t>Dimensionality reduction can improve results   </a:t>
+            </a:r>
+          </a:p>
+          <a:p>
+            <a:pPr lvl="1"/>
+            <a:r>
+              <a:rPr lang="en-US" dirty="0">
+                <a:latin typeface="+mn-lt"/>
+              </a:rPr>
+              <a:t>Example; spectral clustering uses projection to lower dimensional space  </a:t>
+            </a:r>
+          </a:p>
+          <a:p>
+            <a:pPr lvl="1"/>
+            <a:endParaRPr lang="en-US" dirty="0"/>
+          </a:p>
+        </p:txBody>
+      </p:sp>
+    </p:spTree>
+    <p:extLst>
+      <p:ext uri="{BB962C8B-B14F-4D97-AF65-F5344CB8AC3E}">
+        <p14:creationId xmlns:p14="http://schemas.microsoft.com/office/powerpoint/2010/main" val="760930776"/>
+      </p:ext>
+    </p:extLst>
+  </p:cSld>
+  <p:clrMapOvr>
+    <a:masterClrMapping/>
+  </p:clrMapOvr>
+  <p:timing>
+    <p:tnLst>
+      <p:par>
+        <p:cTn id="1" dur="indefinite" restart="never" nodeType="tmRoot">
+          <p:childTnLst>
+            <p:seq concurrent="1" nextAc="seek">
+              <p:cTn id="2" dur="indefinite" nodeType="mainSeq">
+                <p:childTnLst>
+                  <p:par>
+                    <p:cTn id="3" fill="hold">
+                      <p:stCondLst>
+                        <p:cond delay="indefinite"/>
+                      </p:stCondLst>
+                      <p:childTnLst>
+                        <p:par>
+                          <p:cTn id="4" fill="hold">
+                            <p:stCondLst>
+                              <p:cond delay="0"/>
+                            </p:stCondLst>
+                            <p:childTnLst>
+                              <p:par>
+                                <p:cTn id="5" presetID="1" presetClass="entr" presetSubtype="0" fill="hold" nodeType="clickEffect">
+                                  <p:stCondLst>
+                                    <p:cond delay="0"/>
+                                  </p:stCondLst>
+                                  <p:childTnLst>
+                                    <p:set>
+                                      <p:cBhvr>
+                                        <p:cTn id="6" dur="1" fill="hold">
+                                          <p:stCondLst>
+                                            <p:cond delay="0"/>
+                                          </p:stCondLst>
+                                        </p:cTn>
+                                        <p:tgtEl>
+                                          <p:spTgt spid="3">
+                                            <p:txEl>
+                                              <p:pRg st="0" end="0"/>
+                                            </p:txEl>
+                                          </p:spTgt>
+                                        </p:tgtEl>
+                                        <p:attrNameLst>
+                                          <p:attrName>style.visibility</p:attrName>
+                                        </p:attrNameLst>
+                                      </p:cBhvr>
+                                      <p:to>
+                                        <p:strVal val="visible"/>
+                                      </p:to>
+                                    </p:set>
+                                  </p:childTnLst>
+                                </p:cTn>
+                              </p:par>
+                            </p:childTnLst>
+                          </p:cTn>
+                        </p:par>
+                      </p:childTnLst>
+                    </p:cTn>
+                  </p:par>
+                  <p:par>
+                    <p:cTn id="7" fill="hold">
+                      <p:stCondLst>
+                        <p:cond delay="indefinite"/>
+                      </p:stCondLst>
+                      <p:childTnLst>
+                        <p:par>
+                          <p:cTn id="8" fill="hold">
+                            <p:stCondLst>
+                              <p:cond delay="0"/>
+                            </p:stCondLst>
+                            <p:childTnLst>
+                              <p:par>
+                                <p:cTn id="9" presetID="1" presetClass="entr" presetSubtype="0" fill="hold" nodeType="clickEffect">
+                                  <p:stCondLst>
+                                    <p:cond delay="0"/>
+                                  </p:stCondLst>
+                                  <p:childTnLst>
+                                    <p:set>
+                                      <p:cBhvr>
+                                        <p:cTn id="10" dur="1" fill="hold">
+                                          <p:stCondLst>
+                                            <p:cond delay="0"/>
+                                          </p:stCondLst>
+                                        </p:cTn>
+                                        <p:tgtEl>
+                                          <p:spTgt spid="3">
+                                            <p:txEl>
+                                              <p:pRg st="1" end="1"/>
+                                            </p:txEl>
+                                          </p:spTgt>
+                                        </p:tgtEl>
+                                        <p:attrNameLst>
+                                          <p:attrName>style.visibility</p:attrName>
+                                        </p:attrNameLst>
+                                      </p:cBhvr>
+                                      <p:to>
+                                        <p:strVal val="visible"/>
+                                      </p:to>
+                                    </p:set>
+                                  </p:childTnLst>
+                                </p:cTn>
+                              </p:par>
+                            </p:childTnLst>
+                          </p:cTn>
+                        </p:par>
+                      </p:childTnLst>
+                    </p:cTn>
+                  </p:par>
+                  <p:par>
+                    <p:cTn id="11" fill="hold">
+                      <p:stCondLst>
+                        <p:cond delay="indefinite"/>
+                      </p:stCondLst>
+                      <p:childTnLst>
+                        <p:par>
+                          <p:cTn id="12" fill="hold">
+                            <p:stCondLst>
+                              <p:cond delay="0"/>
+                            </p:stCondLst>
+                            <p:childTnLst>
+                              <p:par>
+                                <p:cTn id="13" presetID="1" presetClass="entr" presetSubtype="0" fill="hold" nodeType="clickEffect">
+                                  <p:stCondLst>
+                                    <p:cond delay="0"/>
+                                  </p:stCondLst>
+                                  <p:childTnLst>
+                                    <p:set>
+                                      <p:cBhvr>
+                                        <p:cTn id="14" dur="1" fill="hold">
+                                          <p:stCondLst>
+                                            <p:cond delay="0"/>
+                                          </p:stCondLst>
+                                        </p:cTn>
+                                        <p:tgtEl>
+                                          <p:spTgt spid="3">
+                                            <p:txEl>
+                                              <p:pRg st="2" end="2"/>
+                                            </p:txEl>
+                                          </p:spTgt>
+                                        </p:tgtEl>
+                                        <p:attrNameLst>
+                                          <p:attrName>style.visibility</p:attrName>
+                                        </p:attrNameLst>
+                                      </p:cBhvr>
+                                      <p:to>
+                                        <p:strVal val="visible"/>
+                                      </p:to>
+                                    </p:set>
+                                  </p:childTnLst>
+                                </p:cTn>
+                              </p:par>
+                            </p:childTnLst>
+                          </p:cTn>
+                        </p:par>
+                      </p:childTnLst>
+                    </p:cTn>
+                  </p:par>
+                  <p:par>
+                    <p:cTn id="15" fill="hold">
+                      <p:stCondLst>
+                        <p:cond delay="indefinite"/>
+                      </p:stCondLst>
+                      <p:childTnLst>
+                        <p:par>
+                          <p:cTn id="16" fill="hold">
+                            <p:stCondLst>
+                              <p:cond delay="0"/>
+                            </p:stCondLst>
+                            <p:childTnLst>
+                              <p:par>
+                                <p:cTn id="17" presetID="1" presetClass="entr" presetSubtype="0" fill="hold" nodeType="clickEffect">
+                                  <p:stCondLst>
+                                    <p:cond delay="0"/>
+                                  </p:stCondLst>
+                                  <p:childTnLst>
+                                    <p:set>
+                                      <p:cBhvr>
+                                        <p:cTn id="18" dur="1" fill="hold">
+                                          <p:stCondLst>
+                                            <p:cond delay="0"/>
+                                          </p:stCondLst>
+                                        </p:cTn>
+                                        <p:tgtEl>
+                                          <p:spTgt spid="3">
+                                            <p:txEl>
+                                              <p:pRg st="3" end="3"/>
+                                            </p:txEl>
+                                          </p:spTgt>
+                                        </p:tgtEl>
+                                        <p:attrNameLst>
+                                          <p:attrName>style.visibility</p:attrName>
+                                        </p:attrNameLst>
+                                      </p:cBhvr>
+                                      <p:to>
+                                        <p:strVal val="visible"/>
+                                      </p:to>
+                                    </p:set>
+                                  </p:childTnLst>
+                                </p:cTn>
+                              </p:par>
                             </p:childTnLst>
                           </p:cTn>
                         </p:par>
@@ -20264,7 +18879,7 @@
 </p:sld>
 </file>
 
-<file path=ppt/slides/slide21.xml><?xml version="1.0" encoding="utf-8"?>
+<file path=ppt/slides/slide20.xml><?xml version="1.0" encoding="utf-8"?>
 <p:sld xmlns:a="http://schemas.openxmlformats.org/drawingml/2006/main" xmlns:r="http://schemas.openxmlformats.org/officeDocument/2006/relationships" xmlns:p="http://schemas.openxmlformats.org/presentationml/2006/main">
   <p:cSld>
     <p:spTree>
@@ -20882,11 +19497,14 @@
                 <a14:m>
                   <m:oMath xmlns:m="http://schemas.openxmlformats.org/officeDocument/2006/math">
                     <m:r>
-                      <a:rPr lang="en-US" sz="2800" b="0" i="1" smtClean="0">
+                      <m:rPr>
+                        <m:sty m:val="p"/>
+                      </m:rPr>
+                      <a:rPr lang="en-US" sz="2800" b="0" i="0" smtClean="0">
                         <a:latin typeface="Cambria Math" panose="02040503050406030204" pitchFamily="18" charset="0"/>
                         <a:cs typeface="Segoe UI" panose="020B0502040204020203" pitchFamily="34" charset="0"/>
                       </a:rPr>
-                      <m:t>4</m:t>
+                      <m:t>n</m:t>
                     </m:r>
                     <m:r>
                       <a:rPr lang="en-US" sz="2800" b="0" i="1" smtClean="0">
@@ -20894,7 +19512,23 @@
                         <a:ea typeface="Cambria Math" panose="02040503050406030204" pitchFamily="18" charset="0"/>
                         <a:cs typeface="Segoe UI" panose="020B0502040204020203" pitchFamily="34" charset="0"/>
                       </a:rPr>
-                      <m:t>×2</m:t>
+                      <m:t>×</m:t>
+                    </m:r>
+                    <m:r>
+                      <a:rPr lang="en-US" sz="2800" b="0" i="1" smtClean="0">
+                        <a:latin typeface="Cambria Math" panose="02040503050406030204" pitchFamily="18" charset="0"/>
+                        <a:ea typeface="Cambria Math" panose="02040503050406030204" pitchFamily="18" charset="0"/>
+                        <a:cs typeface="Segoe UI" panose="020B0502040204020203" pitchFamily="34" charset="0"/>
+                      </a:rPr>
+                      <m:t>𝑝</m:t>
+                    </m:r>
+                    <m:r>
+                      <a:rPr lang="en-US" sz="2800" b="0" i="1" smtClean="0">
+                        <a:latin typeface="Cambria Math" panose="02040503050406030204" pitchFamily="18" charset="0"/>
+                        <a:ea typeface="Cambria Math" panose="02040503050406030204" pitchFamily="18" charset="0"/>
+                        <a:cs typeface="Segoe UI" panose="020B0502040204020203" pitchFamily="34" charset="0"/>
+                      </a:rPr>
+                      <m:t>=4×2</m:t>
                     </m:r>
                   </m:oMath>
                 </a14:m>
@@ -21370,14 +20004,7 @@
                                       <a:latin typeface="Cambria Math" panose="02040503050406030204" pitchFamily="18" charset="0"/>
                                       <a:cs typeface="Segoe UI" panose="020B0502040204020203" pitchFamily="34" charset="0"/>
                                     </a:rPr>
-                                    <m:t>1,</m:t>
-                                  </m:r>
-                                  <m:r>
-                                    <a:rPr lang="en-US" i="1">
-                                      <a:latin typeface="Cambria Math" panose="02040503050406030204" pitchFamily="18" charset="0"/>
-                                      <a:cs typeface="Segoe UI" panose="020B0502040204020203" pitchFamily="34" charset="0"/>
-                                    </a:rPr>
-                                    <m:t>2</m:t>
+                                    <m:t>1,2</m:t>
                                   </m:r>
                                 </m:sub>
                               </m:sSub>
@@ -21409,14 +20036,7 @@
                                       <a:latin typeface="Cambria Math" panose="02040503050406030204" pitchFamily="18" charset="0"/>
                                       <a:cs typeface="Segoe UI" panose="020B0502040204020203" pitchFamily="34" charset="0"/>
                                     </a:rPr>
-                                    <m:t>2</m:t>
-                                  </m:r>
-                                  <m:r>
-                                    <a:rPr lang="en-US" i="1">
-                                      <a:latin typeface="Cambria Math" panose="02040503050406030204" pitchFamily="18" charset="0"/>
-                                      <a:cs typeface="Segoe UI" panose="020B0502040204020203" pitchFamily="34" charset="0"/>
-                                    </a:rPr>
-                                    <m:t>,1</m:t>
+                                    <m:t>2,1</m:t>
                                   </m:r>
                                 </m:sub>
                               </m:sSub>
@@ -21446,21 +20066,7 @@
                                       <a:latin typeface="Cambria Math" panose="02040503050406030204" pitchFamily="18" charset="0"/>
                                       <a:cs typeface="Segoe UI" panose="020B0502040204020203" pitchFamily="34" charset="0"/>
                                     </a:rPr>
-                                    <m:t>2</m:t>
-                                  </m:r>
-                                  <m:r>
-                                    <a:rPr lang="en-US" i="1">
-                                      <a:latin typeface="Cambria Math" panose="02040503050406030204" pitchFamily="18" charset="0"/>
-                                      <a:cs typeface="Segoe UI" panose="020B0502040204020203" pitchFamily="34" charset="0"/>
-                                    </a:rPr>
-                                    <m:t>,</m:t>
-                                  </m:r>
-                                  <m:r>
-                                    <a:rPr lang="en-US" i="1">
-                                      <a:latin typeface="Cambria Math" panose="02040503050406030204" pitchFamily="18" charset="0"/>
-                                      <a:cs typeface="Segoe UI" panose="020B0502040204020203" pitchFamily="34" charset="0"/>
-                                    </a:rPr>
-                                    <m:t>2</m:t>
+                                    <m:t>2,2</m:t>
                                   </m:r>
                                 </m:sub>
                               </m:sSub>
@@ -21492,14 +20098,7 @@
                                       <a:latin typeface="Cambria Math" panose="02040503050406030204" pitchFamily="18" charset="0"/>
                                       <a:cs typeface="Segoe UI" panose="020B0502040204020203" pitchFamily="34" charset="0"/>
                                     </a:rPr>
-                                    <m:t>3</m:t>
-                                  </m:r>
-                                  <m:r>
-                                    <a:rPr lang="en-US" i="1">
-                                      <a:latin typeface="Cambria Math" panose="02040503050406030204" pitchFamily="18" charset="0"/>
-                                      <a:cs typeface="Segoe UI" panose="020B0502040204020203" pitchFamily="34" charset="0"/>
-                                    </a:rPr>
-                                    <m:t>,1</m:t>
+                                    <m:t>3,1</m:t>
                                   </m:r>
                                 </m:sub>
                               </m:sSub>
@@ -21529,21 +20128,7 @@
                                       <a:latin typeface="Cambria Math" panose="02040503050406030204" pitchFamily="18" charset="0"/>
                                       <a:cs typeface="Segoe UI" panose="020B0502040204020203" pitchFamily="34" charset="0"/>
                                     </a:rPr>
-                                    <m:t>3</m:t>
-                                  </m:r>
-                                  <m:r>
-                                    <a:rPr lang="en-US" i="1">
-                                      <a:latin typeface="Cambria Math" panose="02040503050406030204" pitchFamily="18" charset="0"/>
-                                      <a:cs typeface="Segoe UI" panose="020B0502040204020203" pitchFamily="34" charset="0"/>
-                                    </a:rPr>
-                                    <m:t>,</m:t>
-                                  </m:r>
-                                  <m:r>
-                                    <a:rPr lang="en-US" i="1">
-                                      <a:latin typeface="Cambria Math" panose="02040503050406030204" pitchFamily="18" charset="0"/>
-                                      <a:cs typeface="Segoe UI" panose="020B0502040204020203" pitchFamily="34" charset="0"/>
-                                    </a:rPr>
-                                    <m:t>2</m:t>
+                                    <m:t>3,2</m:t>
                                   </m:r>
                                 </m:sub>
                               </m:sSub>
@@ -21575,14 +20160,7 @@
                                       <a:latin typeface="Cambria Math" panose="02040503050406030204" pitchFamily="18" charset="0"/>
                                       <a:cs typeface="Segoe UI" panose="020B0502040204020203" pitchFamily="34" charset="0"/>
                                     </a:rPr>
-                                    <m:t>4</m:t>
-                                  </m:r>
-                                  <m:r>
-                                    <a:rPr lang="en-US" i="1">
-                                      <a:latin typeface="Cambria Math" panose="02040503050406030204" pitchFamily="18" charset="0"/>
-                                      <a:cs typeface="Segoe UI" panose="020B0502040204020203" pitchFamily="34" charset="0"/>
-                                    </a:rPr>
-                                    <m:t>,1</m:t>
+                                    <m:t>4,1</m:t>
                                   </m:r>
                                 </m:sub>
                               </m:sSub>
@@ -21612,21 +20190,7 @@
                                       <a:latin typeface="Cambria Math" panose="02040503050406030204" pitchFamily="18" charset="0"/>
                                       <a:cs typeface="Segoe UI" panose="020B0502040204020203" pitchFamily="34" charset="0"/>
                                     </a:rPr>
-                                    <m:t>4</m:t>
-                                  </m:r>
-                                  <m:r>
-                                    <a:rPr lang="en-US" i="1">
-                                      <a:latin typeface="Cambria Math" panose="02040503050406030204" pitchFamily="18" charset="0"/>
-                                      <a:cs typeface="Segoe UI" panose="020B0502040204020203" pitchFamily="34" charset="0"/>
-                                    </a:rPr>
-                                    <m:t>,</m:t>
-                                  </m:r>
-                                  <m:r>
-                                    <a:rPr lang="en-US" i="1">
-                                      <a:latin typeface="Cambria Math" panose="02040503050406030204" pitchFamily="18" charset="0"/>
-                                      <a:cs typeface="Segoe UI" panose="020B0502040204020203" pitchFamily="34" charset="0"/>
-                                    </a:rPr>
-                                    <m:t>2</m:t>
+                                    <m:t>4,2</m:t>
                                   </m:r>
                                 </m:sub>
                               </m:sSub>
@@ -21848,7 +20412,14 @@
                                       <a:latin typeface="Cambria Math" panose="02040503050406030204" pitchFamily="18" charset="0"/>
                                       <a:cs typeface="Segoe UI" panose="020B0502040204020203" pitchFamily="34" charset="0"/>
                                     </a:rPr>
-                                    <m:t>,1</m:t>
+                                    <m:t>,</m:t>
+                                  </m:r>
+                                  <m:r>
+                                    <a:rPr lang="en-US" b="0" i="1" smtClean="0">
+                                      <a:latin typeface="Cambria Math" panose="02040503050406030204" pitchFamily="18" charset="0"/>
+                                      <a:cs typeface="Segoe UI" panose="020B0502040204020203" pitchFamily="34" charset="0"/>
+                                    </a:rPr>
+                                    <m:t>1</m:t>
                                   </m:r>
                                 </m:sub>
                               </m:sSub>
@@ -21876,18 +20447,25 @@
                                 </m:e>
                                 <m:sub>
                                   <m:r>
+                                    <a:rPr lang="en-US" b="0" i="1" smtClean="0">
+                                      <a:latin typeface="Cambria Math" panose="02040503050406030204" pitchFamily="18" charset="0"/>
+                                      <a:cs typeface="Segoe UI" panose="020B0502040204020203" pitchFamily="34" charset="0"/>
+                                    </a:rPr>
+                                    <m:t>2</m:t>
+                                  </m:r>
+                                  <m:r>
                                     <a:rPr lang="en-US" i="1">
                                       <a:latin typeface="Cambria Math" panose="02040503050406030204" pitchFamily="18" charset="0"/>
                                       <a:cs typeface="Segoe UI" panose="020B0502040204020203" pitchFamily="34" charset="0"/>
                                     </a:rPr>
-                                    <m:t>1,</m:t>
+                                    <m:t>,</m:t>
                                   </m:r>
                                   <m:r>
                                     <a:rPr lang="en-US" b="0" i="1" smtClean="0">
                                       <a:latin typeface="Cambria Math" panose="02040503050406030204" pitchFamily="18" charset="0"/>
                                       <a:cs typeface="Segoe UI" panose="020B0502040204020203" pitchFamily="34" charset="0"/>
                                     </a:rPr>
-                                    <m:t>2</m:t>
+                                    <m:t>1</m:t>
                                   </m:r>
                                 </m:sub>
                               </m:sSub>
@@ -22348,7 +20926,7 @@
 </p:sld>
 </file>
 
-<file path=ppt/slides/slide22.xml><?xml version="1.0" encoding="utf-8"?>
+<file path=ppt/slides/slide21.xml><?xml version="1.0" encoding="utf-8"?>
 <p:sld xmlns:a="http://schemas.openxmlformats.org/drawingml/2006/main" xmlns:r="http://schemas.openxmlformats.org/officeDocument/2006/relationships" xmlns:p="http://schemas.openxmlformats.org/presentationml/2006/main">
   <p:cSld>
     <p:spTree>
@@ -22403,8 +20981,8 @@
           </a:p>
         </p:txBody>
       </p:sp>
-      <mc:AlternateContent xmlns:mc="http://schemas.openxmlformats.org/markup-compatibility/2006">
-        <mc:Choice xmlns:a14="http://schemas.microsoft.com/office/drawing/2010/main" Requires="a14">
+      <mc:AlternateContent xmlns:mc="http://schemas.openxmlformats.org/markup-compatibility/2006" xmlns:a14="http://schemas.microsoft.com/office/drawing/2010/main">
+        <mc:Choice Requires="a14">
           <p:sp>
             <p:nvSpPr>
               <p:cNvPr id="3" name="Content Placeholder 2">
@@ -23082,7 +21660,7 @@
             </p:txBody>
           </p:sp>
         </mc:Choice>
-        <mc:Fallback>
+        <mc:Fallback xmlns="">
           <p:sp>
             <p:nvSpPr>
               <p:cNvPr id="3" name="Content Placeholder 2">
@@ -23556,7 +22134,7 @@
 </p:sld>
 </file>
 
-<file path=ppt/slides/slide23.xml><?xml version="1.0" encoding="utf-8"?>
+<file path=ppt/slides/slide22.xml><?xml version="1.0" encoding="utf-8"?>
 <p:sld xmlns:a="http://schemas.openxmlformats.org/drawingml/2006/main" xmlns:r="http://schemas.openxmlformats.org/officeDocument/2006/relationships" xmlns:p="http://schemas.openxmlformats.org/presentationml/2006/main">
   <p:cSld>
     <p:spTree>
@@ -24187,6 +22765,145 @@
                 <a:pPr marL="0" indent="0">
                   <a:buNone/>
                 </a:pPr>
+                <a:r>
+                  <a:rPr lang="en-US" dirty="0">
+                    <a:cs typeface="Segoe UI" panose="020B0502040204020203" pitchFamily="34" charset="0"/>
+                  </a:rPr>
+                  <a:t>Where </a:t>
+                </a:r>
+                <a14:m>
+                  <m:oMath xmlns:m="http://schemas.openxmlformats.org/officeDocument/2006/math">
+                    <m:sSup>
+                      <m:sSupPr>
+                        <m:ctrlPr>
+                          <a:rPr lang="en-US" i="1" smtClean="0">
+                            <a:latin typeface="Cambria Math" panose="02040503050406030204" pitchFamily="18" charset="0"/>
+                            <a:cs typeface="Segoe UI" panose="020B0502040204020203" pitchFamily="34" charset="0"/>
+                          </a:rPr>
+                        </m:ctrlPr>
+                      </m:sSupPr>
+                      <m:e>
+                        <m:r>
+                          <a:rPr lang="en-US" b="0" i="1" smtClean="0">
+                            <a:latin typeface="Cambria Math" panose="02040503050406030204" pitchFamily="18" charset="0"/>
+                            <a:cs typeface="Segoe UI" panose="020B0502040204020203" pitchFamily="34" charset="0"/>
+                          </a:rPr>
+                          <m:t>𝑊</m:t>
+                        </m:r>
+                      </m:e>
+                      <m:sup>
+                        <m:r>
+                          <a:rPr lang="en-US" b="0" i="1" smtClean="0">
+                            <a:latin typeface="Cambria Math" panose="02040503050406030204" pitchFamily="18" charset="0"/>
+                            <a:cs typeface="Segoe UI" panose="020B0502040204020203" pitchFamily="34" charset="0"/>
+                          </a:rPr>
+                          <m:t>(</m:t>
+                        </m:r>
+                        <m:r>
+                          <a:rPr lang="en-US" b="0" i="1" smtClean="0">
+                            <a:latin typeface="Cambria Math" panose="02040503050406030204" pitchFamily="18" charset="0"/>
+                            <a:cs typeface="Segoe UI" panose="020B0502040204020203" pitchFamily="34" charset="0"/>
+                          </a:rPr>
+                          <m:t>𝐿</m:t>
+                        </m:r>
+                        <m:r>
+                          <a:rPr lang="en-US" b="0" i="1" smtClean="0">
+                            <a:latin typeface="Cambria Math" panose="02040503050406030204" pitchFamily="18" charset="0"/>
+                            <a:cs typeface="Segoe UI" panose="020B0502040204020203" pitchFamily="34" charset="0"/>
+                          </a:rPr>
+                          <m:t>)</m:t>
+                        </m:r>
+                      </m:sup>
+                    </m:sSup>
+                  </m:oMath>
+                </a14:m>
+                <a:r>
+                  <a:rPr lang="en-US" sz="2800" dirty="0">
+                    <a:latin typeface="+mn-lt"/>
+                    <a:cs typeface="Segoe UI" panose="020B0502040204020203" pitchFamily="34" charset="0"/>
+                  </a:rPr>
+                  <a:t> is the first L columns of </a:t>
+                </a:r>
+                <a14:m>
+                  <m:oMath xmlns:m="http://schemas.openxmlformats.org/officeDocument/2006/math">
+                    <m:r>
+                      <a:rPr lang="en-US" sz="2800" b="0" i="1" smtClean="0">
+                        <a:latin typeface="Cambria Math" panose="02040503050406030204" pitchFamily="18" charset="0"/>
+                        <a:cs typeface="Segoe UI" panose="020B0502040204020203" pitchFamily="34" charset="0"/>
+                      </a:rPr>
+                      <m:t>𝑊</m:t>
+                    </m:r>
+                  </m:oMath>
+                </a14:m>
+                <a:r>
+                  <a:rPr lang="en-US" sz="2800" dirty="0">
+                    <a:latin typeface="+mn-lt"/>
+                    <a:cs typeface="Segoe UI" panose="020B0502040204020203" pitchFamily="34" charset="0"/>
+                  </a:rPr>
+                  <a:t> and </a:t>
+                </a:r>
+                <a14:m>
+                  <m:oMath xmlns:m="http://schemas.openxmlformats.org/officeDocument/2006/math">
+                    <m:sSup>
+                      <m:sSupPr>
+                        <m:ctrlPr>
+                          <a:rPr lang="en-US" sz="2800" i="1" smtClean="0">
+                            <a:latin typeface="Cambria Math" panose="02040503050406030204" pitchFamily="18" charset="0"/>
+                            <a:cs typeface="Segoe UI" panose="020B0502040204020203" pitchFamily="34" charset="0"/>
+                          </a:rPr>
+                        </m:ctrlPr>
+                      </m:sSupPr>
+                      <m:e>
+                        <m:r>
+                          <m:rPr>
+                            <m:sty m:val="p"/>
+                          </m:rPr>
+                          <a:rPr lang="el-GR" sz="2800" i="1" smtClean="0">
+                            <a:latin typeface="Cambria Math" panose="02040503050406030204" pitchFamily="18" charset="0"/>
+                            <a:ea typeface="Cambria Math" panose="02040503050406030204" pitchFamily="18" charset="0"/>
+                            <a:cs typeface="Segoe UI" panose="020B0502040204020203" pitchFamily="34" charset="0"/>
+                          </a:rPr>
+                          <m:t>Σ</m:t>
+                        </m:r>
+                      </m:e>
+                      <m:sup>
+                        <m:r>
+                          <a:rPr lang="en-US" sz="2800" b="0" i="1" smtClean="0">
+                            <a:latin typeface="Cambria Math" panose="02040503050406030204" pitchFamily="18" charset="0"/>
+                            <a:cs typeface="Segoe UI" panose="020B0502040204020203" pitchFamily="34" charset="0"/>
+                          </a:rPr>
+                          <m:t>(</m:t>
+                        </m:r>
+                        <m:r>
+                          <a:rPr lang="en-US" sz="2800" b="0" i="1" smtClean="0">
+                            <a:latin typeface="Cambria Math" panose="02040503050406030204" pitchFamily="18" charset="0"/>
+                            <a:cs typeface="Segoe UI" panose="020B0502040204020203" pitchFamily="34" charset="0"/>
+                          </a:rPr>
+                          <m:t>𝐿</m:t>
+                        </m:r>
+                        <m:r>
+                          <a:rPr lang="en-US" sz="2800" b="0" i="1" smtClean="0">
+                            <a:latin typeface="Cambria Math" panose="02040503050406030204" pitchFamily="18" charset="0"/>
+                            <a:cs typeface="Segoe UI" panose="020B0502040204020203" pitchFamily="34" charset="0"/>
+                          </a:rPr>
+                          <m:t>)</m:t>
+                        </m:r>
+                      </m:sup>
+                    </m:sSup>
+                  </m:oMath>
+                </a14:m>
+                <a:r>
+                  <a:rPr lang="en-US" sz="2800" dirty="0">
+                    <a:latin typeface="+mn-lt"/>
+                    <a:cs typeface="Segoe UI" panose="020B0502040204020203" pitchFamily="34" charset="0"/>
+                  </a:rPr>
+                  <a:t> has first L non-zero singular values</a:t>
+                </a:r>
+              </a:p>
+              <a:p>
+                <a:pPr marL="0" indent="0">
+                  <a:buNone/>
+                </a:pPr>
                 <a:endParaRPr lang="en-US" sz="2800" dirty="0">
                   <a:latin typeface="+mn-lt"/>
                   <a:cs typeface="Segoe UI" panose="020B0502040204020203" pitchFamily="34" charset="0"/>
@@ -24349,33 +23066,15 @@
                                   </p:childTnLst>
                                 </p:cTn>
                               </p:par>
-                            </p:childTnLst>
-                          </p:cTn>
-                        </p:par>
-                      </p:childTnLst>
-                    </p:cTn>
-                  </p:par>
-                  <p:par>
-                    <p:cTn id="11" fill="hold">
-                      <p:stCondLst>
-                        <p:cond delay="indefinite"/>
-                      </p:stCondLst>
-                      <p:childTnLst>
-                        <p:par>
-                          <p:cTn id="12" fill="hold">
-                            <p:stCondLst>
-                              <p:cond delay="0"/>
-                            </p:stCondLst>
-                            <p:childTnLst>
                               <p:par>
-                                <p:cTn id="13" presetID="1" presetClass="entr" presetSubtype="0" fill="hold" nodeType="clickEffect">
+                                <p:cTn id="11" presetID="1" presetClass="entr" presetSubtype="0" fill="hold" nodeType="withEffect">
                                   <p:stCondLst>
                                     <p:cond delay="0"/>
                                   </p:stCondLst>
                                   <p:childTnLst>
                                     <p:set>
                                       <p:cBhvr>
-                                        <p:cTn id="14" dur="1" fill="hold">
+                                        <p:cTn id="12" dur="1" fill="hold">
                                           <p:stCondLst>
                                             <p:cond delay="0"/>
                                           </p:stCondLst>
@@ -24405,19 +23104,50 @@
                     </p:cTn>
                   </p:par>
                   <p:par>
-                    <p:cTn id="15" fill="hold">
+                    <p:cTn id="13" fill="hold">
                       <p:stCondLst>
                         <p:cond delay="indefinite"/>
                       </p:stCondLst>
                       <p:childTnLst>
                         <p:par>
-                          <p:cTn id="16" fill="hold">
+                          <p:cTn id="14" fill="hold">
                             <p:stCondLst>
                               <p:cond delay="0"/>
                             </p:stCondLst>
                             <p:childTnLst>
                               <p:par>
-                                <p:cTn id="17" presetID="1" presetClass="entr" presetSubtype="0" fill="hold" nodeType="clickEffect">
+                                <p:cTn id="15" presetID="1" presetClass="entr" presetSubtype="0" fill="hold" nodeType="clickEffect">
+                                  <p:stCondLst>
+                                    <p:cond delay="0"/>
+                                  </p:stCondLst>
+                                  <p:childTnLst>
+                                    <p:set>
+                                      <p:cBhvr>
+                                        <p:cTn id="16" dur="1" fill="hold">
+                                          <p:stCondLst>
+                                            <p:cond delay="0"/>
+                                          </p:stCondLst>
+                                        </p:cTn>
+                                        <p:tgtEl>
+                                          <p:spTgt spid="3">
+                                            <p:txEl>
+                                              <p:pRg st="4" end="4"/>
+                                            </p:txEl>
+                                          </p:spTgt>
+                                        </p:tgtEl>
+                                        <p:attrNameLst>
+                                          <p:attrName>style.visibility</p:attrName>
+                                        </p:attrNameLst>
+                                      </p:cBhvr>
+                                      <p:to>
+                                        <p:strVal val="visible"/>
+                                      </p:to>
+                                    </p:set>
+                                  </p:childTnLst>
+                                </p:cTn>
+                              </p:par>
+                              <p:par>
+                                <p:cTn id="17" presetID="1" presetClass="entr" presetSubtype="0" fill="hold" nodeType="withEffect">
                                   <p:stCondLst>
                                     <p:cond delay="0"/>
                                   </p:stCondLst>
@@ -24432,7 +23162,7 @@
                                         <p:tgtEl>
                                           <p:spTgt spid="3">
                                             <p:txEl>
-                                              <p:pRg st="4" end="4"/>
+                                              <p:pRg st="5" end="5"/>
                                             </p:txEl>
                                           </p:spTgt>
                                         </p:tgtEl>
@@ -24481,7 +23211,7 @@
                                         <p:tgtEl>
                                           <p:spTgt spid="3">
                                             <p:txEl>
-                                              <p:pRg st="5" end="5"/>
+                                              <p:pRg st="6" end="6"/>
                                             </p:txEl>
                                           </p:spTgt>
                                         </p:tgtEl>
@@ -24527,7 +23257,7 @@
 </p:sld>
 </file>
 
-<file path=ppt/slides/slide24.xml><?xml version="1.0" encoding="utf-8"?>
+<file path=ppt/slides/slide23.xml><?xml version="1.0" encoding="utf-8"?>
 <p:sld xmlns:a="http://schemas.openxmlformats.org/drawingml/2006/main" xmlns:r="http://schemas.openxmlformats.org/officeDocument/2006/relationships" xmlns:p="http://schemas.openxmlformats.org/presentationml/2006/main">
   <p:cSld>
     <p:spTree>
@@ -24950,7 +23680,7 @@
 </p:sld>
 </file>
 
-<file path=ppt/slides/slide25.xml><?xml version="1.0" encoding="utf-8"?>
+<file path=ppt/slides/slide24.xml><?xml version="1.0" encoding="utf-8"?>
 <p:sld xmlns:a="http://schemas.openxmlformats.org/drawingml/2006/main" xmlns:r="http://schemas.openxmlformats.org/officeDocument/2006/relationships" xmlns:p="http://schemas.openxmlformats.org/presentationml/2006/main">
   <p:cSld>
     <p:spTree>
@@ -27441,7 +26171,7 @@
 </p:sld>
 </file>
 
-<file path=ppt/slides/slide26.xml><?xml version="1.0" encoding="utf-8"?>
+<file path=ppt/slides/slide25.xml><?xml version="1.0" encoding="utf-8"?>
 <p:sld xmlns:a="http://schemas.openxmlformats.org/drawingml/2006/main" xmlns:r="http://schemas.openxmlformats.org/officeDocument/2006/relationships" xmlns:p="http://schemas.openxmlformats.org/presentationml/2006/main">
   <p:cSld>
     <p:spTree>
@@ -32272,7 +31002,7 @@
 </p:sld>
 </file>
 
-<file path=ppt/slides/slide27.xml><?xml version="1.0" encoding="utf-8"?>
+<file path=ppt/slides/slide26.xml><?xml version="1.0" encoding="utf-8"?>
 <p:sld xmlns:a="http://schemas.openxmlformats.org/drawingml/2006/main" xmlns:r="http://schemas.openxmlformats.org/officeDocument/2006/relationships" xmlns:p="http://schemas.openxmlformats.org/presentationml/2006/main">
   <p:cSld>
     <p:spTree>
@@ -32971,7 +31701,7 @@
 </p:sld>
 </file>
 
-<file path=ppt/slides/slide28.xml><?xml version="1.0" encoding="utf-8"?>
+<file path=ppt/slides/slide27.xml><?xml version="1.0" encoding="utf-8"?>
 <p:sld xmlns:a="http://schemas.openxmlformats.org/drawingml/2006/main" xmlns:r="http://schemas.openxmlformats.org/officeDocument/2006/relationships" xmlns:p="http://schemas.openxmlformats.org/presentationml/2006/main">
   <p:cSld>
     <p:spTree>
@@ -33514,7 +32244,7 @@
                   <a:rPr lang="en-US" dirty="0">
                     <a:latin typeface="+mn-lt"/>
                   </a:rPr>
-                  <a:t> = classes, </a:t>
+                  <a:t> = classes, e.g. </a:t>
                 </a:r>
                 <a:r>
                   <a:rPr lang="en-US" i="1" dirty="0">
@@ -34150,7 +32880,7 @@
 </p:sld>
 </file>
 
-<file path=ppt/slides/slide29.xml><?xml version="1.0" encoding="utf-8"?>
+<file path=ppt/slides/slide28.xml><?xml version="1.0" encoding="utf-8"?>
 <p:sld xmlns:a="http://schemas.openxmlformats.org/drawingml/2006/main" xmlns:r="http://schemas.openxmlformats.org/officeDocument/2006/relationships" xmlns:p="http://schemas.openxmlformats.org/presentationml/2006/main">
   <p:cSld>
     <p:spTree>
@@ -34196,8 +32926,8 @@
           </a:p>
         </p:txBody>
       </p:sp>
-      <mc:AlternateContent xmlns:mc="http://schemas.openxmlformats.org/markup-compatibility/2006">
-        <mc:Choice xmlns:a14="http://schemas.microsoft.com/office/drawing/2010/main" Requires="a14">
+      <mc:AlternateContent xmlns:mc="http://schemas.openxmlformats.org/markup-compatibility/2006" xmlns:a14="http://schemas.microsoft.com/office/drawing/2010/main">
+        <mc:Choice Requires="a14">
           <p:sp>
             <p:nvSpPr>
               <p:cNvPr id="3" name="Content Placeholder 2"/>
@@ -34838,7 +33568,7 @@
             </p:txBody>
           </p:sp>
         </mc:Choice>
-        <mc:Fallback>
+        <mc:Fallback xmlns="">
           <p:sp>
             <p:nvSpPr>
               <p:cNvPr id="3" name="Content Placeholder 2"/>
@@ -35115,644 +33845,7 @@
 </p:sld>
 </file>
 
-<file path=ppt/slides/slide3.xml><?xml version="1.0" encoding="utf-8"?>
-<p:sld xmlns:a="http://schemas.openxmlformats.org/drawingml/2006/main" xmlns:r="http://schemas.openxmlformats.org/officeDocument/2006/relationships" xmlns:p="http://schemas.openxmlformats.org/presentationml/2006/main">
-  <p:cSld>
-    <p:spTree>
-      <p:nvGrpSpPr>
-        <p:cNvPr id="1" name=""/>
-        <p:cNvGrpSpPr/>
-        <p:nvPr/>
-      </p:nvGrpSpPr>
-      <p:grpSpPr>
-        <a:xfrm>
-          <a:off x="0" y="0"/>
-          <a:ext cx="0" cy="0"/>
-          <a:chOff x="0" y="0"/>
-          <a:chExt cx="0" cy="0"/>
-        </a:xfrm>
-      </p:grpSpPr>
-      <p:sp>
-        <p:nvSpPr>
-          <p:cNvPr id="2" name="Title 1"/>
-          <p:cNvSpPr>
-            <a:spLocks noGrp="1"/>
-          </p:cNvSpPr>
-          <p:nvPr>
-            <p:ph type="title"/>
-          </p:nvPr>
-        </p:nvSpPr>
-        <p:spPr>
-          <a:xfrm>
-            <a:off x="584200" y="221992"/>
-            <a:ext cx="10515600" cy="530954"/>
-          </a:xfrm>
-        </p:spPr>
-        <p:txBody>
-          <a:bodyPr>
-            <a:normAutofit fontScale="90000"/>
-          </a:bodyPr>
-          <a:lstStyle/>
-          <a:p>
-            <a:r>
-              <a:rPr lang="en-US" dirty="0"/>
-              <a:t>Introduction to Dimensionality Reduction</a:t>
-            </a:r>
-          </a:p>
-        </p:txBody>
-      </p:sp>
-      <p:sp>
-        <p:nvSpPr>
-          <p:cNvPr id="3" name="Content Placeholder 2"/>
-          <p:cNvSpPr>
-            <a:spLocks noGrp="1"/>
-          </p:cNvSpPr>
-          <p:nvPr>
-            <p:ph sz="quarter" idx="10"/>
-          </p:nvPr>
-        </p:nvSpPr>
-        <p:spPr>
-          <a:xfrm>
-            <a:off x="333375" y="1004777"/>
-            <a:ext cx="11525250" cy="5181690"/>
-          </a:xfrm>
-        </p:spPr>
-        <p:txBody>
-          <a:bodyPr>
-            <a:normAutofit/>
-          </a:bodyPr>
-          <a:lstStyle/>
-          <a:p>
-            <a:pPr marL="0" indent="0">
-              <a:buNone/>
-            </a:pPr>
-            <a:r>
-              <a:rPr lang="en-US" dirty="0">
-                <a:latin typeface="+mn-lt"/>
-              </a:rPr>
-              <a:t>Why is dimensionality reduction possible? </a:t>
-            </a:r>
-          </a:p>
-          <a:p>
-            <a:r>
-              <a:rPr lang="en-US" dirty="0">
-                <a:latin typeface="+mn-lt"/>
-              </a:rPr>
-              <a:t>Consider the information content of each feature</a:t>
-            </a:r>
-          </a:p>
-          <a:p>
-            <a:pPr lvl="1"/>
-            <a:r>
-              <a:rPr lang="en-US" dirty="0">
-                <a:latin typeface="+mn-lt"/>
-              </a:rPr>
-              <a:t>Information of a feature is only unique if it is independent of all other features </a:t>
-            </a:r>
-          </a:p>
-          <a:p>
-            <a:pPr lvl="1"/>
-            <a:r>
-              <a:rPr lang="en-US" dirty="0">
-                <a:latin typeface="+mn-lt"/>
-              </a:rPr>
-              <a:t>Dependent features have redundant information </a:t>
-            </a:r>
-          </a:p>
-          <a:p>
-            <a:r>
-              <a:rPr lang="en-US" dirty="0">
-                <a:latin typeface="+mn-lt"/>
-              </a:rPr>
-              <a:t>Dimensionality can be reduced if features are dependent </a:t>
-            </a:r>
-          </a:p>
-          <a:p>
-            <a:pPr lvl="1"/>
-            <a:r>
-              <a:rPr lang="en-US" dirty="0">
-                <a:latin typeface="+mn-lt"/>
-              </a:rPr>
-              <a:t>Almost always the case in real-world data </a:t>
-            </a:r>
-          </a:p>
-          <a:p>
-            <a:pPr lvl="1"/>
-            <a:r>
-              <a:rPr lang="en-US" dirty="0">
-                <a:latin typeface="+mn-lt"/>
-              </a:rPr>
-              <a:t>Linear dependency </a:t>
-            </a:r>
-          </a:p>
-          <a:p>
-            <a:pPr lvl="1"/>
-            <a:r>
-              <a:rPr lang="en-US" dirty="0">
-                <a:latin typeface="+mn-lt"/>
-              </a:rPr>
-              <a:t>Nonlinear dependency </a:t>
-            </a:r>
-          </a:p>
-          <a:p>
-            <a:r>
-              <a:rPr lang="en-US" dirty="0">
-                <a:latin typeface="+mn-lt"/>
-              </a:rPr>
-              <a:t>Dependency implies effective dimensionality less than number of features</a:t>
-            </a:r>
-          </a:p>
-          <a:p>
-            <a:pPr lvl="1"/>
-            <a:endParaRPr lang="en-US" dirty="0"/>
-          </a:p>
-        </p:txBody>
-      </p:sp>
-    </p:spTree>
-    <p:extLst>
-      <p:ext uri="{BB962C8B-B14F-4D97-AF65-F5344CB8AC3E}">
-        <p14:creationId xmlns:p14="http://schemas.microsoft.com/office/powerpoint/2010/main" val="1424018027"/>
-      </p:ext>
-    </p:extLst>
-  </p:cSld>
-  <p:clrMapOvr>
-    <a:masterClrMapping/>
-  </p:clrMapOvr>
-  <p:timing>
-    <p:tnLst>
-      <p:par>
-        <p:cTn id="1" dur="indefinite" restart="never" nodeType="tmRoot">
-          <p:childTnLst>
-            <p:seq concurrent="1" nextAc="seek">
-              <p:cTn id="2" dur="indefinite" nodeType="mainSeq">
-                <p:childTnLst>
-                  <p:par>
-                    <p:cTn id="3" fill="hold">
-                      <p:stCondLst>
-                        <p:cond delay="indefinite"/>
-                      </p:stCondLst>
-                      <p:childTnLst>
-                        <p:par>
-                          <p:cTn id="4" fill="hold">
-                            <p:stCondLst>
-                              <p:cond delay="0"/>
-                            </p:stCondLst>
-                            <p:childTnLst>
-                              <p:par>
-                                <p:cTn id="5" presetID="1" presetClass="entr" presetSubtype="0" fill="hold" nodeType="clickEffect">
-                                  <p:stCondLst>
-                                    <p:cond delay="0"/>
-                                  </p:stCondLst>
-                                  <p:childTnLst>
-                                    <p:set>
-                                      <p:cBhvr>
-                                        <p:cTn id="6" dur="1" fill="hold">
-                                          <p:stCondLst>
-                                            <p:cond delay="0"/>
-                                          </p:stCondLst>
-                                        </p:cTn>
-                                        <p:tgtEl>
-                                          <p:spTgt spid="3">
-                                            <p:txEl>
-                                              <p:pRg st="0" end="0"/>
-                                            </p:txEl>
-                                          </p:spTgt>
-                                        </p:tgtEl>
-                                        <p:attrNameLst>
-                                          <p:attrName>style.visibility</p:attrName>
-                                        </p:attrNameLst>
-                                      </p:cBhvr>
-                                      <p:to>
-                                        <p:strVal val="visible"/>
-                                      </p:to>
-                                    </p:set>
-                                  </p:childTnLst>
-                                </p:cTn>
-                              </p:par>
-                            </p:childTnLst>
-                          </p:cTn>
-                        </p:par>
-                      </p:childTnLst>
-                    </p:cTn>
-                  </p:par>
-                  <p:par>
-                    <p:cTn id="7" fill="hold">
-                      <p:stCondLst>
-                        <p:cond delay="indefinite"/>
-                      </p:stCondLst>
-                      <p:childTnLst>
-                        <p:par>
-                          <p:cTn id="8" fill="hold">
-                            <p:stCondLst>
-                              <p:cond delay="0"/>
-                            </p:stCondLst>
-                            <p:childTnLst>
-                              <p:par>
-                                <p:cTn id="9" presetID="1" presetClass="entr" presetSubtype="0" fill="hold" nodeType="clickEffect">
-                                  <p:stCondLst>
-                                    <p:cond delay="0"/>
-                                  </p:stCondLst>
-                                  <p:childTnLst>
-                                    <p:set>
-                                      <p:cBhvr>
-                                        <p:cTn id="10" dur="1" fill="hold">
-                                          <p:stCondLst>
-                                            <p:cond delay="0"/>
-                                          </p:stCondLst>
-                                        </p:cTn>
-                                        <p:tgtEl>
-                                          <p:spTgt spid="3">
-                                            <p:txEl>
-                                              <p:pRg st="1" end="1"/>
-                                            </p:txEl>
-                                          </p:spTgt>
-                                        </p:tgtEl>
-                                        <p:attrNameLst>
-                                          <p:attrName>style.visibility</p:attrName>
-                                        </p:attrNameLst>
-                                      </p:cBhvr>
-                                      <p:to>
-                                        <p:strVal val="visible"/>
-                                      </p:to>
-                                    </p:set>
-                                  </p:childTnLst>
-                                </p:cTn>
-                              </p:par>
-                            </p:childTnLst>
-                          </p:cTn>
-                        </p:par>
-                      </p:childTnLst>
-                    </p:cTn>
-                  </p:par>
-                  <p:par>
-                    <p:cTn id="11" fill="hold">
-                      <p:stCondLst>
-                        <p:cond delay="indefinite"/>
-                      </p:stCondLst>
-                      <p:childTnLst>
-                        <p:par>
-                          <p:cTn id="12" fill="hold">
-                            <p:stCondLst>
-                              <p:cond delay="0"/>
-                            </p:stCondLst>
-                            <p:childTnLst>
-                              <p:par>
-                                <p:cTn id="13" presetID="1" presetClass="entr" presetSubtype="0" fill="hold" nodeType="clickEffect">
-                                  <p:stCondLst>
-                                    <p:cond delay="0"/>
-                                  </p:stCondLst>
-                                  <p:childTnLst>
-                                    <p:set>
-                                      <p:cBhvr>
-                                        <p:cTn id="14" dur="1" fill="hold">
-                                          <p:stCondLst>
-                                            <p:cond delay="0"/>
-                                          </p:stCondLst>
-                                        </p:cTn>
-                                        <p:tgtEl>
-                                          <p:spTgt spid="3">
-                                            <p:txEl>
-                                              <p:pRg st="2" end="2"/>
-                                            </p:txEl>
-                                          </p:spTgt>
-                                        </p:tgtEl>
-                                        <p:attrNameLst>
-                                          <p:attrName>style.visibility</p:attrName>
-                                        </p:attrNameLst>
-                                      </p:cBhvr>
-                                      <p:to>
-                                        <p:strVal val="visible"/>
-                                      </p:to>
-                                    </p:set>
-                                  </p:childTnLst>
-                                </p:cTn>
-                              </p:par>
-                            </p:childTnLst>
-                          </p:cTn>
-                        </p:par>
-                      </p:childTnLst>
-                    </p:cTn>
-                  </p:par>
-                  <p:par>
-                    <p:cTn id="15" fill="hold">
-                      <p:stCondLst>
-                        <p:cond delay="indefinite"/>
-                      </p:stCondLst>
-                      <p:childTnLst>
-                        <p:par>
-                          <p:cTn id="16" fill="hold">
-                            <p:stCondLst>
-                              <p:cond delay="0"/>
-                            </p:stCondLst>
-                            <p:childTnLst>
-                              <p:par>
-                                <p:cTn id="17" presetID="1" presetClass="entr" presetSubtype="0" fill="hold" nodeType="clickEffect">
-                                  <p:stCondLst>
-                                    <p:cond delay="0"/>
-                                  </p:stCondLst>
-                                  <p:childTnLst>
-                                    <p:set>
-                                      <p:cBhvr>
-                                        <p:cTn id="18" dur="1" fill="hold">
-                                          <p:stCondLst>
-                                            <p:cond delay="0"/>
-                                          </p:stCondLst>
-                                        </p:cTn>
-                                        <p:tgtEl>
-                                          <p:spTgt spid="3">
-                                            <p:txEl>
-                                              <p:pRg st="3" end="3"/>
-                                            </p:txEl>
-                                          </p:spTgt>
-                                        </p:tgtEl>
-                                        <p:attrNameLst>
-                                          <p:attrName>style.visibility</p:attrName>
-                                        </p:attrNameLst>
-                                      </p:cBhvr>
-                                      <p:to>
-                                        <p:strVal val="visible"/>
-                                      </p:to>
-                                    </p:set>
-                                  </p:childTnLst>
-                                </p:cTn>
-                              </p:par>
-                            </p:childTnLst>
-                          </p:cTn>
-                        </p:par>
-                      </p:childTnLst>
-                    </p:cTn>
-                  </p:par>
-                  <p:par>
-                    <p:cTn id="19" fill="hold">
-                      <p:stCondLst>
-                        <p:cond delay="indefinite"/>
-                      </p:stCondLst>
-                      <p:childTnLst>
-                        <p:par>
-                          <p:cTn id="20" fill="hold">
-                            <p:stCondLst>
-                              <p:cond delay="0"/>
-                            </p:stCondLst>
-                            <p:childTnLst>
-                              <p:par>
-                                <p:cTn id="21" presetID="1" presetClass="entr" presetSubtype="0" fill="hold" nodeType="clickEffect">
-                                  <p:stCondLst>
-                                    <p:cond delay="0"/>
-                                  </p:stCondLst>
-                                  <p:childTnLst>
-                                    <p:set>
-                                      <p:cBhvr>
-                                        <p:cTn id="22" dur="1" fill="hold">
-                                          <p:stCondLst>
-                                            <p:cond delay="0"/>
-                                          </p:stCondLst>
-                                        </p:cTn>
-                                        <p:tgtEl>
-                                          <p:spTgt spid="3">
-                                            <p:txEl>
-                                              <p:pRg st="4" end="4"/>
-                                            </p:txEl>
-                                          </p:spTgt>
-                                        </p:tgtEl>
-                                        <p:attrNameLst>
-                                          <p:attrName>style.visibility</p:attrName>
-                                        </p:attrNameLst>
-                                      </p:cBhvr>
-                                      <p:to>
-                                        <p:strVal val="visible"/>
-                                      </p:to>
-                                    </p:set>
-                                  </p:childTnLst>
-                                </p:cTn>
-                              </p:par>
-                            </p:childTnLst>
-                          </p:cTn>
-                        </p:par>
-                      </p:childTnLst>
-                    </p:cTn>
-                  </p:par>
-                  <p:par>
-                    <p:cTn id="23" fill="hold">
-                      <p:stCondLst>
-                        <p:cond delay="indefinite"/>
-                      </p:stCondLst>
-                      <p:childTnLst>
-                        <p:par>
-                          <p:cTn id="24" fill="hold">
-                            <p:stCondLst>
-                              <p:cond delay="0"/>
-                            </p:stCondLst>
-                            <p:childTnLst>
-                              <p:par>
-                                <p:cTn id="25" presetID="1" presetClass="entr" presetSubtype="0" fill="hold" nodeType="clickEffect">
-                                  <p:stCondLst>
-                                    <p:cond delay="0"/>
-                                  </p:stCondLst>
-                                  <p:childTnLst>
-                                    <p:set>
-                                      <p:cBhvr>
-                                        <p:cTn id="26" dur="1" fill="hold">
-                                          <p:stCondLst>
-                                            <p:cond delay="0"/>
-                                          </p:stCondLst>
-                                        </p:cTn>
-                                        <p:tgtEl>
-                                          <p:spTgt spid="3">
-                                            <p:txEl>
-                                              <p:pRg st="5" end="5"/>
-                                            </p:txEl>
-                                          </p:spTgt>
-                                        </p:tgtEl>
-                                        <p:attrNameLst>
-                                          <p:attrName>style.visibility</p:attrName>
-                                        </p:attrNameLst>
-                                      </p:cBhvr>
-                                      <p:to>
-                                        <p:strVal val="visible"/>
-                                      </p:to>
-                                    </p:set>
-                                  </p:childTnLst>
-                                </p:cTn>
-                              </p:par>
-                            </p:childTnLst>
-                          </p:cTn>
-                        </p:par>
-                      </p:childTnLst>
-                    </p:cTn>
-                  </p:par>
-                  <p:par>
-                    <p:cTn id="27" fill="hold">
-                      <p:stCondLst>
-                        <p:cond delay="indefinite"/>
-                      </p:stCondLst>
-                      <p:childTnLst>
-                        <p:par>
-                          <p:cTn id="28" fill="hold">
-                            <p:stCondLst>
-                              <p:cond delay="0"/>
-                            </p:stCondLst>
-                            <p:childTnLst>
-                              <p:par>
-                                <p:cTn id="29" presetID="1" presetClass="entr" presetSubtype="0" fill="hold" nodeType="clickEffect">
-                                  <p:stCondLst>
-                                    <p:cond delay="0"/>
-                                  </p:stCondLst>
-                                  <p:childTnLst>
-                                    <p:set>
-                                      <p:cBhvr>
-                                        <p:cTn id="30" dur="1" fill="hold">
-                                          <p:stCondLst>
-                                            <p:cond delay="0"/>
-                                          </p:stCondLst>
-                                        </p:cTn>
-                                        <p:tgtEl>
-                                          <p:spTgt spid="3">
-                                            <p:txEl>
-                                              <p:pRg st="6" end="6"/>
-                                            </p:txEl>
-                                          </p:spTgt>
-                                        </p:tgtEl>
-                                        <p:attrNameLst>
-                                          <p:attrName>style.visibility</p:attrName>
-                                        </p:attrNameLst>
-                                      </p:cBhvr>
-                                      <p:to>
-                                        <p:strVal val="visible"/>
-                                      </p:to>
-                                    </p:set>
-                                  </p:childTnLst>
-                                </p:cTn>
-                              </p:par>
-                            </p:childTnLst>
-                          </p:cTn>
-                        </p:par>
-                      </p:childTnLst>
-                    </p:cTn>
-                  </p:par>
-                  <p:par>
-                    <p:cTn id="31" fill="hold">
-                      <p:stCondLst>
-                        <p:cond delay="indefinite"/>
-                      </p:stCondLst>
-                      <p:childTnLst>
-                        <p:par>
-                          <p:cTn id="32" fill="hold">
-                            <p:stCondLst>
-                              <p:cond delay="0"/>
-                            </p:stCondLst>
-                            <p:childTnLst>
-                              <p:par>
-                                <p:cTn id="33" presetID="1" presetClass="entr" presetSubtype="0" fill="hold" nodeType="clickEffect">
-                                  <p:stCondLst>
-                                    <p:cond delay="0"/>
-                                  </p:stCondLst>
-                                  <p:childTnLst>
-                                    <p:set>
-                                      <p:cBhvr>
-                                        <p:cTn id="34" dur="1" fill="hold">
-                                          <p:stCondLst>
-                                            <p:cond delay="0"/>
-                                          </p:stCondLst>
-                                        </p:cTn>
-                                        <p:tgtEl>
-                                          <p:spTgt spid="3">
-                                            <p:txEl>
-                                              <p:pRg st="7" end="7"/>
-                                            </p:txEl>
-                                          </p:spTgt>
-                                        </p:tgtEl>
-                                        <p:attrNameLst>
-                                          <p:attrName>style.visibility</p:attrName>
-                                        </p:attrNameLst>
-                                      </p:cBhvr>
-                                      <p:to>
-                                        <p:strVal val="visible"/>
-                                      </p:to>
-                                    </p:set>
-                                  </p:childTnLst>
-                                </p:cTn>
-                              </p:par>
-                            </p:childTnLst>
-                          </p:cTn>
-                        </p:par>
-                      </p:childTnLst>
-                    </p:cTn>
-                  </p:par>
-                  <p:par>
-                    <p:cTn id="35" fill="hold">
-                      <p:stCondLst>
-                        <p:cond delay="indefinite"/>
-                      </p:stCondLst>
-                      <p:childTnLst>
-                        <p:par>
-                          <p:cTn id="36" fill="hold">
-                            <p:stCondLst>
-                              <p:cond delay="0"/>
-                            </p:stCondLst>
-                            <p:childTnLst>
-                              <p:par>
-                                <p:cTn id="37" presetID="1" presetClass="entr" presetSubtype="0" fill="hold" nodeType="clickEffect">
-                                  <p:stCondLst>
-                                    <p:cond delay="0"/>
-                                  </p:stCondLst>
-                                  <p:childTnLst>
-                                    <p:set>
-                                      <p:cBhvr>
-                                        <p:cTn id="38" dur="1" fill="hold">
-                                          <p:stCondLst>
-                                            <p:cond delay="0"/>
-                                          </p:stCondLst>
-                                        </p:cTn>
-                                        <p:tgtEl>
-                                          <p:spTgt spid="3">
-                                            <p:txEl>
-                                              <p:pRg st="8" end="8"/>
-                                            </p:txEl>
-                                          </p:spTgt>
-                                        </p:tgtEl>
-                                        <p:attrNameLst>
-                                          <p:attrName>style.visibility</p:attrName>
-                                        </p:attrNameLst>
-                                      </p:cBhvr>
-                                      <p:to>
-                                        <p:strVal val="visible"/>
-                                      </p:to>
-                                    </p:set>
-                                  </p:childTnLst>
-                                </p:cTn>
-                              </p:par>
-                            </p:childTnLst>
-                          </p:cTn>
-                        </p:par>
-                      </p:childTnLst>
-                    </p:cTn>
-                  </p:par>
-                </p:childTnLst>
-              </p:cTn>
-              <p:prevCondLst>
-                <p:cond evt="onPrev" delay="0">
-                  <p:tgtEl>
-                    <p:sldTgt/>
-                  </p:tgtEl>
-                </p:cond>
-              </p:prevCondLst>
-              <p:nextCondLst>
-                <p:cond evt="onNext" delay="0">
-                  <p:tgtEl>
-                    <p:sldTgt/>
-                  </p:tgtEl>
-                </p:cond>
-              </p:nextCondLst>
-            </p:seq>
-          </p:childTnLst>
-        </p:cTn>
-      </p:par>
-    </p:tnLst>
-  </p:timing>
-</p:sld>
-</file>
-
-<file path=ppt/slides/slide30.xml><?xml version="1.0" encoding="utf-8"?>
+<file path=ppt/slides/slide29.xml><?xml version="1.0" encoding="utf-8"?>
 <p:sld xmlns:a="http://schemas.openxmlformats.org/drawingml/2006/main" xmlns:r="http://schemas.openxmlformats.org/officeDocument/2006/relationships" xmlns:p="http://schemas.openxmlformats.org/presentationml/2006/main">
   <p:cSld>
     <p:spTree>
@@ -35835,16 +33928,10 @@
               <a:p>
                 <a:pPr lvl="1"/>
                 <a:r>
-                  <a:rPr lang="en-US" sz="2800" dirty="0" err="1">
-                    <a:latin typeface="+mn-lt"/>
-                  </a:rPr>
-                  <a:t>dth</a:t>
-                </a:r>
-                <a:r>
                   <a:rPr lang="en-US" sz="2800" dirty="0">
                     <a:latin typeface="+mn-lt"/>
                   </a:rPr>
-                  <a:t> – degree polynomials</a:t>
+                  <a:t>2nd – degree polynomial</a:t>
                 </a:r>
                 <a:endParaRPr lang="en-US" sz="2800" b="0" i="1" dirty="0">
                   <a:latin typeface="Cambria Math" panose="02040503050406030204" pitchFamily="18" charset="0"/>
@@ -37873,7 +35960,644 @@
 </p:sld>
 </file>
 
-<file path=ppt/slides/slide31.xml><?xml version="1.0" encoding="utf-8"?>
+<file path=ppt/slides/slide3.xml><?xml version="1.0" encoding="utf-8"?>
+<p:sld xmlns:a="http://schemas.openxmlformats.org/drawingml/2006/main" xmlns:r="http://schemas.openxmlformats.org/officeDocument/2006/relationships" xmlns:p="http://schemas.openxmlformats.org/presentationml/2006/main">
+  <p:cSld>
+    <p:spTree>
+      <p:nvGrpSpPr>
+        <p:cNvPr id="1" name=""/>
+        <p:cNvGrpSpPr/>
+        <p:nvPr/>
+      </p:nvGrpSpPr>
+      <p:grpSpPr>
+        <a:xfrm>
+          <a:off x="0" y="0"/>
+          <a:ext cx="0" cy="0"/>
+          <a:chOff x="0" y="0"/>
+          <a:chExt cx="0" cy="0"/>
+        </a:xfrm>
+      </p:grpSpPr>
+      <p:sp>
+        <p:nvSpPr>
+          <p:cNvPr id="2" name="Title 1"/>
+          <p:cNvSpPr>
+            <a:spLocks noGrp="1"/>
+          </p:cNvSpPr>
+          <p:nvPr>
+            <p:ph type="title"/>
+          </p:nvPr>
+        </p:nvSpPr>
+        <p:spPr>
+          <a:xfrm>
+            <a:off x="584200" y="221992"/>
+            <a:ext cx="10515600" cy="530954"/>
+          </a:xfrm>
+        </p:spPr>
+        <p:txBody>
+          <a:bodyPr>
+            <a:normAutofit fontScale="90000"/>
+          </a:bodyPr>
+          <a:lstStyle/>
+          <a:p>
+            <a:r>
+              <a:rPr lang="en-US" dirty="0"/>
+              <a:t>Introduction to Dimensionality Reduction</a:t>
+            </a:r>
+          </a:p>
+        </p:txBody>
+      </p:sp>
+      <p:sp>
+        <p:nvSpPr>
+          <p:cNvPr id="3" name="Content Placeholder 2"/>
+          <p:cNvSpPr>
+            <a:spLocks noGrp="1"/>
+          </p:cNvSpPr>
+          <p:nvPr>
+            <p:ph sz="quarter" idx="10"/>
+          </p:nvPr>
+        </p:nvSpPr>
+        <p:spPr>
+          <a:xfrm>
+            <a:off x="333375" y="1004777"/>
+            <a:ext cx="11525250" cy="5181690"/>
+          </a:xfrm>
+        </p:spPr>
+        <p:txBody>
+          <a:bodyPr>
+            <a:normAutofit/>
+          </a:bodyPr>
+          <a:lstStyle/>
+          <a:p>
+            <a:pPr marL="0" indent="0">
+              <a:buNone/>
+            </a:pPr>
+            <a:r>
+              <a:rPr lang="en-US" dirty="0">
+                <a:latin typeface="+mn-lt"/>
+              </a:rPr>
+              <a:t>Why is dimensionality reduction possible? </a:t>
+            </a:r>
+          </a:p>
+          <a:p>
+            <a:r>
+              <a:rPr lang="en-US" dirty="0">
+                <a:latin typeface="+mn-lt"/>
+              </a:rPr>
+              <a:t>Consider the information content of each feature</a:t>
+            </a:r>
+          </a:p>
+          <a:p>
+            <a:pPr lvl="1"/>
+            <a:r>
+              <a:rPr lang="en-US" dirty="0">
+                <a:latin typeface="+mn-lt"/>
+              </a:rPr>
+              <a:t>Information of a feature is only unique if it is independent of all other features </a:t>
+            </a:r>
+          </a:p>
+          <a:p>
+            <a:pPr lvl="1"/>
+            <a:r>
+              <a:rPr lang="en-US" dirty="0">
+                <a:latin typeface="+mn-lt"/>
+              </a:rPr>
+              <a:t>Dependent features have redundant information </a:t>
+            </a:r>
+          </a:p>
+          <a:p>
+            <a:r>
+              <a:rPr lang="en-US" dirty="0">
+                <a:latin typeface="+mn-lt"/>
+              </a:rPr>
+              <a:t>Dimensionality can be reduced if features are dependent </a:t>
+            </a:r>
+          </a:p>
+          <a:p>
+            <a:pPr lvl="1"/>
+            <a:r>
+              <a:rPr lang="en-US" dirty="0">
+                <a:latin typeface="+mn-lt"/>
+              </a:rPr>
+              <a:t>Almost always the case in real-world data </a:t>
+            </a:r>
+          </a:p>
+          <a:p>
+            <a:pPr lvl="1"/>
+            <a:r>
+              <a:rPr lang="en-US" dirty="0">
+                <a:latin typeface="+mn-lt"/>
+              </a:rPr>
+              <a:t>Linear dependency </a:t>
+            </a:r>
+          </a:p>
+          <a:p>
+            <a:pPr lvl="1"/>
+            <a:r>
+              <a:rPr lang="en-US" dirty="0">
+                <a:latin typeface="+mn-lt"/>
+              </a:rPr>
+              <a:t>Nonlinear dependency </a:t>
+            </a:r>
+          </a:p>
+          <a:p>
+            <a:r>
+              <a:rPr lang="en-US" dirty="0">
+                <a:latin typeface="+mn-lt"/>
+              </a:rPr>
+              <a:t>Dependency implies effective dimensionality less than number of features</a:t>
+            </a:r>
+          </a:p>
+          <a:p>
+            <a:pPr lvl="1"/>
+            <a:endParaRPr lang="en-US" dirty="0"/>
+          </a:p>
+        </p:txBody>
+      </p:sp>
+    </p:spTree>
+    <p:extLst>
+      <p:ext uri="{BB962C8B-B14F-4D97-AF65-F5344CB8AC3E}">
+        <p14:creationId xmlns:p14="http://schemas.microsoft.com/office/powerpoint/2010/main" val="1424018027"/>
+      </p:ext>
+    </p:extLst>
+  </p:cSld>
+  <p:clrMapOvr>
+    <a:masterClrMapping/>
+  </p:clrMapOvr>
+  <p:timing>
+    <p:tnLst>
+      <p:par>
+        <p:cTn id="1" dur="indefinite" restart="never" nodeType="tmRoot">
+          <p:childTnLst>
+            <p:seq concurrent="1" nextAc="seek">
+              <p:cTn id="2" dur="indefinite" nodeType="mainSeq">
+                <p:childTnLst>
+                  <p:par>
+                    <p:cTn id="3" fill="hold">
+                      <p:stCondLst>
+                        <p:cond delay="indefinite"/>
+                      </p:stCondLst>
+                      <p:childTnLst>
+                        <p:par>
+                          <p:cTn id="4" fill="hold">
+                            <p:stCondLst>
+                              <p:cond delay="0"/>
+                            </p:stCondLst>
+                            <p:childTnLst>
+                              <p:par>
+                                <p:cTn id="5" presetID="1" presetClass="entr" presetSubtype="0" fill="hold" nodeType="clickEffect">
+                                  <p:stCondLst>
+                                    <p:cond delay="0"/>
+                                  </p:stCondLst>
+                                  <p:childTnLst>
+                                    <p:set>
+                                      <p:cBhvr>
+                                        <p:cTn id="6" dur="1" fill="hold">
+                                          <p:stCondLst>
+                                            <p:cond delay="0"/>
+                                          </p:stCondLst>
+                                        </p:cTn>
+                                        <p:tgtEl>
+                                          <p:spTgt spid="3">
+                                            <p:txEl>
+                                              <p:pRg st="0" end="0"/>
+                                            </p:txEl>
+                                          </p:spTgt>
+                                        </p:tgtEl>
+                                        <p:attrNameLst>
+                                          <p:attrName>style.visibility</p:attrName>
+                                        </p:attrNameLst>
+                                      </p:cBhvr>
+                                      <p:to>
+                                        <p:strVal val="visible"/>
+                                      </p:to>
+                                    </p:set>
+                                  </p:childTnLst>
+                                </p:cTn>
+                              </p:par>
+                            </p:childTnLst>
+                          </p:cTn>
+                        </p:par>
+                      </p:childTnLst>
+                    </p:cTn>
+                  </p:par>
+                  <p:par>
+                    <p:cTn id="7" fill="hold">
+                      <p:stCondLst>
+                        <p:cond delay="indefinite"/>
+                      </p:stCondLst>
+                      <p:childTnLst>
+                        <p:par>
+                          <p:cTn id="8" fill="hold">
+                            <p:stCondLst>
+                              <p:cond delay="0"/>
+                            </p:stCondLst>
+                            <p:childTnLst>
+                              <p:par>
+                                <p:cTn id="9" presetID="1" presetClass="entr" presetSubtype="0" fill="hold" nodeType="clickEffect">
+                                  <p:stCondLst>
+                                    <p:cond delay="0"/>
+                                  </p:stCondLst>
+                                  <p:childTnLst>
+                                    <p:set>
+                                      <p:cBhvr>
+                                        <p:cTn id="10" dur="1" fill="hold">
+                                          <p:stCondLst>
+                                            <p:cond delay="0"/>
+                                          </p:stCondLst>
+                                        </p:cTn>
+                                        <p:tgtEl>
+                                          <p:spTgt spid="3">
+                                            <p:txEl>
+                                              <p:pRg st="1" end="1"/>
+                                            </p:txEl>
+                                          </p:spTgt>
+                                        </p:tgtEl>
+                                        <p:attrNameLst>
+                                          <p:attrName>style.visibility</p:attrName>
+                                        </p:attrNameLst>
+                                      </p:cBhvr>
+                                      <p:to>
+                                        <p:strVal val="visible"/>
+                                      </p:to>
+                                    </p:set>
+                                  </p:childTnLst>
+                                </p:cTn>
+                              </p:par>
+                            </p:childTnLst>
+                          </p:cTn>
+                        </p:par>
+                      </p:childTnLst>
+                    </p:cTn>
+                  </p:par>
+                  <p:par>
+                    <p:cTn id="11" fill="hold">
+                      <p:stCondLst>
+                        <p:cond delay="indefinite"/>
+                      </p:stCondLst>
+                      <p:childTnLst>
+                        <p:par>
+                          <p:cTn id="12" fill="hold">
+                            <p:stCondLst>
+                              <p:cond delay="0"/>
+                            </p:stCondLst>
+                            <p:childTnLst>
+                              <p:par>
+                                <p:cTn id="13" presetID="1" presetClass="entr" presetSubtype="0" fill="hold" nodeType="clickEffect">
+                                  <p:stCondLst>
+                                    <p:cond delay="0"/>
+                                  </p:stCondLst>
+                                  <p:childTnLst>
+                                    <p:set>
+                                      <p:cBhvr>
+                                        <p:cTn id="14" dur="1" fill="hold">
+                                          <p:stCondLst>
+                                            <p:cond delay="0"/>
+                                          </p:stCondLst>
+                                        </p:cTn>
+                                        <p:tgtEl>
+                                          <p:spTgt spid="3">
+                                            <p:txEl>
+                                              <p:pRg st="2" end="2"/>
+                                            </p:txEl>
+                                          </p:spTgt>
+                                        </p:tgtEl>
+                                        <p:attrNameLst>
+                                          <p:attrName>style.visibility</p:attrName>
+                                        </p:attrNameLst>
+                                      </p:cBhvr>
+                                      <p:to>
+                                        <p:strVal val="visible"/>
+                                      </p:to>
+                                    </p:set>
+                                  </p:childTnLst>
+                                </p:cTn>
+                              </p:par>
+                            </p:childTnLst>
+                          </p:cTn>
+                        </p:par>
+                      </p:childTnLst>
+                    </p:cTn>
+                  </p:par>
+                  <p:par>
+                    <p:cTn id="15" fill="hold">
+                      <p:stCondLst>
+                        <p:cond delay="indefinite"/>
+                      </p:stCondLst>
+                      <p:childTnLst>
+                        <p:par>
+                          <p:cTn id="16" fill="hold">
+                            <p:stCondLst>
+                              <p:cond delay="0"/>
+                            </p:stCondLst>
+                            <p:childTnLst>
+                              <p:par>
+                                <p:cTn id="17" presetID="1" presetClass="entr" presetSubtype="0" fill="hold" nodeType="clickEffect">
+                                  <p:stCondLst>
+                                    <p:cond delay="0"/>
+                                  </p:stCondLst>
+                                  <p:childTnLst>
+                                    <p:set>
+                                      <p:cBhvr>
+                                        <p:cTn id="18" dur="1" fill="hold">
+                                          <p:stCondLst>
+                                            <p:cond delay="0"/>
+                                          </p:stCondLst>
+                                        </p:cTn>
+                                        <p:tgtEl>
+                                          <p:spTgt spid="3">
+                                            <p:txEl>
+                                              <p:pRg st="3" end="3"/>
+                                            </p:txEl>
+                                          </p:spTgt>
+                                        </p:tgtEl>
+                                        <p:attrNameLst>
+                                          <p:attrName>style.visibility</p:attrName>
+                                        </p:attrNameLst>
+                                      </p:cBhvr>
+                                      <p:to>
+                                        <p:strVal val="visible"/>
+                                      </p:to>
+                                    </p:set>
+                                  </p:childTnLst>
+                                </p:cTn>
+                              </p:par>
+                            </p:childTnLst>
+                          </p:cTn>
+                        </p:par>
+                      </p:childTnLst>
+                    </p:cTn>
+                  </p:par>
+                  <p:par>
+                    <p:cTn id="19" fill="hold">
+                      <p:stCondLst>
+                        <p:cond delay="indefinite"/>
+                      </p:stCondLst>
+                      <p:childTnLst>
+                        <p:par>
+                          <p:cTn id="20" fill="hold">
+                            <p:stCondLst>
+                              <p:cond delay="0"/>
+                            </p:stCondLst>
+                            <p:childTnLst>
+                              <p:par>
+                                <p:cTn id="21" presetID="1" presetClass="entr" presetSubtype="0" fill="hold" nodeType="clickEffect">
+                                  <p:stCondLst>
+                                    <p:cond delay="0"/>
+                                  </p:stCondLst>
+                                  <p:childTnLst>
+                                    <p:set>
+                                      <p:cBhvr>
+                                        <p:cTn id="22" dur="1" fill="hold">
+                                          <p:stCondLst>
+                                            <p:cond delay="0"/>
+                                          </p:stCondLst>
+                                        </p:cTn>
+                                        <p:tgtEl>
+                                          <p:spTgt spid="3">
+                                            <p:txEl>
+                                              <p:pRg st="4" end="4"/>
+                                            </p:txEl>
+                                          </p:spTgt>
+                                        </p:tgtEl>
+                                        <p:attrNameLst>
+                                          <p:attrName>style.visibility</p:attrName>
+                                        </p:attrNameLst>
+                                      </p:cBhvr>
+                                      <p:to>
+                                        <p:strVal val="visible"/>
+                                      </p:to>
+                                    </p:set>
+                                  </p:childTnLst>
+                                </p:cTn>
+                              </p:par>
+                            </p:childTnLst>
+                          </p:cTn>
+                        </p:par>
+                      </p:childTnLst>
+                    </p:cTn>
+                  </p:par>
+                  <p:par>
+                    <p:cTn id="23" fill="hold">
+                      <p:stCondLst>
+                        <p:cond delay="indefinite"/>
+                      </p:stCondLst>
+                      <p:childTnLst>
+                        <p:par>
+                          <p:cTn id="24" fill="hold">
+                            <p:stCondLst>
+                              <p:cond delay="0"/>
+                            </p:stCondLst>
+                            <p:childTnLst>
+                              <p:par>
+                                <p:cTn id="25" presetID="1" presetClass="entr" presetSubtype="0" fill="hold" nodeType="clickEffect">
+                                  <p:stCondLst>
+                                    <p:cond delay="0"/>
+                                  </p:stCondLst>
+                                  <p:childTnLst>
+                                    <p:set>
+                                      <p:cBhvr>
+                                        <p:cTn id="26" dur="1" fill="hold">
+                                          <p:stCondLst>
+                                            <p:cond delay="0"/>
+                                          </p:stCondLst>
+                                        </p:cTn>
+                                        <p:tgtEl>
+                                          <p:spTgt spid="3">
+                                            <p:txEl>
+                                              <p:pRg st="5" end="5"/>
+                                            </p:txEl>
+                                          </p:spTgt>
+                                        </p:tgtEl>
+                                        <p:attrNameLst>
+                                          <p:attrName>style.visibility</p:attrName>
+                                        </p:attrNameLst>
+                                      </p:cBhvr>
+                                      <p:to>
+                                        <p:strVal val="visible"/>
+                                      </p:to>
+                                    </p:set>
+                                  </p:childTnLst>
+                                </p:cTn>
+                              </p:par>
+                            </p:childTnLst>
+                          </p:cTn>
+                        </p:par>
+                      </p:childTnLst>
+                    </p:cTn>
+                  </p:par>
+                  <p:par>
+                    <p:cTn id="27" fill="hold">
+                      <p:stCondLst>
+                        <p:cond delay="indefinite"/>
+                      </p:stCondLst>
+                      <p:childTnLst>
+                        <p:par>
+                          <p:cTn id="28" fill="hold">
+                            <p:stCondLst>
+                              <p:cond delay="0"/>
+                            </p:stCondLst>
+                            <p:childTnLst>
+                              <p:par>
+                                <p:cTn id="29" presetID="1" presetClass="entr" presetSubtype="0" fill="hold" nodeType="clickEffect">
+                                  <p:stCondLst>
+                                    <p:cond delay="0"/>
+                                  </p:stCondLst>
+                                  <p:childTnLst>
+                                    <p:set>
+                                      <p:cBhvr>
+                                        <p:cTn id="30" dur="1" fill="hold">
+                                          <p:stCondLst>
+                                            <p:cond delay="0"/>
+                                          </p:stCondLst>
+                                        </p:cTn>
+                                        <p:tgtEl>
+                                          <p:spTgt spid="3">
+                                            <p:txEl>
+                                              <p:pRg st="6" end="6"/>
+                                            </p:txEl>
+                                          </p:spTgt>
+                                        </p:tgtEl>
+                                        <p:attrNameLst>
+                                          <p:attrName>style.visibility</p:attrName>
+                                        </p:attrNameLst>
+                                      </p:cBhvr>
+                                      <p:to>
+                                        <p:strVal val="visible"/>
+                                      </p:to>
+                                    </p:set>
+                                  </p:childTnLst>
+                                </p:cTn>
+                              </p:par>
+                            </p:childTnLst>
+                          </p:cTn>
+                        </p:par>
+                      </p:childTnLst>
+                    </p:cTn>
+                  </p:par>
+                  <p:par>
+                    <p:cTn id="31" fill="hold">
+                      <p:stCondLst>
+                        <p:cond delay="indefinite"/>
+                      </p:stCondLst>
+                      <p:childTnLst>
+                        <p:par>
+                          <p:cTn id="32" fill="hold">
+                            <p:stCondLst>
+                              <p:cond delay="0"/>
+                            </p:stCondLst>
+                            <p:childTnLst>
+                              <p:par>
+                                <p:cTn id="33" presetID="1" presetClass="entr" presetSubtype="0" fill="hold" nodeType="clickEffect">
+                                  <p:stCondLst>
+                                    <p:cond delay="0"/>
+                                  </p:stCondLst>
+                                  <p:childTnLst>
+                                    <p:set>
+                                      <p:cBhvr>
+                                        <p:cTn id="34" dur="1" fill="hold">
+                                          <p:stCondLst>
+                                            <p:cond delay="0"/>
+                                          </p:stCondLst>
+                                        </p:cTn>
+                                        <p:tgtEl>
+                                          <p:spTgt spid="3">
+                                            <p:txEl>
+                                              <p:pRg st="7" end="7"/>
+                                            </p:txEl>
+                                          </p:spTgt>
+                                        </p:tgtEl>
+                                        <p:attrNameLst>
+                                          <p:attrName>style.visibility</p:attrName>
+                                        </p:attrNameLst>
+                                      </p:cBhvr>
+                                      <p:to>
+                                        <p:strVal val="visible"/>
+                                      </p:to>
+                                    </p:set>
+                                  </p:childTnLst>
+                                </p:cTn>
+                              </p:par>
+                            </p:childTnLst>
+                          </p:cTn>
+                        </p:par>
+                      </p:childTnLst>
+                    </p:cTn>
+                  </p:par>
+                  <p:par>
+                    <p:cTn id="35" fill="hold">
+                      <p:stCondLst>
+                        <p:cond delay="indefinite"/>
+                      </p:stCondLst>
+                      <p:childTnLst>
+                        <p:par>
+                          <p:cTn id="36" fill="hold">
+                            <p:stCondLst>
+                              <p:cond delay="0"/>
+                            </p:stCondLst>
+                            <p:childTnLst>
+                              <p:par>
+                                <p:cTn id="37" presetID="1" presetClass="entr" presetSubtype="0" fill="hold" nodeType="clickEffect">
+                                  <p:stCondLst>
+                                    <p:cond delay="0"/>
+                                  </p:stCondLst>
+                                  <p:childTnLst>
+                                    <p:set>
+                                      <p:cBhvr>
+                                        <p:cTn id="38" dur="1" fill="hold">
+                                          <p:stCondLst>
+                                            <p:cond delay="0"/>
+                                          </p:stCondLst>
+                                        </p:cTn>
+                                        <p:tgtEl>
+                                          <p:spTgt spid="3">
+                                            <p:txEl>
+                                              <p:pRg st="8" end="8"/>
+                                            </p:txEl>
+                                          </p:spTgt>
+                                        </p:tgtEl>
+                                        <p:attrNameLst>
+                                          <p:attrName>style.visibility</p:attrName>
+                                        </p:attrNameLst>
+                                      </p:cBhvr>
+                                      <p:to>
+                                        <p:strVal val="visible"/>
+                                      </p:to>
+                                    </p:set>
+                                  </p:childTnLst>
+                                </p:cTn>
+                              </p:par>
+                            </p:childTnLst>
+                          </p:cTn>
+                        </p:par>
+                      </p:childTnLst>
+                    </p:cTn>
+                  </p:par>
+                </p:childTnLst>
+              </p:cTn>
+              <p:prevCondLst>
+                <p:cond evt="onPrev" delay="0">
+                  <p:tgtEl>
+                    <p:sldTgt/>
+                  </p:tgtEl>
+                </p:cond>
+              </p:prevCondLst>
+              <p:nextCondLst>
+                <p:cond evt="onNext" delay="0">
+                  <p:tgtEl>
+                    <p:sldTgt/>
+                  </p:tgtEl>
+                </p:cond>
+              </p:nextCondLst>
+            </p:seq>
+          </p:childTnLst>
+        </p:cTn>
+      </p:par>
+    </p:tnLst>
+  </p:timing>
+</p:sld>
+</file>
+
+<file path=ppt/slides/slide30.xml><?xml version="1.0" encoding="utf-8"?>
 <p:sld xmlns:a="http://schemas.openxmlformats.org/drawingml/2006/main" xmlns:r="http://schemas.openxmlformats.org/officeDocument/2006/relationships" xmlns:p="http://schemas.openxmlformats.org/presentationml/2006/main">
   <p:cSld>
     <p:spTree>
@@ -38713,7 +37437,7 @@
 </p:sld>
 </file>
 
-<file path=ppt/slides/slide32.xml><?xml version="1.0" encoding="utf-8"?>
+<file path=ppt/slides/slide31.xml><?xml version="1.0" encoding="utf-8"?>
 <p:sld xmlns:a="http://schemas.openxmlformats.org/drawingml/2006/main" xmlns:r="http://schemas.openxmlformats.org/officeDocument/2006/relationships" xmlns:p="http://schemas.openxmlformats.org/presentationml/2006/main">
   <p:cSld>
     <p:spTree>
@@ -39281,643 +38005,6 @@
         </p:nvSpPr>
         <p:spPr>
           <a:xfrm>
-            <a:off x="333375" y="956929"/>
-            <a:ext cx="11525250" cy="5229537"/>
-          </a:xfrm>
-        </p:spPr>
-        <p:txBody>
-          <a:bodyPr>
-            <a:normAutofit/>
-          </a:bodyPr>
-          <a:lstStyle/>
-          <a:p>
-            <a:pPr marL="0" indent="0">
-              <a:buNone/>
-            </a:pPr>
-            <a:r>
-              <a:rPr lang="en-US" dirty="0">
-                <a:latin typeface="+mn-lt"/>
-              </a:rPr>
-              <a:t>Why is dimensionality reduction possible? </a:t>
-            </a:r>
-          </a:p>
-          <a:p>
-            <a:r>
-              <a:rPr lang="en-US" dirty="0">
-                <a:latin typeface="+mn-lt"/>
-              </a:rPr>
-              <a:t>Consider the information content of each feature</a:t>
-            </a:r>
-          </a:p>
-          <a:p>
-            <a:pPr lvl="1"/>
-            <a:r>
-              <a:rPr lang="en-US" dirty="0">
-                <a:latin typeface="+mn-lt"/>
-              </a:rPr>
-              <a:t>Information of a feature is only unique if it is independent of all other features </a:t>
-            </a:r>
-          </a:p>
-          <a:p>
-            <a:pPr lvl="1"/>
-            <a:r>
-              <a:rPr lang="en-US" dirty="0">
-                <a:latin typeface="+mn-lt"/>
-              </a:rPr>
-              <a:t>Dependent features have redundant information </a:t>
-            </a:r>
-          </a:p>
-          <a:p>
-            <a:r>
-              <a:rPr lang="en-US" dirty="0">
-                <a:latin typeface="+mn-lt"/>
-              </a:rPr>
-              <a:t>Dimensionality can be reduced if features are dependent </a:t>
-            </a:r>
-          </a:p>
-          <a:p>
-            <a:pPr lvl="1"/>
-            <a:r>
-              <a:rPr lang="en-US" dirty="0">
-                <a:latin typeface="+mn-lt"/>
-              </a:rPr>
-              <a:t>Almost always the case in real-world data </a:t>
-            </a:r>
-          </a:p>
-          <a:p>
-            <a:pPr lvl="1"/>
-            <a:r>
-              <a:rPr lang="en-US" dirty="0">
-                <a:latin typeface="+mn-lt"/>
-              </a:rPr>
-              <a:t>Linear dependency </a:t>
-            </a:r>
-          </a:p>
-          <a:p>
-            <a:pPr lvl="1"/>
-            <a:r>
-              <a:rPr lang="en-US" dirty="0">
-                <a:latin typeface="+mn-lt"/>
-              </a:rPr>
-              <a:t>Nonlinear dependency </a:t>
-            </a:r>
-          </a:p>
-          <a:p>
-            <a:r>
-              <a:rPr lang="en-US" dirty="0">
-                <a:latin typeface="+mn-lt"/>
-              </a:rPr>
-              <a:t>Dependency implies effective dimensionality less than number of features</a:t>
-            </a:r>
-          </a:p>
-          <a:p>
-            <a:pPr lvl="1"/>
-            <a:endParaRPr lang="en-US" dirty="0"/>
-          </a:p>
-        </p:txBody>
-      </p:sp>
-    </p:spTree>
-    <p:extLst>
-      <p:ext uri="{BB962C8B-B14F-4D97-AF65-F5344CB8AC3E}">
-        <p14:creationId xmlns:p14="http://schemas.microsoft.com/office/powerpoint/2010/main" val="3333407564"/>
-      </p:ext>
-    </p:extLst>
-  </p:cSld>
-  <p:clrMapOvr>
-    <a:masterClrMapping/>
-  </p:clrMapOvr>
-  <p:timing>
-    <p:tnLst>
-      <p:par>
-        <p:cTn id="1" dur="indefinite" restart="never" nodeType="tmRoot">
-          <p:childTnLst>
-            <p:seq concurrent="1" nextAc="seek">
-              <p:cTn id="2" dur="indefinite" nodeType="mainSeq">
-                <p:childTnLst>
-                  <p:par>
-                    <p:cTn id="3" fill="hold">
-                      <p:stCondLst>
-                        <p:cond delay="indefinite"/>
-                      </p:stCondLst>
-                      <p:childTnLst>
-                        <p:par>
-                          <p:cTn id="4" fill="hold">
-                            <p:stCondLst>
-                              <p:cond delay="0"/>
-                            </p:stCondLst>
-                            <p:childTnLst>
-                              <p:par>
-                                <p:cTn id="5" presetID="1" presetClass="entr" presetSubtype="0" fill="hold" nodeType="clickEffect">
-                                  <p:stCondLst>
-                                    <p:cond delay="0"/>
-                                  </p:stCondLst>
-                                  <p:childTnLst>
-                                    <p:set>
-                                      <p:cBhvr>
-                                        <p:cTn id="6" dur="1" fill="hold">
-                                          <p:stCondLst>
-                                            <p:cond delay="0"/>
-                                          </p:stCondLst>
-                                        </p:cTn>
-                                        <p:tgtEl>
-                                          <p:spTgt spid="3">
-                                            <p:txEl>
-                                              <p:pRg st="0" end="0"/>
-                                            </p:txEl>
-                                          </p:spTgt>
-                                        </p:tgtEl>
-                                        <p:attrNameLst>
-                                          <p:attrName>style.visibility</p:attrName>
-                                        </p:attrNameLst>
-                                      </p:cBhvr>
-                                      <p:to>
-                                        <p:strVal val="visible"/>
-                                      </p:to>
-                                    </p:set>
-                                  </p:childTnLst>
-                                </p:cTn>
-                              </p:par>
-                            </p:childTnLst>
-                          </p:cTn>
-                        </p:par>
-                      </p:childTnLst>
-                    </p:cTn>
-                  </p:par>
-                  <p:par>
-                    <p:cTn id="7" fill="hold">
-                      <p:stCondLst>
-                        <p:cond delay="indefinite"/>
-                      </p:stCondLst>
-                      <p:childTnLst>
-                        <p:par>
-                          <p:cTn id="8" fill="hold">
-                            <p:stCondLst>
-                              <p:cond delay="0"/>
-                            </p:stCondLst>
-                            <p:childTnLst>
-                              <p:par>
-                                <p:cTn id="9" presetID="1" presetClass="entr" presetSubtype="0" fill="hold" nodeType="clickEffect">
-                                  <p:stCondLst>
-                                    <p:cond delay="0"/>
-                                  </p:stCondLst>
-                                  <p:childTnLst>
-                                    <p:set>
-                                      <p:cBhvr>
-                                        <p:cTn id="10" dur="1" fill="hold">
-                                          <p:stCondLst>
-                                            <p:cond delay="0"/>
-                                          </p:stCondLst>
-                                        </p:cTn>
-                                        <p:tgtEl>
-                                          <p:spTgt spid="3">
-                                            <p:txEl>
-                                              <p:pRg st="1" end="1"/>
-                                            </p:txEl>
-                                          </p:spTgt>
-                                        </p:tgtEl>
-                                        <p:attrNameLst>
-                                          <p:attrName>style.visibility</p:attrName>
-                                        </p:attrNameLst>
-                                      </p:cBhvr>
-                                      <p:to>
-                                        <p:strVal val="visible"/>
-                                      </p:to>
-                                    </p:set>
-                                  </p:childTnLst>
-                                </p:cTn>
-                              </p:par>
-                            </p:childTnLst>
-                          </p:cTn>
-                        </p:par>
-                      </p:childTnLst>
-                    </p:cTn>
-                  </p:par>
-                  <p:par>
-                    <p:cTn id="11" fill="hold">
-                      <p:stCondLst>
-                        <p:cond delay="indefinite"/>
-                      </p:stCondLst>
-                      <p:childTnLst>
-                        <p:par>
-                          <p:cTn id="12" fill="hold">
-                            <p:stCondLst>
-                              <p:cond delay="0"/>
-                            </p:stCondLst>
-                            <p:childTnLst>
-                              <p:par>
-                                <p:cTn id="13" presetID="1" presetClass="entr" presetSubtype="0" fill="hold" nodeType="clickEffect">
-                                  <p:stCondLst>
-                                    <p:cond delay="0"/>
-                                  </p:stCondLst>
-                                  <p:childTnLst>
-                                    <p:set>
-                                      <p:cBhvr>
-                                        <p:cTn id="14" dur="1" fill="hold">
-                                          <p:stCondLst>
-                                            <p:cond delay="0"/>
-                                          </p:stCondLst>
-                                        </p:cTn>
-                                        <p:tgtEl>
-                                          <p:spTgt spid="3">
-                                            <p:txEl>
-                                              <p:pRg st="2" end="2"/>
-                                            </p:txEl>
-                                          </p:spTgt>
-                                        </p:tgtEl>
-                                        <p:attrNameLst>
-                                          <p:attrName>style.visibility</p:attrName>
-                                        </p:attrNameLst>
-                                      </p:cBhvr>
-                                      <p:to>
-                                        <p:strVal val="visible"/>
-                                      </p:to>
-                                    </p:set>
-                                  </p:childTnLst>
-                                </p:cTn>
-                              </p:par>
-                            </p:childTnLst>
-                          </p:cTn>
-                        </p:par>
-                      </p:childTnLst>
-                    </p:cTn>
-                  </p:par>
-                  <p:par>
-                    <p:cTn id="15" fill="hold">
-                      <p:stCondLst>
-                        <p:cond delay="indefinite"/>
-                      </p:stCondLst>
-                      <p:childTnLst>
-                        <p:par>
-                          <p:cTn id="16" fill="hold">
-                            <p:stCondLst>
-                              <p:cond delay="0"/>
-                            </p:stCondLst>
-                            <p:childTnLst>
-                              <p:par>
-                                <p:cTn id="17" presetID="1" presetClass="entr" presetSubtype="0" fill="hold" nodeType="clickEffect">
-                                  <p:stCondLst>
-                                    <p:cond delay="0"/>
-                                  </p:stCondLst>
-                                  <p:childTnLst>
-                                    <p:set>
-                                      <p:cBhvr>
-                                        <p:cTn id="18" dur="1" fill="hold">
-                                          <p:stCondLst>
-                                            <p:cond delay="0"/>
-                                          </p:stCondLst>
-                                        </p:cTn>
-                                        <p:tgtEl>
-                                          <p:spTgt spid="3">
-                                            <p:txEl>
-                                              <p:pRg st="3" end="3"/>
-                                            </p:txEl>
-                                          </p:spTgt>
-                                        </p:tgtEl>
-                                        <p:attrNameLst>
-                                          <p:attrName>style.visibility</p:attrName>
-                                        </p:attrNameLst>
-                                      </p:cBhvr>
-                                      <p:to>
-                                        <p:strVal val="visible"/>
-                                      </p:to>
-                                    </p:set>
-                                  </p:childTnLst>
-                                </p:cTn>
-                              </p:par>
-                            </p:childTnLst>
-                          </p:cTn>
-                        </p:par>
-                      </p:childTnLst>
-                    </p:cTn>
-                  </p:par>
-                  <p:par>
-                    <p:cTn id="19" fill="hold">
-                      <p:stCondLst>
-                        <p:cond delay="indefinite"/>
-                      </p:stCondLst>
-                      <p:childTnLst>
-                        <p:par>
-                          <p:cTn id="20" fill="hold">
-                            <p:stCondLst>
-                              <p:cond delay="0"/>
-                            </p:stCondLst>
-                            <p:childTnLst>
-                              <p:par>
-                                <p:cTn id="21" presetID="1" presetClass="entr" presetSubtype="0" fill="hold" nodeType="clickEffect">
-                                  <p:stCondLst>
-                                    <p:cond delay="0"/>
-                                  </p:stCondLst>
-                                  <p:childTnLst>
-                                    <p:set>
-                                      <p:cBhvr>
-                                        <p:cTn id="22" dur="1" fill="hold">
-                                          <p:stCondLst>
-                                            <p:cond delay="0"/>
-                                          </p:stCondLst>
-                                        </p:cTn>
-                                        <p:tgtEl>
-                                          <p:spTgt spid="3">
-                                            <p:txEl>
-                                              <p:pRg st="4" end="4"/>
-                                            </p:txEl>
-                                          </p:spTgt>
-                                        </p:tgtEl>
-                                        <p:attrNameLst>
-                                          <p:attrName>style.visibility</p:attrName>
-                                        </p:attrNameLst>
-                                      </p:cBhvr>
-                                      <p:to>
-                                        <p:strVal val="visible"/>
-                                      </p:to>
-                                    </p:set>
-                                  </p:childTnLst>
-                                </p:cTn>
-                              </p:par>
-                            </p:childTnLst>
-                          </p:cTn>
-                        </p:par>
-                      </p:childTnLst>
-                    </p:cTn>
-                  </p:par>
-                  <p:par>
-                    <p:cTn id="23" fill="hold">
-                      <p:stCondLst>
-                        <p:cond delay="indefinite"/>
-                      </p:stCondLst>
-                      <p:childTnLst>
-                        <p:par>
-                          <p:cTn id="24" fill="hold">
-                            <p:stCondLst>
-                              <p:cond delay="0"/>
-                            </p:stCondLst>
-                            <p:childTnLst>
-                              <p:par>
-                                <p:cTn id="25" presetID="1" presetClass="entr" presetSubtype="0" fill="hold" nodeType="clickEffect">
-                                  <p:stCondLst>
-                                    <p:cond delay="0"/>
-                                  </p:stCondLst>
-                                  <p:childTnLst>
-                                    <p:set>
-                                      <p:cBhvr>
-                                        <p:cTn id="26" dur="1" fill="hold">
-                                          <p:stCondLst>
-                                            <p:cond delay="0"/>
-                                          </p:stCondLst>
-                                        </p:cTn>
-                                        <p:tgtEl>
-                                          <p:spTgt spid="3">
-                                            <p:txEl>
-                                              <p:pRg st="5" end="5"/>
-                                            </p:txEl>
-                                          </p:spTgt>
-                                        </p:tgtEl>
-                                        <p:attrNameLst>
-                                          <p:attrName>style.visibility</p:attrName>
-                                        </p:attrNameLst>
-                                      </p:cBhvr>
-                                      <p:to>
-                                        <p:strVal val="visible"/>
-                                      </p:to>
-                                    </p:set>
-                                  </p:childTnLst>
-                                </p:cTn>
-                              </p:par>
-                            </p:childTnLst>
-                          </p:cTn>
-                        </p:par>
-                      </p:childTnLst>
-                    </p:cTn>
-                  </p:par>
-                  <p:par>
-                    <p:cTn id="27" fill="hold">
-                      <p:stCondLst>
-                        <p:cond delay="indefinite"/>
-                      </p:stCondLst>
-                      <p:childTnLst>
-                        <p:par>
-                          <p:cTn id="28" fill="hold">
-                            <p:stCondLst>
-                              <p:cond delay="0"/>
-                            </p:stCondLst>
-                            <p:childTnLst>
-                              <p:par>
-                                <p:cTn id="29" presetID="1" presetClass="entr" presetSubtype="0" fill="hold" nodeType="clickEffect">
-                                  <p:stCondLst>
-                                    <p:cond delay="0"/>
-                                  </p:stCondLst>
-                                  <p:childTnLst>
-                                    <p:set>
-                                      <p:cBhvr>
-                                        <p:cTn id="30" dur="1" fill="hold">
-                                          <p:stCondLst>
-                                            <p:cond delay="0"/>
-                                          </p:stCondLst>
-                                        </p:cTn>
-                                        <p:tgtEl>
-                                          <p:spTgt spid="3">
-                                            <p:txEl>
-                                              <p:pRg st="6" end="6"/>
-                                            </p:txEl>
-                                          </p:spTgt>
-                                        </p:tgtEl>
-                                        <p:attrNameLst>
-                                          <p:attrName>style.visibility</p:attrName>
-                                        </p:attrNameLst>
-                                      </p:cBhvr>
-                                      <p:to>
-                                        <p:strVal val="visible"/>
-                                      </p:to>
-                                    </p:set>
-                                  </p:childTnLst>
-                                </p:cTn>
-                              </p:par>
-                            </p:childTnLst>
-                          </p:cTn>
-                        </p:par>
-                      </p:childTnLst>
-                    </p:cTn>
-                  </p:par>
-                  <p:par>
-                    <p:cTn id="31" fill="hold">
-                      <p:stCondLst>
-                        <p:cond delay="indefinite"/>
-                      </p:stCondLst>
-                      <p:childTnLst>
-                        <p:par>
-                          <p:cTn id="32" fill="hold">
-                            <p:stCondLst>
-                              <p:cond delay="0"/>
-                            </p:stCondLst>
-                            <p:childTnLst>
-                              <p:par>
-                                <p:cTn id="33" presetID="1" presetClass="entr" presetSubtype="0" fill="hold" nodeType="clickEffect">
-                                  <p:stCondLst>
-                                    <p:cond delay="0"/>
-                                  </p:stCondLst>
-                                  <p:childTnLst>
-                                    <p:set>
-                                      <p:cBhvr>
-                                        <p:cTn id="34" dur="1" fill="hold">
-                                          <p:stCondLst>
-                                            <p:cond delay="0"/>
-                                          </p:stCondLst>
-                                        </p:cTn>
-                                        <p:tgtEl>
-                                          <p:spTgt spid="3">
-                                            <p:txEl>
-                                              <p:pRg st="7" end="7"/>
-                                            </p:txEl>
-                                          </p:spTgt>
-                                        </p:tgtEl>
-                                        <p:attrNameLst>
-                                          <p:attrName>style.visibility</p:attrName>
-                                        </p:attrNameLst>
-                                      </p:cBhvr>
-                                      <p:to>
-                                        <p:strVal val="visible"/>
-                                      </p:to>
-                                    </p:set>
-                                  </p:childTnLst>
-                                </p:cTn>
-                              </p:par>
-                            </p:childTnLst>
-                          </p:cTn>
-                        </p:par>
-                      </p:childTnLst>
-                    </p:cTn>
-                  </p:par>
-                  <p:par>
-                    <p:cTn id="35" fill="hold">
-                      <p:stCondLst>
-                        <p:cond delay="indefinite"/>
-                      </p:stCondLst>
-                      <p:childTnLst>
-                        <p:par>
-                          <p:cTn id="36" fill="hold">
-                            <p:stCondLst>
-                              <p:cond delay="0"/>
-                            </p:stCondLst>
-                            <p:childTnLst>
-                              <p:par>
-                                <p:cTn id="37" presetID="1" presetClass="entr" presetSubtype="0" fill="hold" nodeType="clickEffect">
-                                  <p:stCondLst>
-                                    <p:cond delay="0"/>
-                                  </p:stCondLst>
-                                  <p:childTnLst>
-                                    <p:set>
-                                      <p:cBhvr>
-                                        <p:cTn id="38" dur="1" fill="hold">
-                                          <p:stCondLst>
-                                            <p:cond delay="0"/>
-                                          </p:stCondLst>
-                                        </p:cTn>
-                                        <p:tgtEl>
-                                          <p:spTgt spid="3">
-                                            <p:txEl>
-                                              <p:pRg st="8" end="8"/>
-                                            </p:txEl>
-                                          </p:spTgt>
-                                        </p:tgtEl>
-                                        <p:attrNameLst>
-                                          <p:attrName>style.visibility</p:attrName>
-                                        </p:attrNameLst>
-                                      </p:cBhvr>
-                                      <p:to>
-                                        <p:strVal val="visible"/>
-                                      </p:to>
-                                    </p:set>
-                                  </p:childTnLst>
-                                </p:cTn>
-                              </p:par>
-                            </p:childTnLst>
-                          </p:cTn>
-                        </p:par>
-                      </p:childTnLst>
-                    </p:cTn>
-                  </p:par>
-                </p:childTnLst>
-              </p:cTn>
-              <p:prevCondLst>
-                <p:cond evt="onPrev" delay="0">
-                  <p:tgtEl>
-                    <p:sldTgt/>
-                  </p:tgtEl>
-                </p:cond>
-              </p:prevCondLst>
-              <p:nextCondLst>
-                <p:cond evt="onNext" delay="0">
-                  <p:tgtEl>
-                    <p:sldTgt/>
-                  </p:tgtEl>
-                </p:cond>
-              </p:nextCondLst>
-            </p:seq>
-          </p:childTnLst>
-        </p:cTn>
-      </p:par>
-    </p:tnLst>
-  </p:timing>
-</p:sld>
-</file>
-
-<file path=ppt/slides/slide5.xml><?xml version="1.0" encoding="utf-8"?>
-<p:sld xmlns:a="http://schemas.openxmlformats.org/drawingml/2006/main" xmlns:r="http://schemas.openxmlformats.org/officeDocument/2006/relationships" xmlns:p="http://schemas.openxmlformats.org/presentationml/2006/main">
-  <p:cSld>
-    <p:spTree>
-      <p:nvGrpSpPr>
-        <p:cNvPr id="1" name=""/>
-        <p:cNvGrpSpPr/>
-        <p:nvPr/>
-      </p:nvGrpSpPr>
-      <p:grpSpPr>
-        <a:xfrm>
-          <a:off x="0" y="0"/>
-          <a:ext cx="0" cy="0"/>
-          <a:chOff x="0" y="0"/>
-          <a:chExt cx="0" cy="0"/>
-        </a:xfrm>
-      </p:grpSpPr>
-      <p:sp>
-        <p:nvSpPr>
-          <p:cNvPr id="2" name="Title 1"/>
-          <p:cNvSpPr>
-            <a:spLocks noGrp="1"/>
-          </p:cNvSpPr>
-          <p:nvPr>
-            <p:ph type="title"/>
-          </p:nvPr>
-        </p:nvSpPr>
-        <p:spPr>
-          <a:xfrm>
-            <a:off x="584200" y="221992"/>
-            <a:ext cx="10515600" cy="530954"/>
-          </a:xfrm>
-        </p:spPr>
-        <p:txBody>
-          <a:bodyPr>
-            <a:normAutofit fontScale="90000"/>
-          </a:bodyPr>
-          <a:lstStyle/>
-          <a:p>
-            <a:r>
-              <a:rPr lang="en-US" dirty="0"/>
-              <a:t>Introduction to Dimensionality Reduction</a:t>
-            </a:r>
-          </a:p>
-        </p:txBody>
-      </p:sp>
-      <p:sp>
-        <p:nvSpPr>
-          <p:cNvPr id="3" name="Content Placeholder 2"/>
-          <p:cNvSpPr>
-            <a:spLocks noGrp="1"/>
-          </p:cNvSpPr>
-          <p:nvPr>
-            <p:ph sz="quarter" idx="10"/>
-          </p:nvPr>
-        </p:nvSpPr>
-        <p:spPr>
-          <a:xfrm>
             <a:off x="333375" y="882502"/>
             <a:ext cx="11525250" cy="5715000"/>
           </a:xfrm>
@@ -39979,6 +38066,16 @@
               </a:rPr>
               <a:t>Nonnegative matrix factorization – used for recommenders </a:t>
             </a:r>
+            <a:endParaRPr lang="en-US" dirty="0"/>
+          </a:p>
+          <a:p>
+            <a:pPr lvl="1"/>
+            <a:r>
+              <a:rPr lang="en-US" dirty="0">
+                <a:latin typeface="+mn-lt"/>
+              </a:rPr>
+              <a:t>Independent component analysis (ICA) – beyond our scope</a:t>
+            </a:r>
           </a:p>
           <a:p>
             <a:pPr lvl="1"/>
@@ -40013,15 +38110,6 @@
                 <a:latin typeface="+mn-lt"/>
               </a:rPr>
               <a:t>Spectral (manifold) embedding </a:t>
-            </a:r>
-          </a:p>
-          <a:p>
-            <a:pPr lvl="1"/>
-            <a:r>
-              <a:rPr lang="en-US" dirty="0">
-                <a:latin typeface="+mn-lt"/>
-              </a:rPr>
-              <a:t>Independent component analysis (ICA) – beyond our scope</a:t>
             </a:r>
           </a:p>
           <a:p>
@@ -40670,7 +38758,7 @@
 </p:sld>
 </file>
 
-<file path=ppt/slides/slide6.xml><?xml version="1.0" encoding="utf-8"?>
+<file path=ppt/slides/slide5.xml><?xml version="1.0" encoding="utf-8"?>
 <p:sld xmlns:a="http://schemas.openxmlformats.org/drawingml/2006/main" xmlns:r="http://schemas.openxmlformats.org/officeDocument/2006/relationships" xmlns:p="http://schemas.openxmlformats.org/presentationml/2006/main">
   <p:cSld>
     <p:spTree>
@@ -40770,15 +38858,6 @@
                 <a:latin typeface="+mn-lt"/>
               </a:rPr>
               <a:t>Compute a linear transformation to an orthogonal space </a:t>
-            </a:r>
-          </a:p>
-          <a:p>
-            <a:pPr lvl="1"/>
-            <a:r>
-              <a:rPr lang="en-US" dirty="0">
-                <a:latin typeface="+mn-lt"/>
-              </a:rPr>
-              <a:t>Choose space that maximizes variance along each axis</a:t>
             </a:r>
           </a:p>
           <a:p>
@@ -41141,55 +39220,6 @@
                       </p:childTnLst>
                     </p:cTn>
                   </p:par>
-                  <p:par>
-                    <p:cTn id="27" fill="hold">
-                      <p:stCondLst>
-                        <p:cond delay="indefinite"/>
-                      </p:stCondLst>
-                      <p:childTnLst>
-                        <p:par>
-                          <p:cTn id="28" fill="hold">
-                            <p:stCondLst>
-                              <p:cond delay="0"/>
-                            </p:stCondLst>
-                            <p:childTnLst>
-                              <p:par>
-                                <p:cTn id="29" presetID="1" presetClass="entr" presetSubtype="0" fill="hold" nodeType="clickEffect">
-                                  <p:stCondLst>
-                                    <p:cond delay="0"/>
-                                  </p:stCondLst>
-                                  <p:childTnLst>
-                                    <p:set>
-                                      <p:cBhvr>
-                                        <p:cTn id="30" dur="1" fill="hold">
-                                          <p:stCondLst>
-                                            <p:cond delay="0"/>
-                                          </p:stCondLst>
-                                        </p:cTn>
-                                        <p:tgtEl>
-                                          <p:spTgt spid="3">
-                                            <p:txEl>
-                                              <p:pRg st="6" end="6"/>
-                                            </p:txEl>
-                                          </p:spTgt>
-                                        </p:tgtEl>
-                                        <p:attrNameLst>
-                                          <p:attrName>style.visibility</p:attrName>
-                                        </p:attrNameLst>
-                                      </p:cBhvr>
-                                      <p:to>
-                                        <p:strVal val="visible"/>
-                                      </p:to>
-                                    </p:set>
-                                  </p:childTnLst>
-                                </p:cTn>
-                              </p:par>
-                            </p:childTnLst>
-                          </p:cTn>
-                        </p:par>
-                      </p:childTnLst>
-                    </p:cTn>
-                  </p:par>
                 </p:childTnLst>
               </p:cTn>
               <p:prevCondLst>
@@ -41215,7 +39245,7 @@
 </p:sld>
 </file>
 
-<file path=ppt/slides/slide7.xml><?xml version="1.0" encoding="utf-8"?>
+<file path=ppt/slides/slide6.xml><?xml version="1.0" encoding="utf-8"?>
 <p:sld xmlns:a="http://schemas.openxmlformats.org/drawingml/2006/main" xmlns:r="http://schemas.openxmlformats.org/officeDocument/2006/relationships" xmlns:p="http://schemas.openxmlformats.org/presentationml/2006/main">
   <p:cSld>
     <p:spTree>
@@ -41261,8 +39291,8 @@
           </a:p>
         </p:txBody>
       </p:sp>
-      <mc:AlternateContent xmlns:mc="http://schemas.openxmlformats.org/markup-compatibility/2006">
-        <mc:Choice xmlns:a14="http://schemas.microsoft.com/office/drawing/2010/main" Requires="a14">
+      <mc:AlternateContent xmlns:mc="http://schemas.openxmlformats.org/markup-compatibility/2006" xmlns:a14="http://schemas.microsoft.com/office/drawing/2010/main">
+        <mc:Choice Requires="a14">
           <p:sp>
             <p:nvSpPr>
               <p:cNvPr id="3" name="Content Placeholder 2"/>
@@ -41361,7 +39391,13 @@
                                   <a:rPr lang="en-US" b="0" i="1" smtClean="0">
                                     <a:latin typeface="Cambria Math" panose="02040503050406030204" pitchFamily="18" charset="0"/>
                                   </a:rPr>
-                                  <m:t>1.0</m:t>
+                                  <m:t>1</m:t>
+                                </m:r>
+                                <m:r>
+                                  <a:rPr lang="en-US" b="0" i="1" smtClean="0">
+                                    <a:latin typeface="Cambria Math" panose="02040503050406030204" pitchFamily="18" charset="0"/>
+                                  </a:rPr>
+                                  <m:t>.0</m:t>
                                 </m:r>
                               </m:e>
                               <m:e>
@@ -41424,7 +39460,7 @@
             </p:txBody>
           </p:sp>
         </mc:Choice>
-        <mc:Fallback>
+        <mc:Fallback xmlns="">
           <p:sp>
             <p:nvSpPr>
               <p:cNvPr id="3" name="Content Placeholder 2"/>
@@ -41740,7 +39776,7 @@
 </p:sld>
 </file>
 
-<file path=ppt/slides/slide8.xml><?xml version="1.0" encoding="utf-8"?>
+<file path=ppt/slides/slide7.xml><?xml version="1.0" encoding="utf-8"?>
 <p:sld xmlns:a="http://schemas.openxmlformats.org/drawingml/2006/main" xmlns:r="http://schemas.openxmlformats.org/officeDocument/2006/relationships" xmlns:p="http://schemas.openxmlformats.org/presentationml/2006/main">
   <p:cSld>
     <p:spTree>
@@ -41786,8 +39822,8 @@
           </a:p>
         </p:txBody>
       </p:sp>
-      <mc:AlternateContent xmlns:mc="http://schemas.openxmlformats.org/markup-compatibility/2006">
-        <mc:Choice xmlns:a14="http://schemas.microsoft.com/office/drawing/2010/main" Requires="a14">
+      <mc:AlternateContent xmlns:mc="http://schemas.openxmlformats.org/markup-compatibility/2006" xmlns:a14="http://schemas.microsoft.com/office/drawing/2010/main">
+        <mc:Choice Requires="a14">
           <p:sp>
             <p:nvSpPr>
               <p:cNvPr id="3" name="Content Placeholder 2"/>
@@ -42031,7 +40067,7 @@
             </p:txBody>
           </p:sp>
         </mc:Choice>
-        <mc:Fallback>
+        <mc:Fallback xmlns="">
           <p:sp>
             <p:nvSpPr>
               <p:cNvPr id="3" name="Content Placeholder 2"/>
@@ -42468,7 +40504,7 @@
 </p:sld>
 </file>
 
-<file path=ppt/slides/slide9.xml><?xml version="1.0" encoding="utf-8"?>
+<file path=ppt/slides/slide8.xml><?xml version="1.0" encoding="utf-8"?>
 <p:sld xmlns:a="http://schemas.openxmlformats.org/drawingml/2006/main" xmlns:r="http://schemas.openxmlformats.org/officeDocument/2006/relationships" xmlns:p="http://schemas.openxmlformats.org/presentationml/2006/main">
   <p:cSld>
     <p:spTree>
@@ -42514,8 +40550,8 @@
           </a:p>
         </p:txBody>
       </p:sp>
-      <mc:AlternateContent xmlns:mc="http://schemas.openxmlformats.org/markup-compatibility/2006">
-        <mc:Choice xmlns:a14="http://schemas.microsoft.com/office/drawing/2010/main" Requires="a14">
+      <mc:AlternateContent xmlns:mc="http://schemas.openxmlformats.org/markup-compatibility/2006" xmlns:a14="http://schemas.microsoft.com/office/drawing/2010/main">
+        <mc:Choice Requires="a14">
           <p:sp>
             <p:nvSpPr>
               <p:cNvPr id="3" name="Content Placeholder 2"/>
@@ -42636,13 +40672,7 @@
                                   <a:rPr lang="en-US" b="0" i="1" smtClean="0">
                                     <a:latin typeface="Cambria Math" panose="02040503050406030204" pitchFamily="18" charset="0"/>
                                   </a:rPr>
-                                  <m:t>.</m:t>
-                                </m:r>
-                                <m:r>
-                                  <a:rPr lang="en-US" b="0" i="1" smtClean="0">
-                                    <a:latin typeface="Cambria Math" panose="02040503050406030204" pitchFamily="18" charset="0"/>
-                                  </a:rPr>
-                                  <m:t>92</m:t>
+                                  <m:t>.92</m:t>
                                 </m:r>
                               </m:e>
                               <m:e>
@@ -42650,13 +40680,7 @@
                                   <a:rPr lang="en-US" b="0" i="1" smtClean="0">
                                     <a:latin typeface="Cambria Math" panose="02040503050406030204" pitchFamily="18" charset="0"/>
                                   </a:rPr>
-                                  <m:t>0.</m:t>
-                                </m:r>
-                                <m:r>
-                                  <a:rPr lang="en-US" b="0" i="1" smtClean="0">
-                                    <a:latin typeface="Cambria Math" panose="02040503050406030204" pitchFamily="18" charset="0"/>
-                                  </a:rPr>
-                                  <m:t>0</m:t>
+                                  <m:t>0.0</m:t>
                                 </m:r>
                               </m:e>
                             </m:mr>
@@ -42666,13 +40690,7 @@
                                   <a:rPr lang="en-US" b="0" i="1" smtClean="0">
                                     <a:latin typeface="Cambria Math" panose="02040503050406030204" pitchFamily="18" charset="0"/>
                                   </a:rPr>
-                                  <m:t>0.</m:t>
-                                </m:r>
-                                <m:r>
-                                  <a:rPr lang="en-US" b="0" i="1" smtClean="0">
-                                    <a:latin typeface="Cambria Math" panose="02040503050406030204" pitchFamily="18" charset="0"/>
-                                  </a:rPr>
-                                  <m:t>0</m:t>
+                                  <m:t>0.0</m:t>
                                 </m:r>
                               </m:e>
                               <m:e>
@@ -42705,7 +40723,7 @@
             </p:txBody>
           </p:sp>
         </mc:Choice>
-        <mc:Fallback>
+        <mc:Fallback xmlns="">
           <p:sp>
             <p:nvSpPr>
               <p:cNvPr id="3" name="Content Placeholder 2"/>
@@ -43066,6 +41084,585 @@
         </p:cTn>
       </p:par>
     </p:tnLst>
+  </p:timing>
+</p:sld>
+</file>
+
+<file path=ppt/slides/slide9.xml><?xml version="1.0" encoding="utf-8"?>
+<p:sld xmlns:a="http://schemas.openxmlformats.org/drawingml/2006/main" xmlns:r="http://schemas.openxmlformats.org/officeDocument/2006/relationships" xmlns:p="http://schemas.openxmlformats.org/presentationml/2006/main">
+  <p:cSld>
+    <p:spTree>
+      <p:nvGrpSpPr>
+        <p:cNvPr id="1" name=""/>
+        <p:cNvGrpSpPr/>
+        <p:nvPr/>
+      </p:nvGrpSpPr>
+      <p:grpSpPr>
+        <a:xfrm>
+          <a:off x="0" y="0"/>
+          <a:ext cx="0" cy="0"/>
+          <a:chOff x="0" y="0"/>
+          <a:chExt cx="0" cy="0"/>
+        </a:xfrm>
+      </p:grpSpPr>
+      <p:sp>
+        <p:nvSpPr>
+          <p:cNvPr id="2" name="Title 1">
+            <a:extLst>
+              <a:ext uri="{FF2B5EF4-FFF2-40B4-BE49-F238E27FC236}">
+                <a16:creationId xmlns:a16="http://schemas.microsoft.com/office/drawing/2014/main" id="{2E28F462-DC1F-48AF-8BA3-5D8B887182ED}"/>
+              </a:ext>
+            </a:extLst>
+          </p:cNvPr>
+          <p:cNvSpPr>
+            <a:spLocks noGrp="1"/>
+          </p:cNvSpPr>
+          <p:nvPr>
+            <p:ph type="title"/>
+          </p:nvPr>
+        </p:nvSpPr>
+        <p:spPr>
+          <a:xfrm>
+            <a:off x="838200" y="365126"/>
+            <a:ext cx="10515600" cy="613070"/>
+          </a:xfrm>
+        </p:spPr>
+        <p:txBody>
+          <a:bodyPr>
+            <a:normAutofit fontScale="90000"/>
+          </a:bodyPr>
+          <a:lstStyle/>
+          <a:p>
+            <a:r>
+              <a:rPr lang="en-US" sz="4000" dirty="0">
+                <a:latin typeface="+mn-lt"/>
+                <a:cs typeface="Segoe UI" panose="020B0502040204020203" pitchFamily="34" charset="0"/>
+              </a:rPr>
+              <a:t>Review of Eigenvalues and Eigenvectors</a:t>
+            </a:r>
+          </a:p>
+        </p:txBody>
+      </p:sp>
+      <p:sp>
+        <p:nvSpPr>
+          <p:cNvPr id="3" name="Content Placeholder 2">
+            <a:extLst>
+              <a:ext uri="{FF2B5EF4-FFF2-40B4-BE49-F238E27FC236}">
+                <a16:creationId xmlns:a16="http://schemas.microsoft.com/office/drawing/2014/main" id="{6948E274-B4C9-49D5-BB15-6A382137E2DD}"/>
+              </a:ext>
+            </a:extLst>
+          </p:cNvPr>
+          <p:cNvSpPr>
+            <a:spLocks noGrp="1"/>
+          </p:cNvSpPr>
+          <p:nvPr>
+            <p:ph sz="quarter" idx="10"/>
+          </p:nvPr>
+        </p:nvSpPr>
+        <p:spPr>
+          <a:xfrm>
+            <a:off x="379514" y="1286539"/>
+            <a:ext cx="11525250" cy="5389245"/>
+          </a:xfrm>
+        </p:spPr>
+        <p:txBody>
+          <a:bodyPr/>
+          <a:lstStyle/>
+          <a:p>
+            <a:pPr marL="0" indent="0">
+              <a:buNone/>
+            </a:pPr>
+            <a:r>
+              <a:rPr lang="en-US" sz="2800" b="1" dirty="0">
+                <a:latin typeface="+mn-lt"/>
+                <a:cs typeface="Segoe UI" panose="020B0502040204020203" pitchFamily="34" charset="0"/>
+              </a:rPr>
+              <a:t>Eigenvalues</a:t>
+            </a:r>
+            <a:r>
+              <a:rPr lang="en-US" sz="2800" dirty="0">
+                <a:latin typeface="+mn-lt"/>
+                <a:cs typeface="Segoe UI" panose="020B0502040204020203" pitchFamily="34" charset="0"/>
+              </a:rPr>
+              <a:t> are characteristic roots or characteristic values of a linear system</a:t>
+            </a:r>
+          </a:p>
+          <a:p>
+            <a:r>
+              <a:rPr lang="en-US" sz="2800" dirty="0">
+                <a:latin typeface="+mn-lt"/>
+                <a:cs typeface="Segoe UI" panose="020B0502040204020203" pitchFamily="34" charset="0"/>
+              </a:rPr>
+              <a:t>Start with the eigenvalue, eigenvector relationship: </a:t>
+            </a:r>
+          </a:p>
+          <a:p>
+            <a:endParaRPr lang="en-US" sz="2800" dirty="0">
+              <a:latin typeface="+mn-lt"/>
+              <a:cs typeface="Segoe UI" panose="020B0502040204020203" pitchFamily="34" charset="0"/>
+            </a:endParaRPr>
+          </a:p>
+          <a:p>
+            <a:endParaRPr lang="en-US" sz="2800" dirty="0">
+              <a:latin typeface="+mn-lt"/>
+              <a:cs typeface="Segoe UI" panose="020B0502040204020203" pitchFamily="34" charset="0"/>
+            </a:endParaRPr>
+          </a:p>
+          <a:p>
+            <a:endParaRPr lang="en-US" sz="2800" dirty="0">
+              <a:latin typeface="+mn-lt"/>
+              <a:cs typeface="Segoe UI" panose="020B0502040204020203" pitchFamily="34" charset="0"/>
+            </a:endParaRPr>
+          </a:p>
+          <a:p>
+            <a:endParaRPr lang="en-US" sz="2800" dirty="0">
+              <a:latin typeface="+mn-lt"/>
+              <a:cs typeface="Segoe UI" panose="020B0502040204020203" pitchFamily="34" charset="0"/>
+            </a:endParaRPr>
+          </a:p>
+          <a:p>
+            <a:r>
+              <a:rPr lang="en-US" sz="2800" dirty="0">
+                <a:latin typeface="+mn-lt"/>
+                <a:cs typeface="Segoe UI" panose="020B0502040204020203" pitchFamily="34" charset="0"/>
+              </a:rPr>
+              <a:t>To see that </a:t>
+            </a:r>
+            <a:r>
+              <a:rPr lang="en-US" sz="2800" dirty="0">
+                <a:latin typeface="Symbol" panose="05050102010706020507" pitchFamily="18" charset="2"/>
+                <a:cs typeface="Segoe UI" panose="020B0502040204020203" pitchFamily="34" charset="0"/>
+              </a:rPr>
+              <a:t>l</a:t>
+            </a:r>
+            <a:r>
+              <a:rPr lang="en-US" sz="2800" dirty="0">
+                <a:latin typeface="+mn-lt"/>
+                <a:cs typeface="Segoe UI" panose="020B0502040204020203" pitchFamily="34" charset="0"/>
+              </a:rPr>
+              <a:t> is a root of </a:t>
+            </a:r>
+            <a:r>
+              <a:rPr lang="en-US" sz="2800" i="1" dirty="0">
+                <a:latin typeface="+mn-lt"/>
+                <a:cs typeface="Segoe UI" panose="020B0502040204020203" pitchFamily="34" charset="0"/>
+              </a:rPr>
+              <a:t>A</a:t>
+            </a:r>
+            <a:r>
+              <a:rPr lang="en-US" sz="2800" dirty="0">
+                <a:latin typeface="+mn-lt"/>
+                <a:cs typeface="Segoe UI" panose="020B0502040204020203" pitchFamily="34" charset="0"/>
+              </a:rPr>
+              <a:t> we can rearrange as follows: </a:t>
+            </a:r>
+          </a:p>
+        </p:txBody>
+      </p:sp>
+      <p:pic>
+        <p:nvPicPr>
+          <p:cNvPr id="7" name="Picture 6">
+            <a:extLst>
+              <a:ext uri="{FF2B5EF4-FFF2-40B4-BE49-F238E27FC236}">
+                <a16:creationId xmlns:a16="http://schemas.microsoft.com/office/drawing/2014/main" id="{9AEA1668-3240-481F-9ADA-8EBE27A38FC1}"/>
+              </a:ext>
+            </a:extLst>
+          </p:cNvPr>
+          <p:cNvPicPr>
+            <a:picLocks noChangeAspect="1"/>
+          </p:cNvPicPr>
+          <p:nvPr/>
+        </p:nvPicPr>
+        <p:blipFill>
+          <a:blip r:embed="rId2"/>
+          <a:stretch>
+            <a:fillRect/>
+          </a:stretch>
+        </p:blipFill>
+        <p:spPr>
+          <a:xfrm>
+            <a:off x="4803888" y="2299174"/>
+            <a:ext cx="1554513" cy="388629"/>
+          </a:xfrm>
+          <a:prstGeom prst="rect">
+            <a:avLst/>
+          </a:prstGeom>
+        </p:spPr>
+      </p:pic>
+      <p:pic>
+        <p:nvPicPr>
+          <p:cNvPr id="4" name="Picture 3">
+            <a:extLst>
+              <a:ext uri="{FF2B5EF4-FFF2-40B4-BE49-F238E27FC236}">
+                <a16:creationId xmlns:a16="http://schemas.microsoft.com/office/drawing/2014/main" id="{DB7ECF0E-4535-45CF-9C92-AF8E6CAD2A2C}"/>
+              </a:ext>
+            </a:extLst>
+          </p:cNvPr>
+          <p:cNvPicPr>
+            <a:picLocks noChangeAspect="1"/>
+          </p:cNvPicPr>
+          <p:nvPr/>
+        </p:nvPicPr>
+        <p:blipFill>
+          <a:blip r:embed="rId3"/>
+          <a:stretch>
+            <a:fillRect/>
+          </a:stretch>
+        </p:blipFill>
+        <p:spPr>
+          <a:xfrm>
+            <a:off x="1593149" y="2841975"/>
+            <a:ext cx="5064260" cy="1775402"/>
+          </a:xfrm>
+          <a:prstGeom prst="rect">
+            <a:avLst/>
+          </a:prstGeom>
+        </p:spPr>
+      </p:pic>
+      <p:pic>
+        <p:nvPicPr>
+          <p:cNvPr id="8" name="Picture 7">
+            <a:extLst>
+              <a:ext uri="{FF2B5EF4-FFF2-40B4-BE49-F238E27FC236}">
+                <a16:creationId xmlns:a16="http://schemas.microsoft.com/office/drawing/2014/main" id="{780533CD-4735-4F33-89BD-8EFA70FAB233}"/>
+              </a:ext>
+            </a:extLst>
+          </p:cNvPr>
+          <p:cNvPicPr>
+            <a:picLocks noChangeAspect="1"/>
+          </p:cNvPicPr>
+          <p:nvPr/>
+        </p:nvPicPr>
+        <p:blipFill>
+          <a:blip r:embed="rId4"/>
+          <a:stretch>
+            <a:fillRect/>
+          </a:stretch>
+        </p:blipFill>
+        <p:spPr>
+          <a:xfrm>
+            <a:off x="3634161" y="5371876"/>
+            <a:ext cx="2446991" cy="341043"/>
+          </a:xfrm>
+          <a:prstGeom prst="rect">
+            <a:avLst/>
+          </a:prstGeom>
+        </p:spPr>
+      </p:pic>
+      <p:pic>
+        <p:nvPicPr>
+          <p:cNvPr id="9" name="Picture 8">
+            <a:extLst>
+              <a:ext uri="{FF2B5EF4-FFF2-40B4-BE49-F238E27FC236}">
+                <a16:creationId xmlns:a16="http://schemas.microsoft.com/office/drawing/2014/main" id="{A5F4DAA7-9F50-47C2-9B46-BABFA5B1ABF3}"/>
+              </a:ext>
+            </a:extLst>
+          </p:cNvPr>
+          <p:cNvPicPr>
+            <a:picLocks noChangeAspect="1"/>
+          </p:cNvPicPr>
+          <p:nvPr/>
+        </p:nvPicPr>
+        <p:blipFill>
+          <a:blip r:embed="rId5"/>
+          <a:stretch>
+            <a:fillRect/>
+          </a:stretch>
+        </p:blipFill>
+        <p:spPr>
+          <a:xfrm>
+            <a:off x="3436094" y="5816591"/>
+            <a:ext cx="2597382" cy="413039"/>
+          </a:xfrm>
+          <a:prstGeom prst="rect">
+            <a:avLst/>
+          </a:prstGeom>
+        </p:spPr>
+      </p:pic>
+    </p:spTree>
+    <p:extLst>
+      <p:ext uri="{BB962C8B-B14F-4D97-AF65-F5344CB8AC3E}">
+        <p14:creationId xmlns:p14="http://schemas.microsoft.com/office/powerpoint/2010/main" val="570510071"/>
+      </p:ext>
+    </p:extLst>
+  </p:cSld>
+  <p:clrMapOvr>
+    <a:masterClrMapping/>
+  </p:clrMapOvr>
+  <p:timing>
+    <p:tnLst>
+      <p:par>
+        <p:cTn id="1" dur="indefinite" restart="never" nodeType="tmRoot">
+          <p:childTnLst>
+            <p:seq concurrent="1" nextAc="seek">
+              <p:cTn id="2" dur="indefinite" nodeType="mainSeq">
+                <p:childTnLst>
+                  <p:par>
+                    <p:cTn id="3" fill="hold">
+                      <p:stCondLst>
+                        <p:cond delay="indefinite"/>
+                      </p:stCondLst>
+                      <p:childTnLst>
+                        <p:par>
+                          <p:cTn id="4" fill="hold">
+                            <p:stCondLst>
+                              <p:cond delay="0"/>
+                            </p:stCondLst>
+                            <p:childTnLst>
+                              <p:par>
+                                <p:cTn id="5" presetID="1" presetClass="entr" presetSubtype="0" fill="hold" grpId="0" nodeType="clickEffect">
+                                  <p:stCondLst>
+                                    <p:cond delay="0"/>
+                                  </p:stCondLst>
+                                  <p:childTnLst>
+                                    <p:set>
+                                      <p:cBhvr>
+                                        <p:cTn id="6" dur="1" fill="hold">
+                                          <p:stCondLst>
+                                            <p:cond delay="0"/>
+                                          </p:stCondLst>
+                                        </p:cTn>
+                                        <p:tgtEl>
+                                          <p:spTgt spid="3">
+                                            <p:txEl>
+                                              <p:pRg st="1" end="1"/>
+                                            </p:txEl>
+                                          </p:spTgt>
+                                        </p:tgtEl>
+                                        <p:attrNameLst>
+                                          <p:attrName>style.visibility</p:attrName>
+                                        </p:attrNameLst>
+                                      </p:cBhvr>
+                                      <p:to>
+                                        <p:strVal val="visible"/>
+                                      </p:to>
+                                    </p:set>
+                                  </p:childTnLst>
+                                </p:cTn>
+                              </p:par>
+                            </p:childTnLst>
+                          </p:cTn>
+                        </p:par>
+                      </p:childTnLst>
+                    </p:cTn>
+                  </p:par>
+                  <p:par>
+                    <p:cTn id="7" fill="hold">
+                      <p:stCondLst>
+                        <p:cond delay="indefinite"/>
+                      </p:stCondLst>
+                      <p:childTnLst>
+                        <p:par>
+                          <p:cTn id="8" fill="hold">
+                            <p:stCondLst>
+                              <p:cond delay="0"/>
+                            </p:stCondLst>
+                            <p:childTnLst>
+                              <p:par>
+                                <p:cTn id="9" presetID="1" presetClass="entr" presetSubtype="0" fill="hold" nodeType="clickEffect">
+                                  <p:stCondLst>
+                                    <p:cond delay="0"/>
+                                  </p:stCondLst>
+                                  <p:childTnLst>
+                                    <p:set>
+                                      <p:cBhvr>
+                                        <p:cTn id="10" dur="1" fill="hold">
+                                          <p:stCondLst>
+                                            <p:cond delay="0"/>
+                                          </p:stCondLst>
+                                        </p:cTn>
+                                        <p:tgtEl>
+                                          <p:spTgt spid="7"/>
+                                        </p:tgtEl>
+                                        <p:attrNameLst>
+                                          <p:attrName>style.visibility</p:attrName>
+                                        </p:attrNameLst>
+                                      </p:cBhvr>
+                                      <p:to>
+                                        <p:strVal val="visible"/>
+                                      </p:to>
+                                    </p:set>
+                                  </p:childTnLst>
+                                </p:cTn>
+                              </p:par>
+                              <p:par>
+                                <p:cTn id="11" presetID="1" presetClass="entr" presetSubtype="0" fill="hold" nodeType="withEffect">
+                                  <p:stCondLst>
+                                    <p:cond delay="0"/>
+                                  </p:stCondLst>
+                                  <p:childTnLst>
+                                    <p:set>
+                                      <p:cBhvr>
+                                        <p:cTn id="12" dur="1" fill="hold">
+                                          <p:stCondLst>
+                                            <p:cond delay="0"/>
+                                          </p:stCondLst>
+                                        </p:cTn>
+                                        <p:tgtEl>
+                                          <p:spTgt spid="4"/>
+                                        </p:tgtEl>
+                                        <p:attrNameLst>
+                                          <p:attrName>style.visibility</p:attrName>
+                                        </p:attrNameLst>
+                                      </p:cBhvr>
+                                      <p:to>
+                                        <p:strVal val="visible"/>
+                                      </p:to>
+                                    </p:set>
+                                  </p:childTnLst>
+                                </p:cTn>
+                              </p:par>
+                            </p:childTnLst>
+                          </p:cTn>
+                        </p:par>
+                      </p:childTnLst>
+                    </p:cTn>
+                  </p:par>
+                  <p:par>
+                    <p:cTn id="13" fill="hold">
+                      <p:stCondLst>
+                        <p:cond delay="indefinite"/>
+                      </p:stCondLst>
+                      <p:childTnLst>
+                        <p:par>
+                          <p:cTn id="14" fill="hold">
+                            <p:stCondLst>
+                              <p:cond delay="0"/>
+                            </p:stCondLst>
+                            <p:childTnLst>
+                              <p:par>
+                                <p:cTn id="15" presetID="1" presetClass="entr" presetSubtype="0" fill="hold" grpId="0" nodeType="clickEffect">
+                                  <p:stCondLst>
+                                    <p:cond delay="0"/>
+                                  </p:stCondLst>
+                                  <p:childTnLst>
+                                    <p:set>
+                                      <p:cBhvr>
+                                        <p:cTn id="16" dur="1" fill="hold">
+                                          <p:stCondLst>
+                                            <p:cond delay="0"/>
+                                          </p:stCondLst>
+                                        </p:cTn>
+                                        <p:tgtEl>
+                                          <p:spTgt spid="3">
+                                            <p:txEl>
+                                              <p:pRg st="6" end="6"/>
+                                            </p:txEl>
+                                          </p:spTgt>
+                                        </p:tgtEl>
+                                        <p:attrNameLst>
+                                          <p:attrName>style.visibility</p:attrName>
+                                        </p:attrNameLst>
+                                      </p:cBhvr>
+                                      <p:to>
+                                        <p:strVal val="visible"/>
+                                      </p:to>
+                                    </p:set>
+                                  </p:childTnLst>
+                                </p:cTn>
+                              </p:par>
+                            </p:childTnLst>
+                          </p:cTn>
+                        </p:par>
+                      </p:childTnLst>
+                    </p:cTn>
+                  </p:par>
+                  <p:par>
+                    <p:cTn id="17" fill="hold">
+                      <p:stCondLst>
+                        <p:cond delay="indefinite"/>
+                      </p:stCondLst>
+                      <p:childTnLst>
+                        <p:par>
+                          <p:cTn id="18" fill="hold">
+                            <p:stCondLst>
+                              <p:cond delay="0"/>
+                            </p:stCondLst>
+                            <p:childTnLst>
+                              <p:par>
+                                <p:cTn id="19" presetID="1" presetClass="entr" presetSubtype="0" fill="hold" nodeType="clickEffect">
+                                  <p:stCondLst>
+                                    <p:cond delay="0"/>
+                                  </p:stCondLst>
+                                  <p:childTnLst>
+                                    <p:set>
+                                      <p:cBhvr>
+                                        <p:cTn id="20" dur="1" fill="hold">
+                                          <p:stCondLst>
+                                            <p:cond delay="0"/>
+                                          </p:stCondLst>
+                                        </p:cTn>
+                                        <p:tgtEl>
+                                          <p:spTgt spid="8"/>
+                                        </p:tgtEl>
+                                        <p:attrNameLst>
+                                          <p:attrName>style.visibility</p:attrName>
+                                        </p:attrNameLst>
+                                      </p:cBhvr>
+                                      <p:to>
+                                        <p:strVal val="visible"/>
+                                      </p:to>
+                                    </p:set>
+                                  </p:childTnLst>
+                                </p:cTn>
+                              </p:par>
+                              <p:par>
+                                <p:cTn id="21" presetID="1" presetClass="entr" presetSubtype="0" fill="hold" nodeType="withEffect">
+                                  <p:stCondLst>
+                                    <p:cond delay="0"/>
+                                  </p:stCondLst>
+                                  <p:childTnLst>
+                                    <p:set>
+                                      <p:cBhvr>
+                                        <p:cTn id="22" dur="1" fill="hold">
+                                          <p:stCondLst>
+                                            <p:cond delay="0"/>
+                                          </p:stCondLst>
+                                        </p:cTn>
+                                        <p:tgtEl>
+                                          <p:spTgt spid="9"/>
+                                        </p:tgtEl>
+                                        <p:attrNameLst>
+                                          <p:attrName>style.visibility</p:attrName>
+                                        </p:attrNameLst>
+                                      </p:cBhvr>
+                                      <p:to>
+                                        <p:strVal val="visible"/>
+                                      </p:to>
+                                    </p:set>
+                                  </p:childTnLst>
+                                </p:cTn>
+                              </p:par>
+                            </p:childTnLst>
+                          </p:cTn>
+                        </p:par>
+                      </p:childTnLst>
+                    </p:cTn>
+                  </p:par>
+                </p:childTnLst>
+              </p:cTn>
+              <p:prevCondLst>
+                <p:cond evt="onPrev" delay="0">
+                  <p:tgtEl>
+                    <p:sldTgt/>
+                  </p:tgtEl>
+                </p:cond>
+              </p:prevCondLst>
+              <p:nextCondLst>
+                <p:cond evt="onNext" delay="0">
+                  <p:tgtEl>
+                    <p:sldTgt/>
+                  </p:tgtEl>
+                </p:cond>
+              </p:nextCondLst>
+            </p:seq>
+          </p:childTnLst>
+        </p:cTn>
+      </p:par>
+    </p:tnLst>
+    <p:bldLst>
+      <p:bldP spid="3" grpId="0" uiExpand="1" build="p"/>
+    </p:bldLst>
   </p:timing>
 </p:sld>
 </file>

--- a/slides/7_DimensionalityReduction.pptx
+++ b/slides/7_DimensionalityReduction.pptx
@@ -228,7 +228,7 @@
           <a:p>
             <a:fld id="{ED460DB7-3564-4028-881B-4A225B453265}" type="datetimeFigureOut">
               <a:rPr lang="en-US" smtClean="0"/>
-              <a:t>7/19/2021</a:t>
+              <a:t>7/28/2021</a:t>
             </a:fld>
             <a:endParaRPr lang="en-US"/>
           </a:p>
@@ -1832,7 +1832,7 @@
           <a:p>
             <a:fld id="{C62B3463-61C8-4819-BC9A-C94FD847F060}" type="datetimeFigureOut">
               <a:rPr lang="en-US" smtClean="0"/>
-              <a:t>7/19/2021</a:t>
+              <a:t>7/28/2021</a:t>
             </a:fld>
             <a:endParaRPr lang="en-US"/>
           </a:p>
@@ -2030,7 +2030,7 @@
           <a:p>
             <a:fld id="{C62B3463-61C8-4819-BC9A-C94FD847F060}" type="datetimeFigureOut">
               <a:rPr lang="en-US" smtClean="0"/>
-              <a:t>7/19/2021</a:t>
+              <a:t>7/28/2021</a:t>
             </a:fld>
             <a:endParaRPr lang="en-US"/>
           </a:p>
@@ -2238,7 +2238,7 @@
           <a:p>
             <a:fld id="{C62B3463-61C8-4819-BC9A-C94FD847F060}" type="datetimeFigureOut">
               <a:rPr lang="en-US" smtClean="0"/>
-              <a:t>7/19/2021</a:t>
+              <a:t>7/28/2021</a:t>
             </a:fld>
             <a:endParaRPr lang="en-US"/>
           </a:p>
@@ -3151,7 +3151,7 @@
           <a:p>
             <a:fld id="{4ACD6B4E-9726-48B7-95FC-86DC5068328F}" type="datetimeFigureOut">
               <a:rPr lang="en-US" smtClean="0"/>
-              <a:t>7/19/2021</a:t>
+              <a:t>7/28/2021</a:t>
             </a:fld>
             <a:endParaRPr lang="en-US"/>
           </a:p>
@@ -3349,7 +3349,7 @@
           <a:p>
             <a:fld id="{C62B3463-61C8-4819-BC9A-C94FD847F060}" type="datetimeFigureOut">
               <a:rPr lang="en-US" smtClean="0"/>
-              <a:t>7/19/2021</a:t>
+              <a:t>7/28/2021</a:t>
             </a:fld>
             <a:endParaRPr lang="en-US"/>
           </a:p>
@@ -3624,7 +3624,7 @@
           <a:p>
             <a:fld id="{C62B3463-61C8-4819-BC9A-C94FD847F060}" type="datetimeFigureOut">
               <a:rPr lang="en-US" smtClean="0"/>
-              <a:t>7/19/2021</a:t>
+              <a:t>7/28/2021</a:t>
             </a:fld>
             <a:endParaRPr lang="en-US"/>
           </a:p>
@@ -3889,7 +3889,7 @@
           <a:p>
             <a:fld id="{C62B3463-61C8-4819-BC9A-C94FD847F060}" type="datetimeFigureOut">
               <a:rPr lang="en-US" smtClean="0"/>
-              <a:t>7/19/2021</a:t>
+              <a:t>7/28/2021</a:t>
             </a:fld>
             <a:endParaRPr lang="en-US"/>
           </a:p>
@@ -4301,7 +4301,7 @@
           <a:p>
             <a:fld id="{C62B3463-61C8-4819-BC9A-C94FD847F060}" type="datetimeFigureOut">
               <a:rPr lang="en-US" smtClean="0"/>
-              <a:t>7/19/2021</a:t>
+              <a:t>7/28/2021</a:t>
             </a:fld>
             <a:endParaRPr lang="en-US"/>
           </a:p>
@@ -4442,7 +4442,7 @@
           <a:p>
             <a:fld id="{C62B3463-61C8-4819-BC9A-C94FD847F060}" type="datetimeFigureOut">
               <a:rPr lang="en-US" smtClean="0"/>
-              <a:t>7/19/2021</a:t>
+              <a:t>7/28/2021</a:t>
             </a:fld>
             <a:endParaRPr lang="en-US"/>
           </a:p>
@@ -4555,7 +4555,7 @@
           <a:p>
             <a:fld id="{C62B3463-61C8-4819-BC9A-C94FD847F060}" type="datetimeFigureOut">
               <a:rPr lang="en-US" smtClean="0"/>
-              <a:t>7/19/2021</a:t>
+              <a:t>7/28/2021</a:t>
             </a:fld>
             <a:endParaRPr lang="en-US"/>
           </a:p>
@@ -4866,7 +4866,7 @@
           <a:p>
             <a:fld id="{C62B3463-61C8-4819-BC9A-C94FD847F060}" type="datetimeFigureOut">
               <a:rPr lang="en-US" smtClean="0"/>
-              <a:t>7/19/2021</a:t>
+              <a:t>7/28/2021</a:t>
             </a:fld>
             <a:endParaRPr lang="en-US"/>
           </a:p>
@@ -5154,7 +5154,7 @@
           <a:p>
             <a:fld id="{C62B3463-61C8-4819-BC9A-C94FD847F060}" type="datetimeFigureOut">
               <a:rPr lang="en-US" smtClean="0"/>
-              <a:t>7/19/2021</a:t>
+              <a:t>7/28/2021</a:t>
             </a:fld>
             <a:endParaRPr lang="en-US"/>
           </a:p>
@@ -5395,7 +5395,7 @@
           <a:p>
             <a:fld id="{C62B3463-61C8-4819-BC9A-C94FD847F060}" type="datetimeFigureOut">
               <a:rPr lang="en-US" smtClean="0"/>
-              <a:t>7/19/2021</a:t>
+              <a:t>7/28/2021</a:t>
             </a:fld>
             <a:endParaRPr lang="en-US"/>
           </a:p>
@@ -6593,7 +6593,7 @@
             </p:spPr>
             <p:txBody>
               <a:bodyPr>
-                <a:normAutofit lnSpcReduction="10000"/>
+                <a:normAutofit/>
               </a:bodyPr>
               <a:lstStyle/>
               <a:p>
@@ -7484,7 +7484,15 @@
                             </m:e>
                           </m:d>
                         </m:e>
-                        <m:sup/>
+                        <m:sup>
+                          <m:r>
+                            <a:rPr lang="en-US" b="0" i="1" smtClean="0">
+                              <a:latin typeface="Cambria Math" panose="02040503050406030204" pitchFamily="18" charset="0"/>
+                              <a:cs typeface="Segoe UI" panose="020B0502040204020203" pitchFamily="34" charset="0"/>
+                            </a:rPr>
+                            <m:t> </m:t>
+                          </m:r>
+                        </m:sup>
                       </m:sSup>
                     </m:oMath>
                   </m:oMathPara>
@@ -7797,7 +7805,7 @@
               <a:blipFill>
                 <a:blip r:embed="rId2"/>
                 <a:stretch>
-                  <a:fillRect l="-1058" t="-2593"/>
+                  <a:fillRect l="-1058" t="-1917" b="-1353"/>
                 </a:stretch>
               </a:blipFill>
             </p:spPr>
@@ -8257,8 +8265,8 @@
           </a:p>
         </p:txBody>
       </p:sp>
-      <mc:AlternateContent xmlns:mc="http://schemas.openxmlformats.org/markup-compatibility/2006">
-        <mc:Choice xmlns:a14="http://schemas.microsoft.com/office/drawing/2010/main" Requires="a14">
+      <mc:AlternateContent xmlns:mc="http://schemas.openxmlformats.org/markup-compatibility/2006" xmlns:a14="http://schemas.microsoft.com/office/drawing/2010/main">
+        <mc:Choice Requires="a14">
           <p:sp>
             <p:nvSpPr>
               <p:cNvPr id="3" name="Content Placeholder 2">
@@ -8885,7 +8893,7 @@
             </p:txBody>
           </p:sp>
         </mc:Choice>
-        <mc:Fallback>
+        <mc:Fallback xmlns="">
           <p:sp>
             <p:nvSpPr>
               <p:cNvPr id="3" name="Content Placeholder 2">
@@ -10767,8 +10775,8 @@
           </a:p>
         </p:txBody>
       </p:sp>
-      <mc:AlternateContent xmlns:mc="http://schemas.openxmlformats.org/markup-compatibility/2006">
-        <mc:Choice xmlns:a14="http://schemas.microsoft.com/office/drawing/2010/main" Requires="a14">
+      <mc:AlternateContent xmlns:mc="http://schemas.openxmlformats.org/markup-compatibility/2006" xmlns:a14="http://schemas.microsoft.com/office/drawing/2010/main">
+        <mc:Choice Requires="a14">
           <p:sp>
             <p:nvSpPr>
               <p:cNvPr id="3" name="Content Placeholder 2">
@@ -11463,7 +11471,7 @@
             </p:txBody>
           </p:sp>
         </mc:Choice>
-        <mc:Fallback>
+        <mc:Fallback xmlns="">
           <p:sp>
             <p:nvSpPr>
               <p:cNvPr id="3" name="Content Placeholder 2">
@@ -11814,8 +11822,8 @@
           </a:p>
         </p:txBody>
       </p:sp>
-      <mc:AlternateContent xmlns:mc="http://schemas.openxmlformats.org/markup-compatibility/2006">
-        <mc:Choice xmlns:a14="http://schemas.microsoft.com/office/drawing/2010/main" Requires="a14">
+      <mc:AlternateContent xmlns:mc="http://schemas.openxmlformats.org/markup-compatibility/2006" xmlns:a14="http://schemas.microsoft.com/office/drawing/2010/main">
+        <mc:Choice Requires="a14">
           <p:sp>
             <p:nvSpPr>
               <p:cNvPr id="3" name="Content Placeholder 2">
@@ -12904,7 +12912,7 @@
             </p:txBody>
           </p:sp>
         </mc:Choice>
-        <mc:Fallback>
+        <mc:Fallback xmlns="">
           <p:sp>
             <p:nvSpPr>
               <p:cNvPr id="3" name="Content Placeholder 2">
@@ -13206,8 +13214,8 @@
           </a:p>
         </p:txBody>
       </p:sp>
-      <mc:AlternateContent xmlns:mc="http://schemas.openxmlformats.org/markup-compatibility/2006">
-        <mc:Choice xmlns:a14="http://schemas.microsoft.com/office/drawing/2010/main" Requires="a14">
+      <mc:AlternateContent xmlns:mc="http://schemas.openxmlformats.org/markup-compatibility/2006" xmlns:a14="http://schemas.microsoft.com/office/drawing/2010/main">
+        <mc:Choice Requires="a14">
           <p:sp>
             <p:nvSpPr>
               <p:cNvPr id="3" name="Content Placeholder 2">
@@ -14057,7 +14065,7 @@
             </p:txBody>
           </p:sp>
         </mc:Choice>
-        <mc:Fallback>
+        <mc:Fallback xmlns="">
           <p:sp>
             <p:nvSpPr>
               <p:cNvPr id="3" name="Content Placeholder 2">
@@ -14408,8 +14416,8 @@
           </a:p>
         </p:txBody>
       </p:sp>
-      <mc:AlternateContent xmlns:mc="http://schemas.openxmlformats.org/markup-compatibility/2006">
-        <mc:Choice xmlns:a14="http://schemas.microsoft.com/office/drawing/2010/main" Requires="a14">
+      <mc:AlternateContent xmlns:mc="http://schemas.openxmlformats.org/markup-compatibility/2006" xmlns:a14="http://schemas.microsoft.com/office/drawing/2010/main">
+        <mc:Choice Requires="a14">
           <p:sp>
             <p:nvSpPr>
               <p:cNvPr id="3" name="Content Placeholder 2">
@@ -15142,7 +15150,7 @@
             </p:txBody>
           </p:sp>
         </mc:Choice>
-        <mc:Fallback>
+        <mc:Fallback xmlns="">
           <p:sp>
             <p:nvSpPr>
               <p:cNvPr id="3" name="Content Placeholder 2">
@@ -16185,8 +16193,8 @@
           </a:p>
         </p:txBody>
       </p:sp>
-      <mc:AlternateContent xmlns:mc="http://schemas.openxmlformats.org/markup-compatibility/2006">
-        <mc:Choice xmlns:a14="http://schemas.microsoft.com/office/drawing/2010/main" Requires="a14">
+      <mc:AlternateContent xmlns:mc="http://schemas.openxmlformats.org/markup-compatibility/2006" xmlns:a14="http://schemas.microsoft.com/office/drawing/2010/main">
+        <mc:Choice Requires="a14">
           <p:sp>
             <p:nvSpPr>
               <p:cNvPr id="3" name="Content Placeholder 2">
@@ -16718,7 +16726,7 @@
             </p:txBody>
           </p:sp>
         </mc:Choice>
-        <mc:Fallback>
+        <mc:Fallback xmlns="">
           <p:sp>
             <p:nvSpPr>
               <p:cNvPr id="3" name="Content Placeholder 2">
@@ -18934,8 +18942,8 @@
           </a:p>
         </p:txBody>
       </p:sp>
-      <mc:AlternateContent xmlns:mc="http://schemas.openxmlformats.org/markup-compatibility/2006">
-        <mc:Choice xmlns:a14="http://schemas.microsoft.com/office/drawing/2010/main" Requires="a14">
+      <mc:AlternateContent xmlns:mc="http://schemas.openxmlformats.org/markup-compatibility/2006" xmlns:a14="http://schemas.microsoft.com/office/drawing/2010/main">
+        <mc:Choice Requires="a14">
           <p:sp>
             <p:nvSpPr>
               <p:cNvPr id="3" name="Content Placeholder 2">
@@ -20537,7 +20545,7 @@
             </p:txBody>
           </p:sp>
         </mc:Choice>
-        <mc:Fallback>
+        <mc:Fallback xmlns="">
           <p:sp>
             <p:nvSpPr>
               <p:cNvPr id="3" name="Content Placeholder 2">
@@ -22189,8 +22197,8 @@
           </a:p>
         </p:txBody>
       </p:sp>
-      <mc:AlternateContent xmlns:mc="http://schemas.openxmlformats.org/markup-compatibility/2006">
-        <mc:Choice xmlns:a14="http://schemas.microsoft.com/office/drawing/2010/main" Requires="a14">
+      <mc:AlternateContent xmlns:mc="http://schemas.openxmlformats.org/markup-compatibility/2006" xmlns:a14="http://schemas.microsoft.com/office/drawing/2010/main">
+        <mc:Choice Requires="a14">
           <p:sp>
             <p:nvSpPr>
               <p:cNvPr id="3" name="Content Placeholder 2">
@@ -22912,7 +22920,7 @@
             </p:txBody>
           </p:sp>
         </mc:Choice>
-        <mc:Fallback>
+        <mc:Fallback xmlns="">
           <p:sp>
             <p:nvSpPr>
               <p:cNvPr id="3" name="Content Placeholder 2">
@@ -31747,8 +31755,8 @@
           </a:p>
         </p:txBody>
       </p:sp>
-      <mc:AlternateContent xmlns:mc="http://schemas.openxmlformats.org/markup-compatibility/2006">
-        <mc:Choice xmlns:a14="http://schemas.microsoft.com/office/drawing/2010/main" Requires="a14">
+      <mc:AlternateContent xmlns:mc="http://schemas.openxmlformats.org/markup-compatibility/2006" xmlns:a14="http://schemas.microsoft.com/office/drawing/2010/main">
+        <mc:Choice Requires="a14">
           <p:sp>
             <p:nvSpPr>
               <p:cNvPr id="3" name="Content Placeholder 2"/>
@@ -32466,7 +32474,7 @@
             </p:txBody>
           </p:sp>
         </mc:Choice>
-        <mc:Fallback>
+        <mc:Fallback xmlns="">
           <p:sp>
             <p:nvSpPr>
               <p:cNvPr id="3" name="Content Placeholder 2"/>
@@ -33891,8 +33899,8 @@
           </a:p>
         </p:txBody>
       </p:sp>
-      <mc:AlternateContent xmlns:mc="http://schemas.openxmlformats.org/markup-compatibility/2006">
-        <mc:Choice xmlns:a14="http://schemas.microsoft.com/office/drawing/2010/main" Requires="a14">
+      <mc:AlternateContent xmlns:mc="http://schemas.openxmlformats.org/markup-compatibility/2006" xmlns:a14="http://schemas.microsoft.com/office/drawing/2010/main">
+        <mc:Choice Requires="a14">
           <p:sp>
             <p:nvSpPr>
               <p:cNvPr id="3" name="Content Placeholder 2"/>
@@ -35443,7 +35451,7 @@
             </p:txBody>
           </p:sp>
         </mc:Choice>
-        <mc:Fallback>
+        <mc:Fallback xmlns="">
           <p:sp>
             <p:nvSpPr>
               <p:cNvPr id="3" name="Content Placeholder 2"/>
